--- a/doc/big_picture.pptx
+++ b/doc/big_picture.pptx
@@ -208,7 +208,7 @@
           <a:p>
             <a:fld id="{0FF26850-8575-9945-A6DF-A0798D281566}" type="datetimeFigureOut">
               <a:rPr lang="de-DE" smtClean="0"/>
-              <a:t>22.12.19</a:t>
+              <a:t>05.02.20</a:t>
             </a:fld>
             <a:endParaRPr lang="de-DE"/>
           </a:p>
@@ -1228,7 +1228,7 @@
           <a:p>
             <a:fld id="{60A3E910-B59F-F444-BE29-3A643468020D}" type="datetimeFigureOut">
               <a:rPr lang="de-DE" smtClean="0"/>
-              <a:t>22.12.19</a:t>
+              <a:t>05.02.20</a:t>
             </a:fld>
             <a:endParaRPr lang="de-DE"/>
           </a:p>
@@ -1398,7 +1398,7 @@
           <a:p>
             <a:fld id="{60A3E910-B59F-F444-BE29-3A643468020D}" type="datetimeFigureOut">
               <a:rPr lang="de-DE" smtClean="0"/>
-              <a:t>22.12.19</a:t>
+              <a:t>05.02.20</a:t>
             </a:fld>
             <a:endParaRPr lang="de-DE"/>
           </a:p>
@@ -1578,7 +1578,7 @@
           <a:p>
             <a:fld id="{60A3E910-B59F-F444-BE29-3A643468020D}" type="datetimeFigureOut">
               <a:rPr lang="de-DE" smtClean="0"/>
-              <a:t>22.12.19</a:t>
+              <a:t>05.02.20</a:t>
             </a:fld>
             <a:endParaRPr lang="de-DE"/>
           </a:p>
@@ -1748,7 +1748,7 @@
           <a:p>
             <a:fld id="{60A3E910-B59F-F444-BE29-3A643468020D}" type="datetimeFigureOut">
               <a:rPr lang="de-DE" smtClean="0"/>
-              <a:t>22.12.19</a:t>
+              <a:t>05.02.20</a:t>
             </a:fld>
             <a:endParaRPr lang="de-DE"/>
           </a:p>
@@ -1992,7 +1992,7 @@
           <a:p>
             <a:fld id="{60A3E910-B59F-F444-BE29-3A643468020D}" type="datetimeFigureOut">
               <a:rPr lang="de-DE" smtClean="0"/>
-              <a:t>22.12.19</a:t>
+              <a:t>05.02.20</a:t>
             </a:fld>
             <a:endParaRPr lang="de-DE"/>
           </a:p>
@@ -2224,7 +2224,7 @@
           <a:p>
             <a:fld id="{60A3E910-B59F-F444-BE29-3A643468020D}" type="datetimeFigureOut">
               <a:rPr lang="de-DE" smtClean="0"/>
-              <a:t>22.12.19</a:t>
+              <a:t>05.02.20</a:t>
             </a:fld>
             <a:endParaRPr lang="de-DE"/>
           </a:p>
@@ -2591,7 +2591,7 @@
           <a:p>
             <a:fld id="{60A3E910-B59F-F444-BE29-3A643468020D}" type="datetimeFigureOut">
               <a:rPr lang="de-DE" smtClean="0"/>
-              <a:t>22.12.19</a:t>
+              <a:t>05.02.20</a:t>
             </a:fld>
             <a:endParaRPr lang="de-DE"/>
           </a:p>
@@ -2709,7 +2709,7 @@
           <a:p>
             <a:fld id="{60A3E910-B59F-F444-BE29-3A643468020D}" type="datetimeFigureOut">
               <a:rPr lang="de-DE" smtClean="0"/>
-              <a:t>22.12.19</a:t>
+              <a:t>05.02.20</a:t>
             </a:fld>
             <a:endParaRPr lang="de-DE"/>
           </a:p>
@@ -2804,7 +2804,7 @@
           <a:p>
             <a:fld id="{60A3E910-B59F-F444-BE29-3A643468020D}" type="datetimeFigureOut">
               <a:rPr lang="de-DE" smtClean="0"/>
-              <a:t>22.12.19</a:t>
+              <a:t>05.02.20</a:t>
             </a:fld>
             <a:endParaRPr lang="de-DE"/>
           </a:p>
@@ -3081,7 +3081,7 @@
           <a:p>
             <a:fld id="{60A3E910-B59F-F444-BE29-3A643468020D}" type="datetimeFigureOut">
               <a:rPr lang="de-DE" smtClean="0"/>
-              <a:t>22.12.19</a:t>
+              <a:t>05.02.20</a:t>
             </a:fld>
             <a:endParaRPr lang="de-DE"/>
           </a:p>
@@ -3338,7 +3338,7 @@
           <a:p>
             <a:fld id="{60A3E910-B59F-F444-BE29-3A643468020D}" type="datetimeFigureOut">
               <a:rPr lang="de-DE" smtClean="0"/>
-              <a:t>22.12.19</a:t>
+              <a:t>05.02.20</a:t>
             </a:fld>
             <a:endParaRPr lang="de-DE"/>
           </a:p>
@@ -3551,7 +3551,7 @@
           <a:p>
             <a:fld id="{60A3E910-B59F-F444-BE29-3A643468020D}" type="datetimeFigureOut">
               <a:rPr lang="de-DE" smtClean="0"/>
-              <a:t>22.12.19</a:t>
+              <a:t>05.02.20</a:t>
             </a:fld>
             <a:endParaRPr lang="de-DE"/>
           </a:p>
@@ -4264,13 +4264,13 @@
           <a:p>
             <a:pPr algn="ctr"/>
             <a:r>
-              <a:rPr lang="de-DE" sz="1200" dirty="0" err="1">
+              <a:rPr lang="de-DE" sz="1200" dirty="0">
                 <a:solidFill>
                   <a:schemeClr val="tx1"/>
                 </a:solidFill>
                 <a:latin typeface="Courier" pitchFamily="2" charset="0"/>
               </a:rPr>
-              <a:t>spherical</a:t>
+              <a:t>potential</a:t>
             </a:r>
             <a:br>
               <a:rPr lang="de-DE" sz="1200" dirty="0">
@@ -4287,7 +4287,7 @@
                 </a:solidFill>
                 <a:latin typeface="Courier" pitchFamily="2" charset="0"/>
               </a:rPr>
-              <a:t>atoms</a:t>
+              <a:t>generator</a:t>
             </a:r>
             <a:endParaRPr lang="de-DE" sz="1200" dirty="0">
               <a:solidFill>
@@ -7697,10 +7697,10 @@
       </p:grpSp>
       <p:sp>
         <p:nvSpPr>
-          <p:cNvPr id="157" name="Rounded Rectangular Callout 156">
+          <p:cNvPr id="67" name="Rounded Rectangle 66">
             <a:extLst>
               <a:ext uri="{FF2B5EF4-FFF2-40B4-BE49-F238E27FC236}">
-                <a16:creationId xmlns:a16="http://schemas.microsoft.com/office/drawing/2014/main" id="{81874243-837E-3C43-8671-B879C5CF7F81}"/>
+                <a16:creationId xmlns:a16="http://schemas.microsoft.com/office/drawing/2014/main" id="{29D7D188-8CCC-954E-804B-6611A99A8F65}"/>
               </a:ext>
             </a:extLst>
           </p:cNvPr>
@@ -7709,16 +7709,13 @@
         </p:nvSpPr>
         <p:spPr>
           <a:xfrm>
-            <a:off x="4873084" y="4694980"/>
-            <a:ext cx="896342" cy="230457"/>
+            <a:off x="5665695" y="7448382"/>
+            <a:ext cx="1260000" cy="540000"/>
           </a:xfrm>
-          <a:prstGeom prst="wedgeRoundRectCallout">
-            <a:avLst>
-              <a:gd name="adj1" fmla="val -20833"/>
-              <a:gd name="adj2" fmla="val 132520"/>
-              <a:gd name="adj3" fmla="val 16667"/>
-            </a:avLst>
+          <a:prstGeom prst="roundRect">
+            <a:avLst/>
           </a:prstGeom>
+          <a:noFill/>
         </p:spPr>
         <p:style>
           <a:lnRef idx="2">
@@ -7743,18 +7740,36 @@
             <a:pPr algn="ctr"/>
             <a:r>
               <a:rPr lang="de-DE" sz="1200" dirty="0" err="1">
-                <a:latin typeface="Arial" panose="020B0604020202020204" pitchFamily="34" charset="0"/>
-                <a:cs typeface="Arial" panose="020B0604020202020204" pitchFamily="34" charset="0"/>
+                <a:solidFill>
+                  <a:schemeClr val="tx1"/>
+                </a:solidFill>
+                <a:latin typeface="Courier" pitchFamily="2" charset="0"/>
               </a:rPr>
-              <a:t>rename</a:t>
-            </a:r>
-            <a:r>
+              <a:t>conjugate</a:t>
+            </a:r>
+            <a:br>
               <a:rPr lang="de-DE" sz="1200" dirty="0">
-                <a:latin typeface="Arial" panose="020B0604020202020204" pitchFamily="34" charset="0"/>
-                <a:cs typeface="Arial" panose="020B0604020202020204" pitchFamily="34" charset="0"/>
+                <a:solidFill>
+                  <a:schemeClr val="tx1"/>
+                </a:solidFill>
+                <a:latin typeface="Courier" pitchFamily="2" charset="0"/>
               </a:rPr>
-              <a:t>?</a:t>
-            </a:r>
+            </a:br>
+            <a:r>
+              <a:rPr lang="de-DE" sz="1200" dirty="0" err="1">
+                <a:solidFill>
+                  <a:schemeClr val="tx1"/>
+                </a:solidFill>
+                <a:latin typeface="Courier" pitchFamily="2" charset="0"/>
+              </a:rPr>
+              <a:t>gradients</a:t>
+            </a:r>
+            <a:endParaRPr lang="de-DE" sz="1200" dirty="0">
+              <a:solidFill>
+                <a:schemeClr val="tx1"/>
+              </a:solidFill>
+              <a:latin typeface="Courier" pitchFamily="2" charset="0"/>
+            </a:endParaRPr>
           </a:p>
         </p:txBody>
       </p:sp>

--- a/doc/big_picture.pptx
+++ b/doc/big_picture.pptx
@@ -110,7 +110,7 @@
   <p:extLst>
     <p:ext uri="{EFAFB233-063F-42B5-8137-9DF3F51BA10A}">
       <p15:sldGuideLst xmlns:p15="http://schemas.microsoft.com/office/powerpoint/2012/main">
-        <p15:guide id="1" orient="horz" pos="3024" userDrawn="1">
+        <p15:guide id="1" orient="horz" pos="3001" userDrawn="1">
           <p15:clr>
             <a:srgbClr val="A4A3A4"/>
           </p15:clr>
@@ -208,7 +208,7 @@
           <a:p>
             <a:fld id="{0FF26850-8575-9945-A6DF-A0798D281566}" type="datetimeFigureOut">
               <a:rPr lang="de-DE" smtClean="0"/>
-              <a:t>05.02.20</a:t>
+              <a:t>13.07.21</a:t>
             </a:fld>
             <a:endParaRPr lang="de-DE"/>
           </a:p>
@@ -520,543 +520,6 @@
           <a:bodyPr/>
           <a:lstStyle/>
           <a:p>
-            <a:r>
-              <a:rPr lang="de-DE" dirty="0" err="1"/>
-              <a:t>angular_grid.cxx</a:t>
-            </a:r>
-            <a:r>
-              <a:rPr lang="de-DE" dirty="0"/>
-              <a:t>         </a:t>
-            </a:r>
-            <a:r>
-              <a:rPr lang="de-DE" dirty="0" err="1"/>
-              <a:t>control.hxx</a:t>
-            </a:r>
-            <a:r>
-              <a:rPr lang="de-DE" dirty="0"/>
-              <a:t>              </a:t>
-            </a:r>
-            <a:r>
-              <a:rPr lang="de-DE" dirty="0" err="1"/>
-              <a:t>fourier_poisson.hxx</a:t>
-            </a:r>
-            <a:r>
-              <a:rPr lang="de-DE" dirty="0"/>
-              <a:t>      </a:t>
-            </a:r>
-            <a:r>
-              <a:rPr lang="de-DE" dirty="0" err="1"/>
-              <a:t>radial_eigensolver.hxx</a:t>
-            </a:r>
-            <a:r>
-              <a:rPr lang="de-DE" dirty="0"/>
-              <a:t>   </a:t>
-            </a:r>
-            <a:r>
-              <a:rPr lang="de-DE" dirty="0" err="1"/>
-              <a:t>sho_overlap.cxx</a:t>
-            </a:r>
-            <a:r>
-              <a:rPr lang="de-DE" dirty="0"/>
-              <a:t>          </a:t>
-            </a:r>
-            <a:r>
-              <a:rPr lang="de-DE" dirty="0" err="1"/>
-              <a:t>simple_math.hxx</a:t>
-            </a:r>
-            <a:endParaRPr lang="de-DE" dirty="0"/>
-          </a:p>
-          <a:p>
-            <a:r>
-              <a:rPr lang="de-DE" dirty="0" err="1"/>
-              <a:t>angular_grid.hxx</a:t>
-            </a:r>
-            <a:r>
-              <a:rPr lang="de-DE" dirty="0"/>
-              <a:t>         </a:t>
-            </a:r>
-            <a:r>
-              <a:rPr lang="de-DE" dirty="0" err="1"/>
-              <a:t>data_view.hxx</a:t>
-            </a:r>
-            <a:r>
-              <a:rPr lang="de-DE" dirty="0"/>
-              <a:t>            </a:t>
-            </a:r>
-            <a:r>
-              <a:rPr lang="de-DE" dirty="0" err="1"/>
-              <a:t>geometry_analysis.cxx</a:t>
-            </a:r>
-            <a:r>
-              <a:rPr lang="de-DE" dirty="0"/>
-              <a:t>    </a:t>
-            </a:r>
-            <a:r>
-              <a:rPr lang="de-DE" dirty="0" err="1"/>
-              <a:t>radial_grid.cxx</a:t>
-            </a:r>
-            <a:r>
-              <a:rPr lang="de-DE" dirty="0"/>
-              <a:t>          </a:t>
-            </a:r>
-            <a:r>
-              <a:rPr lang="de-DE" dirty="0" err="1"/>
-              <a:t>sho_overlap.hxx</a:t>
-            </a:r>
-            <a:r>
-              <a:rPr lang="de-DE" dirty="0"/>
-              <a:t>          </a:t>
-            </a:r>
-            <a:r>
-              <a:rPr lang="de-DE" dirty="0" err="1"/>
-              <a:t>simple_timer.hxx</a:t>
-            </a:r>
-            <a:endParaRPr lang="de-DE" dirty="0"/>
-          </a:p>
-          <a:p>
-            <a:r>
-              <a:rPr lang="de-DE" dirty="0" err="1"/>
-              <a:t>atom_core.cxx</a:t>
-            </a:r>
-            <a:r>
-              <a:rPr lang="de-DE" dirty="0"/>
-              <a:t>            </a:t>
-            </a:r>
-            <a:r>
-              <a:rPr lang="de-DE" dirty="0" err="1"/>
-              <a:t>davidson_solver.cxx</a:t>
-            </a:r>
-            <a:r>
-              <a:rPr lang="de-DE" dirty="0"/>
-              <a:t>      </a:t>
-            </a:r>
-            <a:r>
-              <a:rPr lang="de-DE" dirty="0" err="1"/>
-              <a:t>geometry_analysis.hxx</a:t>
-            </a:r>
-            <a:r>
-              <a:rPr lang="de-DE" dirty="0"/>
-              <a:t>    </a:t>
-            </a:r>
-            <a:r>
-              <a:rPr lang="de-DE" dirty="0" err="1"/>
-              <a:t>radial_grid.hxx</a:t>
-            </a:r>
-            <a:r>
-              <a:rPr lang="de-DE" dirty="0"/>
-              <a:t>          </a:t>
-            </a:r>
-            <a:r>
-              <a:rPr lang="de-DE" dirty="0" err="1"/>
-              <a:t>sho_potential.cxx</a:t>
-            </a:r>
-            <a:r>
-              <a:rPr lang="de-DE" dirty="0"/>
-              <a:t>        </a:t>
-            </a:r>
-            <a:r>
-              <a:rPr lang="de-DE" dirty="0" err="1"/>
-              <a:t>single_atom.cxx</a:t>
-            </a:r>
-            <a:endParaRPr lang="de-DE" dirty="0"/>
-          </a:p>
-          <a:p>
-            <a:r>
-              <a:rPr lang="de-DE" dirty="0" err="1"/>
-              <a:t>atom_core.hxx</a:t>
-            </a:r>
-            <a:r>
-              <a:rPr lang="de-DE" dirty="0"/>
-              <a:t>            </a:t>
-            </a:r>
-            <a:r>
-              <a:rPr lang="de-DE" dirty="0" err="1"/>
-              <a:t>davidson_solver.hxx</a:t>
-            </a:r>
-            <a:r>
-              <a:rPr lang="de-DE" dirty="0"/>
-              <a:t>      </a:t>
-            </a:r>
-            <a:r>
-              <a:rPr lang="de-DE" dirty="0" err="1"/>
-              <a:t>grid_operators.cxx</a:t>
-            </a:r>
-            <a:r>
-              <a:rPr lang="de-DE" dirty="0"/>
-              <a:t>       </a:t>
-            </a:r>
-            <a:r>
-              <a:rPr lang="de-DE" dirty="0" err="1"/>
-              <a:t>radial_integrator.cxx</a:t>
-            </a:r>
-            <a:r>
-              <a:rPr lang="de-DE" dirty="0"/>
-              <a:t>    </a:t>
-            </a:r>
-            <a:r>
-              <a:rPr lang="de-DE" dirty="0" err="1"/>
-              <a:t>sho_potential.hxx</a:t>
-            </a:r>
-            <a:r>
-              <a:rPr lang="de-DE" dirty="0"/>
-              <a:t>        </a:t>
-            </a:r>
-            <a:r>
-              <a:rPr lang="de-DE" dirty="0" err="1"/>
-              <a:t>single_atom.hxx</a:t>
-            </a:r>
-            <a:endParaRPr lang="de-DE" dirty="0"/>
-          </a:p>
-          <a:p>
-            <a:r>
-              <a:rPr lang="de-DE" dirty="0" err="1"/>
-              <a:t>atom_image.hxx</a:t>
-            </a:r>
-            <a:r>
-              <a:rPr lang="de-DE" dirty="0"/>
-              <a:t>           </a:t>
-            </a:r>
-            <a:r>
-              <a:rPr lang="de-DE" dirty="0" err="1"/>
-              <a:t>debug_output.hxx</a:t>
-            </a:r>
-            <a:r>
-              <a:rPr lang="de-DE" dirty="0"/>
-              <a:t>         </a:t>
-            </a:r>
-            <a:r>
-              <a:rPr lang="de-DE" dirty="0" err="1"/>
-              <a:t>grid_operators.hxx</a:t>
-            </a:r>
-            <a:r>
-              <a:rPr lang="de-DE" dirty="0"/>
-              <a:t>       </a:t>
-            </a:r>
-            <a:r>
-              <a:rPr lang="de-DE" dirty="0" err="1"/>
-              <a:t>radial_integrator.hxx</a:t>
-            </a:r>
-            <a:r>
-              <a:rPr lang="de-DE" dirty="0"/>
-              <a:t>    </a:t>
-            </a:r>
-            <a:r>
-              <a:rPr lang="de-DE" dirty="0" err="1"/>
-              <a:t>sho_projection.cxx</a:t>
-            </a:r>
-            <a:r>
-              <a:rPr lang="de-DE" dirty="0"/>
-              <a:t>       </a:t>
-            </a:r>
-            <a:r>
-              <a:rPr lang="de-DE" dirty="0" err="1"/>
-              <a:t>solid_harmonics.hxx</a:t>
-            </a:r>
-            <a:endParaRPr lang="de-DE" dirty="0"/>
-          </a:p>
-          <a:p>
-            <a:r>
-              <a:rPr lang="de-DE" dirty="0" err="1"/>
-              <a:t>bessel_transform.cxx</a:t>
-            </a:r>
-            <a:r>
-              <a:rPr lang="de-DE" dirty="0"/>
-              <a:t>     </a:t>
-            </a:r>
-            <a:r>
-              <a:rPr lang="de-DE" dirty="0" err="1"/>
-              <a:t>element_config.hxx</a:t>
-            </a:r>
-            <a:r>
-              <a:rPr lang="de-DE" dirty="0"/>
-              <a:t>       </a:t>
-            </a:r>
-            <a:r>
-              <a:rPr lang="de-DE" dirty="0" err="1"/>
-              <a:t>hermite_polynomial.hxx</a:t>
-            </a:r>
-            <a:r>
-              <a:rPr lang="de-DE" dirty="0"/>
-              <a:t>   </a:t>
-            </a:r>
-            <a:r>
-              <a:rPr lang="de-DE" dirty="0" err="1"/>
-              <a:t>radial_potential.cxx</a:t>
-            </a:r>
-            <a:r>
-              <a:rPr lang="de-DE" dirty="0"/>
-              <a:t>     </a:t>
-            </a:r>
-            <a:r>
-              <a:rPr lang="de-DE" dirty="0" err="1"/>
-              <a:t>sho_projection.hxx</a:t>
-            </a:r>
-            <a:r>
-              <a:rPr lang="de-DE" dirty="0"/>
-              <a:t>       </a:t>
-            </a:r>
-            <a:r>
-              <a:rPr lang="de-DE" dirty="0" err="1"/>
-              <a:t>spherical_atoms.cxx</a:t>
-            </a:r>
-            <a:endParaRPr lang="de-DE" dirty="0"/>
-          </a:p>
-          <a:p>
-            <a:r>
-              <a:rPr lang="de-DE" dirty="0" err="1"/>
-              <a:t>bessel_transform.hxx</a:t>
-            </a:r>
-            <a:r>
-              <a:rPr lang="de-DE" dirty="0"/>
-              <a:t>     </a:t>
-            </a:r>
-            <a:r>
-              <a:rPr lang="de-DE" dirty="0" err="1"/>
-              <a:t>energy_level.hxx</a:t>
-            </a:r>
-            <a:r>
-              <a:rPr lang="de-DE" dirty="0"/>
-              <a:t>         </a:t>
-            </a:r>
-            <a:r>
-              <a:rPr lang="de-DE" dirty="0" err="1"/>
-              <a:t>inline_math.hxx</a:t>
-            </a:r>
-            <a:r>
-              <a:rPr lang="de-DE" dirty="0"/>
-              <a:t>          </a:t>
-            </a:r>
-            <a:r>
-              <a:rPr lang="de-DE" dirty="0" err="1"/>
-              <a:t>radial_potential.hxx</a:t>
-            </a:r>
-            <a:r>
-              <a:rPr lang="de-DE" dirty="0"/>
-              <a:t>     </a:t>
-            </a:r>
-            <a:r>
-              <a:rPr lang="de-DE" dirty="0" err="1"/>
-              <a:t>sho_radial.cxx</a:t>
-            </a:r>
-            <a:r>
-              <a:rPr lang="de-DE" dirty="0"/>
-              <a:t>           </a:t>
-            </a:r>
-            <a:r>
-              <a:rPr lang="de-DE" dirty="0" err="1"/>
-              <a:t>spherical_atoms.hxx</a:t>
-            </a:r>
-            <a:endParaRPr lang="de-DE" dirty="0"/>
-          </a:p>
-          <a:p>
-            <a:r>
-              <a:rPr lang="de-DE" dirty="0" err="1"/>
-              <a:t>boundary_condition.hxx</a:t>
-            </a:r>
-            <a:r>
-              <a:rPr lang="de-DE" dirty="0"/>
-              <a:t>   </a:t>
-            </a:r>
-            <a:r>
-              <a:rPr lang="de-DE" dirty="0" err="1"/>
-              <a:t>exchange_correlation.cxx</a:t>
-            </a:r>
-            <a:r>
-              <a:rPr lang="de-DE" dirty="0"/>
-              <a:t> </a:t>
-            </a:r>
-            <a:r>
-              <a:rPr lang="de-DE" dirty="0" err="1"/>
-              <a:t>inline_tools.hxx</a:t>
-            </a:r>
-            <a:r>
-              <a:rPr lang="de-DE" dirty="0"/>
-              <a:t>         </a:t>
-            </a:r>
-            <a:r>
-              <a:rPr lang="de-DE" dirty="0" err="1"/>
-              <a:t>real_space_grid.cxx</a:t>
-            </a:r>
-            <a:r>
-              <a:rPr lang="de-DE" dirty="0"/>
-              <a:t>      </a:t>
-            </a:r>
-            <a:r>
-              <a:rPr lang="de-DE" dirty="0" err="1"/>
-              <a:t>sho_radial.hxx</a:t>
-            </a:r>
-            <a:r>
-              <a:rPr lang="de-DE" dirty="0"/>
-              <a:t>           </a:t>
-            </a:r>
-            <a:r>
-              <a:rPr lang="de-DE" dirty="0" err="1"/>
-              <a:t>spherical_harmonics.hxx</a:t>
-            </a:r>
-            <a:endParaRPr lang="de-DE" dirty="0"/>
-          </a:p>
-          <a:p>
-            <a:r>
-              <a:rPr lang="de-DE" dirty="0" err="1"/>
-              <a:t>chemical_symbol.cxx</a:t>
-            </a:r>
-            <a:r>
-              <a:rPr lang="de-DE" dirty="0"/>
-              <a:t>      </a:t>
-            </a:r>
-            <a:r>
-              <a:rPr lang="de-DE" dirty="0" err="1"/>
-              <a:t>exchange_correlation.hxx</a:t>
-            </a:r>
-            <a:r>
-              <a:rPr lang="de-DE" dirty="0"/>
-              <a:t> </a:t>
-            </a:r>
-            <a:r>
-              <a:rPr lang="de-DE" dirty="0" err="1"/>
-              <a:t>linear_algebra.hxx</a:t>
-            </a:r>
-            <a:r>
-              <a:rPr lang="de-DE" dirty="0"/>
-              <a:t>       </a:t>
-            </a:r>
-            <a:r>
-              <a:rPr lang="de-DE" dirty="0" err="1"/>
-              <a:t>real_space_grid.hxx</a:t>
-            </a:r>
-            <a:r>
-              <a:rPr lang="de-DE" dirty="0"/>
-              <a:t>      </a:t>
-            </a:r>
-            <a:r>
-              <a:rPr lang="de-DE" dirty="0" err="1"/>
-              <a:t>sho_tools.cxx</a:t>
-            </a:r>
-            <a:r>
-              <a:rPr lang="de-DE" dirty="0"/>
-              <a:t>            </a:t>
-            </a:r>
-            <a:r>
-              <a:rPr lang="de-DE" dirty="0" err="1"/>
-              <a:t>vector_math.hxx</a:t>
-            </a:r>
-            <a:endParaRPr lang="de-DE" dirty="0"/>
-          </a:p>
-          <a:p>
-            <a:r>
-              <a:rPr lang="de-DE" dirty="0" err="1"/>
-              <a:t>chemical_symbol.hxx</a:t>
-            </a:r>
-            <a:r>
-              <a:rPr lang="de-DE" dirty="0"/>
-              <a:t>      </a:t>
-            </a:r>
-            <a:r>
-              <a:rPr lang="de-DE" dirty="0" err="1"/>
-              <a:t>finite_difference.cxx</a:t>
-            </a:r>
-            <a:r>
-              <a:rPr lang="de-DE" dirty="0"/>
-              <a:t>    </a:t>
-            </a:r>
-            <a:r>
-              <a:rPr lang="de-DE" dirty="0" err="1"/>
-              <a:t>lossful_compression.hxx</a:t>
-            </a:r>
-            <a:r>
-              <a:rPr lang="de-DE" dirty="0"/>
-              <a:t>  </a:t>
-            </a:r>
-            <a:r>
-              <a:rPr lang="de-DE" dirty="0" err="1"/>
-              <a:t>recorded_warnings.cxx</a:t>
-            </a:r>
-            <a:r>
-              <a:rPr lang="de-DE" dirty="0"/>
-              <a:t>    </a:t>
-            </a:r>
-            <a:r>
-              <a:rPr lang="de-DE" dirty="0" err="1"/>
-              <a:t>sho_tools.hxx</a:t>
-            </a:r>
-            <a:endParaRPr lang="de-DE" dirty="0"/>
-          </a:p>
-          <a:p>
-            <a:r>
-              <a:rPr lang="de-DE" dirty="0" err="1"/>
-              <a:t>constants.hxx</a:t>
-            </a:r>
-            <a:r>
-              <a:rPr lang="de-DE" dirty="0"/>
-              <a:t>            </a:t>
-            </a:r>
-            <a:r>
-              <a:rPr lang="de-DE" dirty="0" err="1"/>
-              <a:t>finite_difference.hxx</a:t>
-            </a:r>
-            <a:r>
-              <a:rPr lang="de-DE" dirty="0"/>
-              <a:t>    </a:t>
-            </a:r>
-            <a:r>
-              <a:rPr lang="de-DE" dirty="0" err="1"/>
-              <a:t>main.cxx</a:t>
-            </a:r>
-            <a:r>
-              <a:rPr lang="de-DE" dirty="0"/>
-              <a:t>                 </a:t>
-            </a:r>
-            <a:r>
-              <a:rPr lang="de-DE" dirty="0" err="1"/>
-              <a:t>recorded_warnings.hxx</a:t>
-            </a:r>
-            <a:r>
-              <a:rPr lang="de-DE" dirty="0"/>
-              <a:t>    </a:t>
-            </a:r>
-            <a:r>
-              <a:rPr lang="de-DE" dirty="0" err="1"/>
-              <a:t>sho_unitary.cxx</a:t>
-            </a:r>
-            <a:endParaRPr lang="de-DE" dirty="0"/>
-          </a:p>
-          <a:p>
-            <a:r>
-              <a:rPr lang="de-DE" dirty="0" err="1"/>
-              <a:t>control.cxx</a:t>
-            </a:r>
-            <a:r>
-              <a:rPr lang="de-DE" dirty="0"/>
-              <a:t>              </a:t>
-            </a:r>
-            <a:r>
-              <a:rPr lang="de-DE" dirty="0" err="1"/>
-              <a:t>fourier_poisson.cxx</a:t>
-            </a:r>
-            <a:r>
-              <a:rPr lang="de-DE" dirty="0"/>
-              <a:t>      </a:t>
-            </a:r>
-            <a:r>
-              <a:rPr lang="de-DE" dirty="0" err="1"/>
-              <a:t>radial_eigensolver.cxx</a:t>
-            </a:r>
-            <a:r>
-              <a:rPr lang="de-DE" dirty="0"/>
-              <a:t>   </a:t>
-            </a:r>
-            <a:r>
-              <a:rPr lang="de-DE" dirty="0" err="1"/>
-              <a:t>scattering_test.hxx</a:t>
-            </a:r>
-            <a:r>
-              <a:rPr lang="de-DE" dirty="0"/>
-              <a:t>      </a:t>
-            </a:r>
-            <a:r>
-              <a:rPr lang="de-DE" dirty="0" err="1"/>
-              <a:t>sho_unitary.hxx</a:t>
-            </a:r>
             <a:endParaRPr lang="de-DE" dirty="0"/>
           </a:p>
         </p:txBody>
@@ -1228,7 +691,7 @@
           <a:p>
             <a:fld id="{60A3E910-B59F-F444-BE29-3A643468020D}" type="datetimeFigureOut">
               <a:rPr lang="de-DE" smtClean="0"/>
-              <a:t>05.02.20</a:t>
+              <a:t>13.07.21</a:t>
             </a:fld>
             <a:endParaRPr lang="de-DE"/>
           </a:p>
@@ -1398,7 +861,7 @@
           <a:p>
             <a:fld id="{60A3E910-B59F-F444-BE29-3A643468020D}" type="datetimeFigureOut">
               <a:rPr lang="de-DE" smtClean="0"/>
-              <a:t>05.02.20</a:t>
+              <a:t>13.07.21</a:t>
             </a:fld>
             <a:endParaRPr lang="de-DE"/>
           </a:p>
@@ -1578,7 +1041,7 @@
           <a:p>
             <a:fld id="{60A3E910-B59F-F444-BE29-3A643468020D}" type="datetimeFigureOut">
               <a:rPr lang="de-DE" smtClean="0"/>
-              <a:t>05.02.20</a:t>
+              <a:t>13.07.21</a:t>
             </a:fld>
             <a:endParaRPr lang="de-DE"/>
           </a:p>
@@ -1748,7 +1211,7 @@
           <a:p>
             <a:fld id="{60A3E910-B59F-F444-BE29-3A643468020D}" type="datetimeFigureOut">
               <a:rPr lang="de-DE" smtClean="0"/>
-              <a:t>05.02.20</a:t>
+              <a:t>13.07.21</a:t>
             </a:fld>
             <a:endParaRPr lang="de-DE"/>
           </a:p>
@@ -1992,7 +1455,7 @@
           <a:p>
             <a:fld id="{60A3E910-B59F-F444-BE29-3A643468020D}" type="datetimeFigureOut">
               <a:rPr lang="de-DE" smtClean="0"/>
-              <a:t>05.02.20</a:t>
+              <a:t>13.07.21</a:t>
             </a:fld>
             <a:endParaRPr lang="de-DE"/>
           </a:p>
@@ -2224,7 +1687,7 @@
           <a:p>
             <a:fld id="{60A3E910-B59F-F444-BE29-3A643468020D}" type="datetimeFigureOut">
               <a:rPr lang="de-DE" smtClean="0"/>
-              <a:t>05.02.20</a:t>
+              <a:t>13.07.21</a:t>
             </a:fld>
             <a:endParaRPr lang="de-DE"/>
           </a:p>
@@ -2591,7 +2054,7 @@
           <a:p>
             <a:fld id="{60A3E910-B59F-F444-BE29-3A643468020D}" type="datetimeFigureOut">
               <a:rPr lang="de-DE" smtClean="0"/>
-              <a:t>05.02.20</a:t>
+              <a:t>13.07.21</a:t>
             </a:fld>
             <a:endParaRPr lang="de-DE"/>
           </a:p>
@@ -2709,7 +2172,7 @@
           <a:p>
             <a:fld id="{60A3E910-B59F-F444-BE29-3A643468020D}" type="datetimeFigureOut">
               <a:rPr lang="de-DE" smtClean="0"/>
-              <a:t>05.02.20</a:t>
+              <a:t>13.07.21</a:t>
             </a:fld>
             <a:endParaRPr lang="de-DE"/>
           </a:p>
@@ -2804,7 +2267,7 @@
           <a:p>
             <a:fld id="{60A3E910-B59F-F444-BE29-3A643468020D}" type="datetimeFigureOut">
               <a:rPr lang="de-DE" smtClean="0"/>
-              <a:t>05.02.20</a:t>
+              <a:t>13.07.21</a:t>
             </a:fld>
             <a:endParaRPr lang="de-DE"/>
           </a:p>
@@ -3081,7 +2544,7 @@
           <a:p>
             <a:fld id="{60A3E910-B59F-F444-BE29-3A643468020D}" type="datetimeFigureOut">
               <a:rPr lang="de-DE" smtClean="0"/>
-              <a:t>05.02.20</a:t>
+              <a:t>13.07.21</a:t>
             </a:fld>
             <a:endParaRPr lang="de-DE"/>
           </a:p>
@@ -3338,7 +2801,7 @@
           <a:p>
             <a:fld id="{60A3E910-B59F-F444-BE29-3A643468020D}" type="datetimeFigureOut">
               <a:rPr lang="de-DE" smtClean="0"/>
-              <a:t>05.02.20</a:t>
+              <a:t>13.07.21</a:t>
             </a:fld>
             <a:endParaRPr lang="de-DE"/>
           </a:p>
@@ -3551,7 +3014,7 @@
           <a:p>
             <a:fld id="{60A3E910-B59F-F444-BE29-3A643468020D}" type="datetimeFigureOut">
               <a:rPr lang="de-DE" smtClean="0"/>
-              <a:t>05.02.20</a:t>
+              <a:t>13.07.21</a:t>
             </a:fld>
             <a:endParaRPr lang="de-DE"/>
           </a:p>
@@ -3988,162 +3451,6 @@
       </p:pic>
       <p:sp>
         <p:nvSpPr>
-          <p:cNvPr id="6" name="Rounded Rectangle 5">
-            <a:extLst>
-              <a:ext uri="{FF2B5EF4-FFF2-40B4-BE49-F238E27FC236}">
-                <a16:creationId xmlns:a16="http://schemas.microsoft.com/office/drawing/2014/main" id="{76B0EA17-902A-FA4A-87E0-114493A24F4C}"/>
-              </a:ext>
-            </a:extLst>
-          </p:cNvPr>
-          <p:cNvSpPr/>
-          <p:nvPr/>
-        </p:nvSpPr>
-        <p:spPr>
-          <a:xfrm>
-            <a:off x="482139" y="-515389"/>
-            <a:ext cx="1080000" cy="360000"/>
-          </a:xfrm>
-          <a:prstGeom prst="roundRect">
-            <a:avLst/>
-          </a:prstGeom>
-          <a:noFill/>
-        </p:spPr>
-        <p:style>
-          <a:lnRef idx="2">
-            <a:schemeClr val="accent1">
-              <a:shade val="50000"/>
-            </a:schemeClr>
-          </a:lnRef>
-          <a:fillRef idx="1">
-            <a:schemeClr val="accent1"/>
-          </a:fillRef>
-          <a:effectRef idx="0">
-            <a:schemeClr val="accent1"/>
-          </a:effectRef>
-          <a:fontRef idx="minor">
-            <a:schemeClr val="lt1"/>
-          </a:fontRef>
-        </p:style>
-        <p:txBody>
-          <a:bodyPr rtlCol="0" anchor="ctr"/>
-          <a:lstStyle/>
-          <a:p>
-            <a:pPr algn="ctr"/>
-            <a:r>
-              <a:rPr lang="de-DE" sz="1200" dirty="0" err="1">
-                <a:solidFill>
-                  <a:schemeClr val="tx1"/>
-                </a:solidFill>
-                <a:latin typeface="Courier" pitchFamily="2" charset="0"/>
-              </a:rPr>
-              <a:t>example</a:t>
-            </a:r>
-            <a:endParaRPr lang="de-DE" sz="1200" dirty="0">
-              <a:solidFill>
-                <a:schemeClr val="tx1"/>
-              </a:solidFill>
-              <a:latin typeface="Courier" pitchFamily="2" charset="0"/>
-            </a:endParaRPr>
-          </a:p>
-        </p:txBody>
-      </p:sp>
-      <p:sp>
-        <p:nvSpPr>
-          <p:cNvPr id="10" name="Oval 9">
-            <a:extLst>
-              <a:ext uri="{FF2B5EF4-FFF2-40B4-BE49-F238E27FC236}">
-                <a16:creationId xmlns:a16="http://schemas.microsoft.com/office/drawing/2014/main" id="{7C9ACF80-F223-9142-B868-4AF99CC959DB}"/>
-              </a:ext>
-            </a:extLst>
-          </p:cNvPr>
-          <p:cNvSpPr/>
-          <p:nvPr/>
-        </p:nvSpPr>
-        <p:spPr>
-          <a:xfrm>
-            <a:off x="-1850867" y="3028240"/>
-            <a:ext cx="1440000" cy="1440000"/>
-          </a:xfrm>
-          <a:prstGeom prst="ellipse">
-            <a:avLst/>
-          </a:prstGeom>
-          <a:noFill/>
-        </p:spPr>
-        <p:style>
-          <a:lnRef idx="2">
-            <a:schemeClr val="accent1">
-              <a:shade val="50000"/>
-            </a:schemeClr>
-          </a:lnRef>
-          <a:fillRef idx="1">
-            <a:schemeClr val="accent1"/>
-          </a:fillRef>
-          <a:effectRef idx="0">
-            <a:schemeClr val="accent1"/>
-          </a:effectRef>
-          <a:fontRef idx="minor">
-            <a:schemeClr val="lt1"/>
-          </a:fontRef>
-        </p:style>
-        <p:txBody>
-          <a:bodyPr rtlCol="0" anchor="ctr"/>
-          <a:lstStyle/>
-          <a:p>
-            <a:pPr algn="ctr"/>
-            <a:r>
-              <a:rPr lang="de-DE" sz="1200" dirty="0">
-                <a:solidFill>
-                  <a:schemeClr val="tx1"/>
-                </a:solidFill>
-                <a:latin typeface="Arial" panose="020B0604020202020204" pitchFamily="34" charset="0"/>
-                <a:cs typeface="Arial" panose="020B0604020202020204" pitchFamily="34" charset="0"/>
-              </a:rPr>
-              <a:t>DFT</a:t>
-            </a:r>
-          </a:p>
-          <a:p>
-            <a:pPr algn="ctr"/>
-            <a:r>
-              <a:rPr lang="de-DE" sz="1200" dirty="0" err="1">
-                <a:solidFill>
-                  <a:schemeClr val="tx1"/>
-                </a:solidFill>
-                <a:latin typeface="Arial" panose="020B0604020202020204" pitchFamily="34" charset="0"/>
-                <a:cs typeface="Arial" panose="020B0604020202020204" pitchFamily="34" charset="0"/>
-              </a:rPr>
-              <a:t>self-consistency</a:t>
-            </a:r>
-            <a:br>
-              <a:rPr lang="de-DE" sz="1200" dirty="0">
-                <a:solidFill>
-                  <a:schemeClr val="tx1"/>
-                </a:solidFill>
-                <a:latin typeface="Arial" panose="020B0604020202020204" pitchFamily="34" charset="0"/>
-                <a:cs typeface="Arial" panose="020B0604020202020204" pitchFamily="34" charset="0"/>
-              </a:rPr>
-            </a:br>
-            <a:r>
-              <a:rPr lang="de-DE" sz="1200" dirty="0" err="1">
-                <a:solidFill>
-                  <a:schemeClr val="tx1"/>
-                </a:solidFill>
-                <a:latin typeface="Arial" panose="020B0604020202020204" pitchFamily="34" charset="0"/>
-                <a:cs typeface="Arial" panose="020B0604020202020204" pitchFamily="34" charset="0"/>
-              </a:rPr>
-              <a:t>cycle</a:t>
-            </a:r>
-            <a:endParaRPr lang="de-DE" sz="1200" dirty="0">
-              <a:solidFill>
-                <a:schemeClr val="tx1"/>
-              </a:solidFill>
-              <a:latin typeface="Arial" panose="020B0604020202020204" pitchFamily="34" charset="0"/>
-              <a:cs typeface="Arial" panose="020B0604020202020204" pitchFamily="34" charset="0"/>
-            </a:endParaRPr>
-          </a:p>
-        </p:txBody>
-      </p:sp>
-      <p:sp>
-        <p:nvSpPr>
           <p:cNvPr id="11" name="Rounded Rectangle 10">
             <a:extLst>
               <a:ext uri="{FF2B5EF4-FFF2-40B4-BE49-F238E27FC236}">
@@ -4156,7 +3463,7 @@
         </p:nvSpPr>
         <p:spPr>
           <a:xfrm>
-            <a:off x="657828" y="2083847"/>
+            <a:off x="10800000" y="3420000"/>
             <a:ext cx="1260000" cy="540000"/>
           </a:xfrm>
           <a:prstGeom prst="roundRect">
@@ -4234,7 +3541,7 @@
         </p:nvSpPr>
         <p:spPr>
           <a:xfrm>
-            <a:off x="3969055" y="5063810"/>
+            <a:off x="4140000" y="5220000"/>
             <a:ext cx="1260000" cy="540000"/>
           </a:xfrm>
           <a:prstGeom prst="roundRect">
@@ -4312,7 +3619,7 @@
         </p:nvGrpSpPr>
         <p:grpSpPr>
           <a:xfrm>
-            <a:off x="613038" y="672706"/>
+            <a:off x="11012850" y="2269495"/>
             <a:ext cx="1736763" cy="812800"/>
             <a:chOff x="1186778" y="672706"/>
             <a:chExt cx="1736763" cy="812800"/>
@@ -4421,9 +3728,9 @@
         <p:grpSpPr>
           <a:xfrm>
             <a:off x="3969055" y="669860"/>
-            <a:ext cx="1572362" cy="812800"/>
+            <a:ext cx="1726250" cy="812800"/>
             <a:chOff x="780378" y="5424549"/>
-            <a:chExt cx="1572362" cy="812800"/>
+            <a:chExt cx="1726250" cy="812800"/>
           </a:xfrm>
         </p:grpSpPr>
         <p:pic>
@@ -4473,7 +3780,7 @@
           <p:spPr>
             <a:xfrm>
               <a:off x="1562139" y="5600116"/>
-              <a:ext cx="790601" cy="461665"/>
+              <a:ext cx="944489" cy="461665"/>
             </a:xfrm>
             <a:prstGeom prst="rect">
               <a:avLst/>
@@ -4487,7 +3794,7 @@
             <a:lstStyle/>
             <a:p>
               <a:r>
-                <a:rPr lang="de-DE" sz="1200" dirty="0" err="1">
+                <a:rPr lang="de-DE" sz="1200" i="1" dirty="0" err="1">
                   <a:latin typeface="Arial" panose="020B0604020202020204" pitchFamily="34" charset="0"/>
                   <a:cs typeface="Arial" panose="020B0604020202020204" pitchFamily="34" charset="0"/>
                 </a:rPr>
@@ -4498,7 +3805,21 @@
                   <a:latin typeface="Arial" panose="020B0604020202020204" pitchFamily="34" charset="0"/>
                   <a:cs typeface="Arial" panose="020B0604020202020204" pitchFamily="34" charset="0"/>
                 </a:rPr>
-                <a:t> </a:t>
+                <a:t>(</a:t>
+              </a:r>
+              <a:r>
+                <a:rPr lang="de-DE" sz="1200" i="1" dirty="0" err="1">
+                  <a:latin typeface="Arial" panose="020B0604020202020204" pitchFamily="34" charset="0"/>
+                  <a:cs typeface="Arial" panose="020B0604020202020204" pitchFamily="34" charset="0"/>
+                </a:rPr>
+                <a:t>r</a:t>
+              </a:r>
+              <a:r>
+                <a:rPr lang="de-DE" sz="1200" dirty="0">
+                  <a:latin typeface="Arial" panose="020B0604020202020204" pitchFamily="34" charset="0"/>
+                  <a:cs typeface="Arial" panose="020B0604020202020204" pitchFamily="34" charset="0"/>
+                </a:rPr>
+                <a:t>) </a:t>
               </a:r>
               <a:r>
                 <a:rPr lang="de-DE" sz="1200" dirty="0" err="1">
@@ -4513,6 +3834,13 @@
                   <a:cs typeface="Arial" panose="020B0604020202020204" pitchFamily="34" charset="0"/>
                 </a:rPr>
               </a:br>
+              <a:r>
+                <a:rPr lang="de-DE" sz="1200" dirty="0">
+                  <a:latin typeface="Arial" panose="020B0604020202020204" pitchFamily="34" charset="0"/>
+                  <a:cs typeface="Arial" panose="020B0604020202020204" pitchFamily="34" charset="0"/>
+                </a:rPr>
+                <a:t>dir </a:t>
+              </a:r>
               <a:r>
                 <a:rPr lang="de-DE" sz="1200" dirty="0" err="1">
                   <a:latin typeface="Courier" pitchFamily="2" charset="0"/>
@@ -4545,7 +3873,7 @@
         </p:nvSpPr>
         <p:spPr>
           <a:xfrm>
-            <a:off x="3969055" y="6199595"/>
+            <a:off x="2520000" y="6120000"/>
             <a:ext cx="1260000" cy="540000"/>
           </a:xfrm>
           <a:prstGeom prst="roundRect">
@@ -4623,7 +3951,7 @@
         </p:nvSpPr>
         <p:spPr>
           <a:xfrm>
-            <a:off x="2778339" y="1793216"/>
+            <a:off x="2520000" y="1800000"/>
             <a:ext cx="1260000" cy="540000"/>
           </a:xfrm>
           <a:prstGeom prst="roundRect">
@@ -4701,7 +4029,7 @@
         </p:nvSpPr>
         <p:spPr>
           <a:xfrm>
-            <a:off x="4881542" y="1793216"/>
+            <a:off x="5220000" y="1800000"/>
             <a:ext cx="1260000" cy="540000"/>
           </a:xfrm>
           <a:prstGeom prst="roundRect">
@@ -4779,7 +4107,7 @@
         </p:nvSpPr>
         <p:spPr>
           <a:xfrm>
-            <a:off x="678676" y="7117976"/>
+            <a:off x="2520000" y="7200000"/>
             <a:ext cx="1260000" cy="540000"/>
           </a:xfrm>
           <a:prstGeom prst="roundRect">
@@ -4857,7 +4185,7 @@
         </p:nvSpPr>
         <p:spPr>
           <a:xfrm>
-            <a:off x="678676" y="7977458"/>
+            <a:off x="2520000" y="8100000"/>
             <a:ext cx="1260000" cy="540000"/>
           </a:xfrm>
           <a:prstGeom prst="roundRect">
@@ -4893,8 +4221,16 @@
                 </a:solidFill>
                 <a:latin typeface="Courier" pitchFamily="2" charset="0"/>
               </a:rPr>
-              <a:t>real </a:t>
-            </a:r>
+              <a:t>real</a:t>
+            </a:r>
+            <a:br>
+              <a:rPr lang="de-DE" sz="1200" dirty="0">
+                <a:solidFill>
+                  <a:schemeClr val="tx1"/>
+                </a:solidFill>
+                <a:latin typeface="Courier" pitchFamily="2" charset="0"/>
+              </a:rPr>
+            </a:br>
             <a:r>
               <a:rPr lang="de-DE" sz="1200" dirty="0" err="1">
                 <a:solidFill>
@@ -4903,24 +4239,6 @@
                 <a:latin typeface="Courier" pitchFamily="2" charset="0"/>
               </a:rPr>
               <a:t>space</a:t>
-            </a:r>
-            <a:r>
-              <a:rPr lang="de-DE" sz="1200" dirty="0">
-                <a:solidFill>
-                  <a:schemeClr val="tx1"/>
-                </a:solidFill>
-                <a:latin typeface="Courier" pitchFamily="2" charset="0"/>
-              </a:rPr>
-              <a:t> </a:t>
-            </a:r>
-            <a:r>
-              <a:rPr lang="de-DE" sz="1200" dirty="0" err="1">
-                <a:solidFill>
-                  <a:schemeClr val="tx1"/>
-                </a:solidFill>
-                <a:latin typeface="Courier" pitchFamily="2" charset="0"/>
-              </a:rPr>
-              <a:t>grid</a:t>
             </a:r>
             <a:endParaRPr lang="de-DE" sz="1200" dirty="0">
               <a:solidFill>
@@ -4945,7 +4263,7 @@
         </p:nvSpPr>
         <p:spPr>
           <a:xfrm>
-            <a:off x="698368" y="3928767"/>
+            <a:off x="900000" y="2340000"/>
             <a:ext cx="1260000" cy="540000"/>
           </a:xfrm>
           <a:prstGeom prst="roundRect">
@@ -5024,7 +4342,7 @@
         </p:nvSpPr>
         <p:spPr>
           <a:xfrm>
-            <a:off x="3968996" y="7464042"/>
+            <a:off x="7380000" y="7200000"/>
             <a:ext cx="1260000" cy="540000"/>
           </a:xfrm>
           <a:prstGeom prst="roundRect">
@@ -5103,7 +4421,7 @@
         </p:nvSpPr>
         <p:spPr>
           <a:xfrm>
-            <a:off x="3975406" y="8216245"/>
+            <a:off x="7380000" y="8100000"/>
             <a:ext cx="1260000" cy="540000"/>
           </a:xfrm>
           <a:prstGeom prst="roundRect">
@@ -5181,7 +4499,7 @@
         </p:nvSpPr>
         <p:spPr>
           <a:xfrm>
-            <a:off x="11185841" y="1798727"/>
+            <a:off x="8460000" y="2520000"/>
             <a:ext cx="1260000" cy="540000"/>
           </a:xfrm>
           <a:prstGeom prst="roundRect">
@@ -5259,7 +4577,7 @@
         </p:nvSpPr>
         <p:spPr>
           <a:xfrm>
-            <a:off x="6982975" y="1798727"/>
+            <a:off x="6840000" y="1798906"/>
             <a:ext cx="1260000" cy="540000"/>
           </a:xfrm>
           <a:prstGeom prst="roundRect">
@@ -5329,7 +4647,7 @@
         </p:nvSpPr>
         <p:spPr>
           <a:xfrm>
-            <a:off x="2778339" y="3923448"/>
+            <a:off x="5220000" y="4320000"/>
             <a:ext cx="1260000" cy="540000"/>
           </a:xfrm>
           <a:prstGeom prst="roundRect">
@@ -5408,7 +4726,7 @@
         </p:nvSpPr>
         <p:spPr>
           <a:xfrm>
-            <a:off x="698368" y="6044326"/>
+            <a:off x="900000" y="7200000"/>
             <a:ext cx="1260000" cy="540000"/>
           </a:xfrm>
           <a:prstGeom prst="roundRect">
@@ -5487,7 +4805,7 @@
         </p:nvSpPr>
         <p:spPr>
           <a:xfrm>
-            <a:off x="3955744" y="8931351"/>
+            <a:off x="5760000" y="9000000"/>
             <a:ext cx="1260000" cy="540000"/>
           </a:xfrm>
           <a:prstGeom prst="roundRect">
@@ -5566,7 +4884,7 @@
         </p:nvSpPr>
         <p:spPr>
           <a:xfrm>
-            <a:off x="698368" y="3145439"/>
+            <a:off x="10800000" y="4320000"/>
             <a:ext cx="1260000" cy="540000"/>
           </a:xfrm>
           <a:prstGeom prst="roundRect">
@@ -5645,7 +4963,7 @@
         </p:nvSpPr>
         <p:spPr>
           <a:xfrm>
-            <a:off x="4874462" y="2865778"/>
+            <a:off x="6840000" y="2520000"/>
             <a:ext cx="1260000" cy="540000"/>
           </a:xfrm>
           <a:prstGeom prst="roundRect">
@@ -5700,7 +5018,7 @@
         </p:nvSpPr>
         <p:spPr>
           <a:xfrm>
-            <a:off x="9084408" y="1798727"/>
+            <a:off x="8460000" y="1798906"/>
             <a:ext cx="1260000" cy="540000"/>
           </a:xfrm>
           <a:prstGeom prst="roundRect">
@@ -5770,10 +5088,10 @@
         </p:nvGrpSpPr>
         <p:grpSpPr>
           <a:xfrm>
-            <a:off x="6539642" y="910908"/>
-            <a:ext cx="2799224" cy="360000"/>
-            <a:chOff x="6539642" y="910908"/>
-            <a:chExt cx="2799224" cy="360000"/>
+            <a:off x="6840000" y="900000"/>
+            <a:ext cx="3007556" cy="360000"/>
+            <a:chOff x="6228961" y="850855"/>
+            <a:chExt cx="3007556" cy="360000"/>
           </a:xfrm>
         </p:grpSpPr>
         <p:sp>
@@ -5790,7 +5108,7 @@
           </p:nvSpPr>
           <p:spPr>
             <a:xfrm>
-              <a:off x="6539642" y="910908"/>
+              <a:off x="6228961" y="850855"/>
               <a:ext cx="1260000" cy="360000"/>
             </a:xfrm>
             <a:prstGeom prst="roundRect">
@@ -5851,7 +5169,7 @@
           </p:nvSpPr>
           <p:spPr>
             <a:xfrm>
-              <a:off x="7825310" y="952408"/>
+              <a:off x="7722961" y="886855"/>
               <a:ext cx="1513556" cy="276999"/>
             </a:xfrm>
             <a:prstGeom prst="rect">
@@ -5922,7 +5240,7 @@
         </p:nvSpPr>
         <p:spPr>
           <a:xfrm>
-            <a:off x="685026" y="4977168"/>
+            <a:off x="900000" y="3240000"/>
             <a:ext cx="1260000" cy="540000"/>
           </a:xfrm>
           <a:prstGeom prst="roundRect">
@@ -5994,7 +5312,7 @@
         </p:nvSpPr>
         <p:spPr>
           <a:xfrm>
-            <a:off x="2325982" y="8931351"/>
+            <a:off x="4140000" y="9000000"/>
             <a:ext cx="1260000" cy="540000"/>
           </a:xfrm>
           <a:prstGeom prst="roundRect">
@@ -6059,252 +5377,84 @@
           </a:p>
         </p:txBody>
       </p:sp>
-      <p:grpSp>
-        <p:nvGrpSpPr>
-          <p:cNvPr id="150" name="Group 149">
+      <p:sp>
+        <p:nvSpPr>
+          <p:cNvPr id="44" name="Rounded Rectangle 43">
             <a:extLst>
               <a:ext uri="{FF2B5EF4-FFF2-40B4-BE49-F238E27FC236}">
-                <a16:creationId xmlns:a16="http://schemas.microsoft.com/office/drawing/2014/main" id="{3C101B3B-DD81-F941-92DC-87D5106B757B}"/>
+                <a16:creationId xmlns:a16="http://schemas.microsoft.com/office/drawing/2014/main" id="{5F26C983-CECD-9D4C-BB43-61181C7B1C14}"/>
               </a:ext>
             </a:extLst>
           </p:cNvPr>
-          <p:cNvGrpSpPr/>
+          <p:cNvSpPr/>
           <p:nvPr/>
-        </p:nvGrpSpPr>
-        <p:grpSpPr>
+        </p:nvSpPr>
+        <p:spPr>
           <a:xfrm>
-            <a:off x="8919724" y="5247167"/>
-            <a:ext cx="3573381" cy="3954183"/>
-            <a:chOff x="6640407" y="4930587"/>
-            <a:chExt cx="3573381" cy="3954183"/>
-          </a:xfrm>
-        </p:grpSpPr>
-        <p:sp>
-          <p:nvSpPr>
-            <p:cNvPr id="51" name="Rectangle 50">
-              <a:extLst>
-                <a:ext uri="{FF2B5EF4-FFF2-40B4-BE49-F238E27FC236}">
-                  <a16:creationId xmlns:a16="http://schemas.microsoft.com/office/drawing/2014/main" id="{A3325916-85DD-0543-8A2B-1CC3C3D54FAA}"/>
-                </a:ext>
-              </a:extLst>
-            </p:cNvPr>
-            <p:cNvSpPr/>
-            <p:nvPr/>
-          </p:nvSpPr>
-          <p:spPr>
-            <a:xfrm>
-              <a:off x="6640407" y="4930587"/>
-              <a:ext cx="3573381" cy="3954183"/>
-            </a:xfrm>
-            <a:prstGeom prst="rect">
-              <a:avLst/>
-            </a:prstGeom>
-            <a:solidFill>
-              <a:srgbClr val="FF0000">
-                <a:alpha val="10000"/>
-              </a:srgbClr>
-            </a:solidFill>
-            <a:ln>
-              <a:prstDash val="dash"/>
-            </a:ln>
-          </p:spPr>
-          <p:style>
-            <a:lnRef idx="2">
-              <a:schemeClr val="accent1">
-                <a:shade val="50000"/>
-              </a:schemeClr>
-            </a:lnRef>
-            <a:fillRef idx="1">
-              <a:schemeClr val="accent1"/>
-            </a:fillRef>
-            <a:effectRef idx="0">
-              <a:schemeClr val="accent1"/>
-            </a:effectRef>
-            <a:fontRef idx="minor">
-              <a:schemeClr val="lt1"/>
-            </a:fontRef>
-          </p:style>
-          <p:txBody>
-            <a:bodyPr rtlCol="0" anchor="t"/>
-            <a:lstStyle/>
-            <a:p>
-              <a:r>
-                <a:rPr lang="de-DE" sz="1200" dirty="0" err="1">
-                  <a:solidFill>
-                    <a:schemeClr val="tx1"/>
-                  </a:solidFill>
-                  <a:latin typeface="Arial" panose="020B0604020202020204" pitchFamily="34" charset="0"/>
-                  <a:cs typeface="Arial" panose="020B0604020202020204" pitchFamily="34" charset="0"/>
-                </a:rPr>
-                <a:t>ToDo</a:t>
-              </a:r>
-              <a:endParaRPr lang="de-DE" sz="1200" dirty="0">
-                <a:solidFill>
-                  <a:schemeClr val="tx1"/>
-                </a:solidFill>
-                <a:latin typeface="Arial" panose="020B0604020202020204" pitchFamily="34" charset="0"/>
-                <a:cs typeface="Arial" panose="020B0604020202020204" pitchFamily="34" charset="0"/>
-              </a:endParaRPr>
-            </a:p>
-          </p:txBody>
-        </p:sp>
-        <p:sp>
-          <p:nvSpPr>
-            <p:cNvPr id="44" name="Rounded Rectangle 43">
-              <a:extLst>
-                <a:ext uri="{FF2B5EF4-FFF2-40B4-BE49-F238E27FC236}">
-                  <a16:creationId xmlns:a16="http://schemas.microsoft.com/office/drawing/2014/main" id="{5F26C983-CECD-9D4C-BB43-61181C7B1C14}"/>
-                </a:ext>
-              </a:extLst>
-            </p:cNvPr>
-            <p:cNvSpPr/>
-            <p:nvPr/>
-          </p:nvSpPr>
-          <p:spPr>
-            <a:xfrm>
-              <a:off x="7087894" y="5306518"/>
-              <a:ext cx="1260000" cy="540000"/>
-            </a:xfrm>
-            <a:prstGeom prst="roundRect">
-              <a:avLst/>
-            </a:prstGeom>
-            <a:noFill/>
-          </p:spPr>
-          <p:style>
-            <a:lnRef idx="2">
-              <a:schemeClr val="accent1">
-                <a:shade val="50000"/>
-              </a:schemeClr>
-            </a:lnRef>
-            <a:fillRef idx="1">
-              <a:schemeClr val="accent1"/>
-            </a:fillRef>
-            <a:effectRef idx="0">
-              <a:schemeClr val="accent1"/>
-            </a:effectRef>
-            <a:fontRef idx="minor">
-              <a:schemeClr val="lt1"/>
-            </a:fontRef>
-          </p:style>
-          <p:txBody>
-            <a:bodyPr rtlCol="0" anchor="ctr"/>
-            <a:lstStyle/>
-            <a:p>
-              <a:pPr algn="ctr"/>
-              <a:r>
-                <a:rPr lang="de-DE" sz="1200" dirty="0" err="1">
-                  <a:solidFill>
-                    <a:schemeClr val="tx1"/>
-                  </a:solidFill>
-                  <a:latin typeface="Courier" pitchFamily="2" charset="0"/>
-                </a:rPr>
-                <a:t>tfqmr</a:t>
-              </a:r>
-              <a:br>
-                <a:rPr lang="de-DE" sz="1200" dirty="0">
-                  <a:solidFill>
-                    <a:schemeClr val="tx1"/>
-                  </a:solidFill>
-                  <a:latin typeface="Courier" pitchFamily="2" charset="0"/>
-                </a:rPr>
-              </a:br>
-              <a:r>
-                <a:rPr lang="de-DE" sz="1200" dirty="0" err="1">
-                  <a:solidFill>
-                    <a:schemeClr val="tx1"/>
-                  </a:solidFill>
-                  <a:latin typeface="Courier" pitchFamily="2" charset="0"/>
-                </a:rPr>
-                <a:t>solver</a:t>
-              </a:r>
-              <a:endParaRPr lang="de-DE" sz="1200" dirty="0">
-                <a:solidFill>
-                  <a:schemeClr val="tx1"/>
-                </a:solidFill>
-                <a:latin typeface="Courier" pitchFamily="2" charset="0"/>
-              </a:endParaRPr>
-            </a:p>
-          </p:txBody>
-        </p:sp>
-        <p:sp>
-          <p:nvSpPr>
-            <p:cNvPr id="48" name="Rounded Rectangle 47">
-              <a:extLst>
-                <a:ext uri="{FF2B5EF4-FFF2-40B4-BE49-F238E27FC236}">
-                  <a16:creationId xmlns:a16="http://schemas.microsoft.com/office/drawing/2014/main" id="{A837AE97-18D3-324C-8BFD-C3F598648862}"/>
-                </a:ext>
-              </a:extLst>
-            </p:cNvPr>
-            <p:cNvSpPr/>
-            <p:nvPr/>
-          </p:nvSpPr>
-          <p:spPr>
-            <a:xfrm>
-              <a:off x="7087894" y="6024533"/>
-              <a:ext cx="1260000" cy="540000"/>
-            </a:xfrm>
-            <a:prstGeom prst="roundRect">
-              <a:avLst/>
-            </a:prstGeom>
-            <a:noFill/>
-          </p:spPr>
-          <p:style>
-            <a:lnRef idx="2">
-              <a:schemeClr val="accent1">
-                <a:shade val="50000"/>
-              </a:schemeClr>
-            </a:lnRef>
-            <a:fillRef idx="1">
-              <a:schemeClr val="accent1"/>
-            </a:fillRef>
-            <a:effectRef idx="0">
-              <a:schemeClr val="accent1"/>
-            </a:effectRef>
-            <a:fontRef idx="minor">
-              <a:schemeClr val="lt1"/>
-            </a:fontRef>
-          </p:style>
-          <p:txBody>
-            <a:bodyPr rtlCol="0" anchor="ctr"/>
-            <a:lstStyle/>
-            <a:p>
-              <a:pPr algn="ctr"/>
-              <a:r>
-                <a:rPr lang="de-DE" sz="1200" dirty="0" err="1">
-                  <a:solidFill>
-                    <a:schemeClr val="tx1"/>
-                  </a:solidFill>
-                  <a:latin typeface="Courier" pitchFamily="2" charset="0"/>
-                </a:rPr>
-                <a:t>sho</a:t>
-              </a:r>
-              <a:br>
-                <a:rPr lang="de-DE" sz="1200" dirty="0">
-                  <a:solidFill>
-                    <a:schemeClr val="tx1"/>
-                  </a:solidFill>
-                  <a:latin typeface="Courier" pitchFamily="2" charset="0"/>
-                </a:rPr>
-              </a:br>
-              <a:r>
-                <a:rPr lang="de-DE" sz="1200" dirty="0" err="1">
-                  <a:solidFill>
-                    <a:schemeClr val="tx1"/>
-                  </a:solidFill>
-                  <a:latin typeface="Courier" pitchFamily="2" charset="0"/>
-                </a:rPr>
-                <a:t>operators</a:t>
-              </a:r>
-              <a:endParaRPr lang="de-DE" sz="1200" dirty="0">
-                <a:solidFill>
-                  <a:schemeClr val="tx1"/>
-                </a:solidFill>
-                <a:latin typeface="Courier" pitchFamily="2" charset="0"/>
-              </a:endParaRPr>
-            </a:p>
-          </p:txBody>
-        </p:sp>
-      </p:grpSp>
+            <a:off x="-1631310" y="8332140"/>
+            <a:ext cx="1260000" cy="540000"/>
+          </a:xfrm>
+          <a:prstGeom prst="roundRect">
+            <a:avLst/>
+          </a:prstGeom>
+          <a:noFill/>
+        </p:spPr>
+        <p:style>
+          <a:lnRef idx="2">
+            <a:schemeClr val="accent1">
+              <a:shade val="50000"/>
+            </a:schemeClr>
+          </a:lnRef>
+          <a:fillRef idx="1">
+            <a:schemeClr val="accent1"/>
+          </a:fillRef>
+          <a:effectRef idx="0">
+            <a:schemeClr val="accent1"/>
+          </a:effectRef>
+          <a:fontRef idx="minor">
+            <a:schemeClr val="lt1"/>
+          </a:fontRef>
+        </p:style>
+        <p:txBody>
+          <a:bodyPr rtlCol="0" anchor="ctr"/>
+          <a:lstStyle/>
+          <a:p>
+            <a:pPr algn="ctr"/>
+            <a:r>
+              <a:rPr lang="de-DE" sz="1200" dirty="0" err="1">
+                <a:solidFill>
+                  <a:schemeClr val="tx1"/>
+                </a:solidFill>
+                <a:latin typeface="Courier" pitchFamily="2" charset="0"/>
+              </a:rPr>
+              <a:t>xml</a:t>
+            </a:r>
+            <a:br>
+              <a:rPr lang="de-DE" sz="1200" dirty="0">
+                <a:solidFill>
+                  <a:schemeClr val="tx1"/>
+                </a:solidFill>
+                <a:latin typeface="Courier" pitchFamily="2" charset="0"/>
+              </a:rPr>
+            </a:br>
+            <a:r>
+              <a:rPr lang="de-DE" sz="1200" dirty="0" err="1">
+                <a:solidFill>
+                  <a:schemeClr val="tx1"/>
+                </a:solidFill>
+                <a:latin typeface="Courier" pitchFamily="2" charset="0"/>
+              </a:rPr>
+              <a:t>reading</a:t>
+            </a:r>
+            <a:endParaRPr lang="de-DE" sz="1200" dirty="0">
+              <a:solidFill>
+                <a:schemeClr val="tx1"/>
+              </a:solidFill>
+              <a:latin typeface="Courier" pitchFamily="2" charset="0"/>
+            </a:endParaRPr>
+          </a:p>
+        </p:txBody>
+      </p:sp>
       <p:sp>
         <p:nvSpPr>
           <p:cNvPr id="52" name="Rounded Rectangle 51">
@@ -6319,7 +5469,7 @@
         </p:nvSpPr>
         <p:spPr>
           <a:xfrm>
-            <a:off x="2776569" y="2841617"/>
+            <a:off x="2520000" y="2880000"/>
             <a:ext cx="1260000" cy="540000"/>
           </a:xfrm>
           <a:prstGeom prst="roundRect">
@@ -6389,7 +5539,7 @@
         </p:nvSpPr>
         <p:spPr>
           <a:xfrm>
-            <a:off x="2272673" y="7387976"/>
+            <a:off x="4140000" y="7200000"/>
             <a:ext cx="1260000" cy="540000"/>
           </a:xfrm>
           <a:prstGeom prst="roundRect">
@@ -6465,18 +5615,20 @@
           </p:cNvPr>
           <p:cNvCxnSpPr>
             <a:cxnSpLocks/>
-            <a:stCxn id="33" idx="1"/>
-            <a:endCxn id="41" idx="3"/>
+            <a:stCxn id="33" idx="0"/>
+            <a:endCxn id="41" idx="2"/>
           </p:cNvCxnSpPr>
           <p:nvPr/>
         </p:nvCxnSpPr>
         <p:spPr>
-          <a:xfrm rot="10800000">
-            <a:off x="10344409" y="2068727"/>
-            <a:ext cx="841433" cy="12700"/>
+          <a:xfrm rot="5400000" flipH="1" flipV="1">
+            <a:off x="8999453" y="2429453"/>
+            <a:ext cx="181094" cy="12700"/>
           </a:xfrm>
           <a:prstGeom prst="bentConnector3">
-            <a:avLst/>
+            <a:avLst>
+              <a:gd name="adj1" fmla="val 50000"/>
+            </a:avLst>
           </a:prstGeom>
           <a:ln>
             <a:tailEnd type="triangle"/>
@@ -6515,8 +5667,8 @@
         </p:nvCxnSpPr>
         <p:spPr>
           <a:xfrm rot="10800000">
-            <a:off x="8242976" y="2068727"/>
-            <a:ext cx="841433" cy="12700"/>
+            <a:off x="8100000" y="2081606"/>
+            <a:ext cx="360000" cy="0"/>
           </a:xfrm>
           <a:prstGeom prst="bentConnector3">
             <a:avLst/>
@@ -6557,9 +5709,9 @@
           <p:nvPr/>
         </p:nvCxnSpPr>
         <p:spPr>
-          <a:xfrm rot="10800000">
-            <a:off x="6141543" y="2063217"/>
-            <a:ext cx="841433" cy="5511"/>
+          <a:xfrm rot="10800000" flipV="1">
+            <a:off x="6480000" y="2068906"/>
+            <a:ext cx="360000" cy="1094"/>
           </a:xfrm>
           <a:prstGeom prst="bentConnector3">
             <a:avLst/>
@@ -6595,21 +5747,20 @@
           <p:cNvCxnSpPr>
             <a:cxnSpLocks/>
             <a:stCxn id="23" idx="0"/>
-            <a:endCxn id="19" idx="2"/>
+            <a:endCxn id="19" idx="3"/>
           </p:cNvCxnSpPr>
           <p:nvPr/>
         </p:nvCxnSpPr>
         <p:spPr>
           <a:xfrm rot="16200000" flipV="1">
-            <a:off x="5085768" y="1367441"/>
-            <a:ext cx="486124" cy="365425"/>
-          </a:xfrm>
-          <a:prstGeom prst="bentConnector3">
-            <a:avLst>
-              <a:gd name="adj1" fmla="val 50000"/>
-            </a:avLst>
+            <a:off x="5410783" y="1360782"/>
+            <a:ext cx="723740" cy="154695"/>
+          </a:xfrm>
+          <a:prstGeom prst="bentConnector2">
+            <a:avLst/>
           </a:prstGeom>
           <a:ln>
+            <a:prstDash val="dash"/>
             <a:tailEnd type="triangle"/>
           </a:ln>
         </p:spPr>
@@ -6646,13 +5797,14 @@
         </p:nvCxnSpPr>
         <p:spPr>
           <a:xfrm rot="10800000" flipV="1">
-            <a:off x="3408339" y="1076260"/>
-            <a:ext cx="560716" cy="716956"/>
+            <a:off x="3150001" y="1076260"/>
+            <a:ext cx="819055" cy="723740"/>
           </a:xfrm>
           <a:prstGeom prst="bentConnector2">
             <a:avLst/>
           </a:prstGeom>
           <a:ln>
+            <a:prstDash val="dash"/>
             <a:tailEnd type="triangle"/>
           </a:ln>
         </p:spPr>
@@ -6689,8 +5841,8 @@
         </p:nvCxnSpPr>
         <p:spPr>
           <a:xfrm rot="5400000" flipH="1" flipV="1">
-            <a:off x="1148935" y="7817717"/>
-            <a:ext cx="319482" cy="12700"/>
+            <a:off x="2970000" y="7920000"/>
+            <a:ext cx="360000" cy="12700"/>
           </a:xfrm>
           <a:prstGeom prst="bentConnector3">
             <a:avLst>
@@ -6733,9 +5885,9 @@
           <p:nvPr/>
         </p:nvCxnSpPr>
         <p:spPr>
-          <a:xfrm rot="16200000" flipV="1">
-            <a:off x="4496100" y="8106939"/>
-            <a:ext cx="212203" cy="6410"/>
+          <a:xfrm rot="5400000" flipH="1" flipV="1">
+            <a:off x="7830000" y="7920000"/>
+            <a:ext cx="360000" cy="12700"/>
           </a:xfrm>
           <a:prstGeom prst="bentConnector3">
             <a:avLst>
@@ -6773,14 +5925,14 @@
           <p:cNvCxnSpPr>
             <a:cxnSpLocks/>
             <a:stCxn id="53" idx="3"/>
-            <a:endCxn id="29" idx="1"/>
+            <a:endCxn id="67" idx="1"/>
           </p:cNvCxnSpPr>
           <p:nvPr/>
         </p:nvCxnSpPr>
         <p:spPr>
           <a:xfrm>
-            <a:off x="3532673" y="7657976"/>
-            <a:ext cx="436323" cy="76066"/>
+            <a:off x="5400000" y="7470000"/>
+            <a:ext cx="360000" cy="12700"/>
           </a:xfrm>
           <a:prstGeom prst="bentConnector3">
             <a:avLst>
@@ -6817,15 +5969,15 @@
           </p:cNvPr>
           <p:cNvCxnSpPr>
             <a:cxnSpLocks/>
-            <a:stCxn id="37" idx="2"/>
-            <a:endCxn id="26" idx="0"/>
+            <a:stCxn id="37" idx="3"/>
+            <a:endCxn id="26" idx="1"/>
           </p:cNvCxnSpPr>
           <p:nvPr/>
         </p:nvCxnSpPr>
         <p:spPr>
-          <a:xfrm rot="5400000">
-            <a:off x="1051697" y="6841305"/>
-            <a:ext cx="533650" cy="19692"/>
+          <a:xfrm>
+            <a:off x="2160000" y="7470000"/>
+            <a:ext cx="360000" cy="12700"/>
           </a:xfrm>
           <a:prstGeom prst="bentConnector3">
             <a:avLst>
@@ -6869,8 +6021,8 @@
         </p:nvCxnSpPr>
         <p:spPr>
           <a:xfrm>
-            <a:off x="1938676" y="7387976"/>
-            <a:ext cx="333997" cy="270000"/>
+            <a:off x="3780000" y="7470000"/>
+            <a:ext cx="360000" cy="12700"/>
           </a:xfrm>
           <a:prstGeom prst="bentConnector3">
             <a:avLst>
@@ -6908,14 +6060,14 @@
           <p:cNvCxnSpPr>
             <a:cxnSpLocks/>
             <a:stCxn id="21" idx="0"/>
-            <a:endCxn id="12" idx="2"/>
+            <a:endCxn id="115" idx="2"/>
           </p:cNvCxnSpPr>
           <p:nvPr/>
         </p:nvCxnSpPr>
         <p:spPr>
           <a:xfrm rot="5400000" flipH="1" flipV="1">
-            <a:off x="4301163" y="5901703"/>
-            <a:ext cx="595785" cy="12700"/>
+            <a:off x="2970000" y="5940000"/>
+            <a:ext cx="360000" cy="12700"/>
           </a:xfrm>
           <a:prstGeom prst="bentConnector3">
             <a:avLst>
@@ -6959,8 +6111,8 @@
         </p:nvCxnSpPr>
         <p:spPr>
           <a:xfrm rot="16200000" flipH="1">
-            <a:off x="854463" y="1650481"/>
-            <a:ext cx="598341" cy="268390"/>
+            <a:off x="11255773" y="3245772"/>
+            <a:ext cx="337705" cy="10750"/>
           </a:xfrm>
           <a:prstGeom prst="bentConnector3">
             <a:avLst>
@@ -7003,9 +6155,9 @@
           <p:nvPr/>
         </p:nvCxnSpPr>
         <p:spPr>
-          <a:xfrm rot="16200000" flipV="1">
-            <a:off x="1047302" y="2864373"/>
-            <a:ext cx="521592" cy="40540"/>
+          <a:xfrm rot="5400000" flipH="1" flipV="1">
+            <a:off x="11250000" y="4140000"/>
+            <a:ext cx="360000" cy="12700"/>
           </a:xfrm>
           <a:prstGeom prst="bentConnector3">
             <a:avLst>
@@ -7049,8 +6201,8 @@
         </p:nvCxnSpPr>
         <p:spPr>
           <a:xfrm rot="10800000">
-            <a:off x="3585982" y="9201351"/>
-            <a:ext cx="369762" cy="12700"/>
+            <a:off x="5400000" y="9270000"/>
+            <a:ext cx="360000" cy="12700"/>
           </a:xfrm>
           <a:prstGeom prst="bentConnector3">
             <a:avLst>
@@ -7093,9 +6245,9 @@
           <p:nvPr/>
         </p:nvCxnSpPr>
         <p:spPr>
-          <a:xfrm rot="16200000" flipV="1">
-            <a:off x="2427641" y="8403009"/>
-            <a:ext cx="1003375" cy="53309"/>
+          <a:xfrm rot="5400000" flipH="1" flipV="1">
+            <a:off x="4140000" y="8370000"/>
+            <a:ext cx="1260000" cy="12700"/>
           </a:xfrm>
           <a:prstGeom prst="bentConnector3">
             <a:avLst>
@@ -7132,65 +6284,18 @@
           </p:cNvPr>
           <p:cNvCxnSpPr>
             <a:cxnSpLocks/>
-            <a:stCxn id="40" idx="0"/>
+            <a:stCxn id="40" idx="1"/>
             <a:endCxn id="23" idx="2"/>
           </p:cNvCxnSpPr>
           <p:nvPr/>
         </p:nvCxnSpPr>
         <p:spPr>
-          <a:xfrm rot="5400000" flipH="1" flipV="1">
-            <a:off x="5241721" y="2595957"/>
-            <a:ext cx="532562" cy="7080"/>
-          </a:xfrm>
-          <a:prstGeom prst="bentConnector3">
-            <a:avLst>
-              <a:gd name="adj1" fmla="val 50000"/>
-            </a:avLst>
-          </a:prstGeom>
-          <a:ln>
-            <a:tailEnd type="triangle"/>
-          </a:ln>
-        </p:spPr>
-        <p:style>
-          <a:lnRef idx="1">
-            <a:schemeClr val="accent1"/>
-          </a:lnRef>
-          <a:fillRef idx="0">
-            <a:schemeClr val="accent1"/>
-          </a:fillRef>
-          <a:effectRef idx="0">
-            <a:schemeClr val="accent1"/>
-          </a:effectRef>
-          <a:fontRef idx="minor">
-            <a:schemeClr val="tx1"/>
-          </a:fontRef>
-        </p:style>
-      </p:cxnSp>
-      <p:cxnSp>
-        <p:nvCxnSpPr>
-          <p:cNvPr id="125" name="Elbow Connector 124">
-            <a:extLst>
-              <a:ext uri="{FF2B5EF4-FFF2-40B4-BE49-F238E27FC236}">
-                <a16:creationId xmlns:a16="http://schemas.microsoft.com/office/drawing/2014/main" id="{5EF81356-1907-1A4C-B9CD-22797D9B11E7}"/>
-              </a:ext>
-            </a:extLst>
-          </p:cNvPr>
-          <p:cNvCxnSpPr>
-            <a:cxnSpLocks/>
-            <a:stCxn id="36" idx="0"/>
-            <a:endCxn id="52" idx="2"/>
-          </p:cNvCxnSpPr>
-          <p:nvPr/>
-        </p:nvCxnSpPr>
-        <p:spPr>
-          <a:xfrm rot="16200000" flipV="1">
-            <a:off x="3136539" y="3651648"/>
-            <a:ext cx="541831" cy="1770"/>
-          </a:xfrm>
-          <a:prstGeom prst="bentConnector3">
-            <a:avLst>
-              <a:gd name="adj1" fmla="val 50000"/>
-            </a:avLst>
+          <a:xfrm rot="10800000">
+            <a:off x="5850000" y="2340000"/>
+            <a:ext cx="990000" cy="450000"/>
+          </a:xfrm>
+          <a:prstGeom prst="bentConnector2">
+            <a:avLst/>
           </a:prstGeom>
           <a:ln>
             <a:tailEnd type="triangle"/>
@@ -7229,8 +6334,8 @@
         </p:nvCxnSpPr>
         <p:spPr>
           <a:xfrm rot="5400000" flipH="1" flipV="1">
-            <a:off x="3153254" y="2586532"/>
-            <a:ext cx="508401" cy="1770"/>
+            <a:off x="2880000" y="2610000"/>
+            <a:ext cx="540000" cy="12700"/>
           </a:xfrm>
           <a:prstGeom prst="bentConnector3">
             <a:avLst>
@@ -7267,20 +6372,18 @@
           </p:cNvPr>
           <p:cNvCxnSpPr>
             <a:cxnSpLocks/>
-            <a:stCxn id="28" idx="3"/>
+            <a:stCxn id="28" idx="0"/>
             <a:endCxn id="22" idx="1"/>
           </p:cNvCxnSpPr>
           <p:nvPr/>
         </p:nvCxnSpPr>
         <p:spPr>
-          <a:xfrm flipV="1">
-            <a:off x="1958368" y="2063216"/>
-            <a:ext cx="819971" cy="2135551"/>
-          </a:xfrm>
-          <a:prstGeom prst="bentConnector3">
-            <a:avLst>
-              <a:gd name="adj1" fmla="val 50000"/>
-            </a:avLst>
+          <a:xfrm rot="5400000" flipH="1" flipV="1">
+            <a:off x="1890000" y="1710000"/>
+            <a:ext cx="270000" cy="990000"/>
+          </a:xfrm>
+          <a:prstGeom prst="bentConnector2">
+            <a:avLst/>
           </a:prstGeom>
           <a:ln>
             <a:tailEnd type="triangle"/>
@@ -7313,19 +6416,20 @@
           <p:cNvCxnSpPr>
             <a:cxnSpLocks/>
             <a:stCxn id="22" idx="3"/>
-            <a:endCxn id="12" idx="0"/>
+            <a:endCxn id="144" idx="0"/>
           </p:cNvCxnSpPr>
           <p:nvPr/>
         </p:nvCxnSpPr>
         <p:spPr>
           <a:xfrm>
-            <a:off x="4038339" y="2063216"/>
-            <a:ext cx="560716" cy="3000594"/>
+            <a:off x="3780000" y="2070000"/>
+            <a:ext cx="990000" cy="990000"/>
           </a:xfrm>
           <a:prstGeom prst="bentConnector2">
             <a:avLst/>
           </a:prstGeom>
           <a:ln>
+            <a:prstDash val="dash"/>
             <a:tailEnd type="triangle"/>
           </a:ln>
         </p:spPr>
@@ -7355,18 +6459,20 @@
           </p:cNvPr>
           <p:cNvCxnSpPr>
             <a:cxnSpLocks/>
-            <a:stCxn id="12" idx="1"/>
+            <a:stCxn id="12" idx="2"/>
             <a:endCxn id="53" idx="0"/>
           </p:cNvCxnSpPr>
           <p:nvPr/>
         </p:nvCxnSpPr>
         <p:spPr>
-          <a:xfrm rot="10800000" flipV="1">
-            <a:off x="2902673" y="5333810"/>
-            <a:ext cx="1066382" cy="2054166"/>
-          </a:xfrm>
-          <a:prstGeom prst="bentConnector2">
-            <a:avLst/>
+          <a:xfrm rot="5400000">
+            <a:off x="4050000" y="6480000"/>
+            <a:ext cx="1440000" cy="12700"/>
+          </a:xfrm>
+          <a:prstGeom prst="bentConnector3">
+            <a:avLst>
+              <a:gd name="adj1" fmla="val 50000"/>
+            </a:avLst>
           </a:prstGeom>
           <a:ln>
             <a:prstDash val="dash"/>
@@ -7406,8 +6512,8 @@
         </p:nvCxnSpPr>
         <p:spPr>
           <a:xfrm rot="5400000" flipH="1" flipV="1">
-            <a:off x="1067497" y="4716297"/>
-            <a:ext cx="508401" cy="13342"/>
+            <a:off x="1350000" y="3060000"/>
+            <a:ext cx="360000" cy="12700"/>
           </a:xfrm>
           <a:prstGeom prst="bentConnector3">
             <a:avLst>
@@ -7433,12 +6539,90 @@
           </a:fontRef>
         </p:style>
       </p:cxnSp>
+      <p:sp>
+        <p:nvSpPr>
+          <p:cNvPr id="67" name="Rounded Rectangle 66">
+            <a:extLst>
+              <a:ext uri="{FF2B5EF4-FFF2-40B4-BE49-F238E27FC236}">
+                <a16:creationId xmlns:a16="http://schemas.microsoft.com/office/drawing/2014/main" id="{29D7D188-8CCC-954E-804B-6611A99A8F65}"/>
+              </a:ext>
+            </a:extLst>
+          </p:cNvPr>
+          <p:cNvSpPr/>
+          <p:nvPr/>
+        </p:nvSpPr>
+        <p:spPr>
+          <a:xfrm>
+            <a:off x="5760000" y="7200000"/>
+            <a:ext cx="1260000" cy="540000"/>
+          </a:xfrm>
+          <a:prstGeom prst="roundRect">
+            <a:avLst/>
+          </a:prstGeom>
+          <a:noFill/>
+        </p:spPr>
+        <p:style>
+          <a:lnRef idx="2">
+            <a:schemeClr val="accent1">
+              <a:shade val="50000"/>
+            </a:schemeClr>
+          </a:lnRef>
+          <a:fillRef idx="1">
+            <a:schemeClr val="accent1"/>
+          </a:fillRef>
+          <a:effectRef idx="0">
+            <a:schemeClr val="accent1"/>
+          </a:effectRef>
+          <a:fontRef idx="minor">
+            <a:schemeClr val="lt1"/>
+          </a:fontRef>
+        </p:style>
+        <p:txBody>
+          <a:bodyPr rtlCol="0" anchor="ctr"/>
+          <a:lstStyle/>
+          <a:p>
+            <a:pPr algn="ctr"/>
+            <a:r>
+              <a:rPr lang="de-DE" sz="1200" dirty="0" err="1">
+                <a:solidFill>
+                  <a:schemeClr val="tx1"/>
+                </a:solidFill>
+                <a:latin typeface="Courier" pitchFamily="2" charset="0"/>
+              </a:rPr>
+              <a:t>conjugate</a:t>
+            </a:r>
+            <a:br>
+              <a:rPr lang="de-DE" sz="1200" dirty="0">
+                <a:solidFill>
+                  <a:schemeClr val="tx1"/>
+                </a:solidFill>
+                <a:latin typeface="Courier" pitchFamily="2" charset="0"/>
+              </a:rPr>
+            </a:br>
+            <a:r>
+              <a:rPr lang="de-DE" sz="1200" dirty="0" err="1">
+                <a:solidFill>
+                  <a:schemeClr val="tx1"/>
+                </a:solidFill>
+                <a:latin typeface="Courier" pitchFamily="2" charset="0"/>
+              </a:rPr>
+              <a:t>gradients</a:t>
+            </a:r>
+            <a:endParaRPr lang="de-DE" sz="1200" dirty="0">
+              <a:solidFill>
+                <a:schemeClr val="tx1"/>
+              </a:solidFill>
+              <a:latin typeface="Courier" pitchFamily="2" charset="0"/>
+            </a:endParaRPr>
+          </a:p>
+        </p:txBody>
+      </p:sp>
       <p:grpSp>
         <p:nvGrpSpPr>
-          <p:cNvPr id="153" name="Group 152">
+          <p:cNvPr id="35" name="Group 34">
             <a:extLst>
               <a:ext uri="{FF2B5EF4-FFF2-40B4-BE49-F238E27FC236}">
-                <a16:creationId xmlns:a16="http://schemas.microsoft.com/office/drawing/2014/main" id="{A0326120-AFDB-E244-8464-DC3B90C38CA2}"/>
+                <a16:creationId xmlns:a16="http://schemas.microsoft.com/office/drawing/2014/main" id="{AB7C5F76-F89C-7C4C-813A-606E79B51BB4}"/>
               </a:ext>
             </a:extLst>
           </p:cNvPr>
@@ -7447,10 +6631,10 @@
         </p:nvGrpSpPr>
         <p:grpSpPr>
           <a:xfrm>
-            <a:off x="6131748" y="5292222"/>
-            <a:ext cx="2252581" cy="1809008"/>
-            <a:chOff x="6640407" y="4930588"/>
-            <a:chExt cx="2252581" cy="1809008"/>
+            <a:off x="13345027" y="5767225"/>
+            <a:ext cx="2252581" cy="3225236"/>
+            <a:chOff x="13507259" y="4557951"/>
+            <a:chExt cx="2252581" cy="3225236"/>
           </a:xfrm>
         </p:grpSpPr>
         <p:sp>
@@ -7467,7 +6651,7 @@
           </p:nvSpPr>
           <p:spPr>
             <a:xfrm>
-              <a:off x="7087894" y="5306518"/>
+              <a:off x="14003550" y="5900569"/>
               <a:ext cx="1260000" cy="540000"/>
             </a:xfrm>
             <a:prstGeom prst="roundRect">
@@ -7531,7 +6715,7 @@
           </p:nvSpPr>
           <p:spPr>
             <a:xfrm>
-              <a:off x="7087894" y="6024533"/>
+              <a:off x="14003550" y="5147205"/>
               <a:ext cx="1260000" cy="540000"/>
             </a:xfrm>
             <a:prstGeom prst="roundRect">
@@ -7609,8 +6793,8 @@
           </p:nvSpPr>
           <p:spPr>
             <a:xfrm>
-              <a:off x="6640407" y="4930588"/>
-              <a:ext cx="2252581" cy="1809008"/>
+              <a:off x="13507259" y="4557951"/>
+              <a:ext cx="2252581" cy="3225236"/>
             </a:xfrm>
             <a:prstGeom prst="rect">
               <a:avLst/>
@@ -7652,7 +6836,7 @@
                   <a:latin typeface="Arial" panose="020B0604020202020204" pitchFamily="34" charset="0"/>
                   <a:cs typeface="Arial" panose="020B0604020202020204" pitchFamily="34" charset="0"/>
                 </a:rPr>
-                <a:t>SHO </a:t>
+                <a:t>SHO-</a:t>
               </a:r>
               <a:r>
                 <a:rPr lang="de-DE" sz="1200" dirty="0" err="1">
@@ -7672,8 +6856,473 @@
                   <a:latin typeface="Arial" panose="020B0604020202020204" pitchFamily="34" charset="0"/>
                   <a:cs typeface="Arial" panose="020B0604020202020204" pitchFamily="34" charset="0"/>
                 </a:rPr>
-                <a:t> a </a:t>
+                <a:t>-a-basis</a:t>
               </a:r>
+            </a:p>
+          </p:txBody>
+        </p:sp>
+        <p:sp>
+          <p:nvSpPr>
+            <p:cNvPr id="78" name="Rounded Rectangle 77">
+              <a:extLst>
+                <a:ext uri="{FF2B5EF4-FFF2-40B4-BE49-F238E27FC236}">
+                  <a16:creationId xmlns:a16="http://schemas.microsoft.com/office/drawing/2014/main" id="{47BC7222-CA9E-1941-85E8-926FC959071C}"/>
+                </a:ext>
+              </a:extLst>
+            </p:cNvPr>
+            <p:cNvSpPr/>
+            <p:nvPr/>
+          </p:nvSpPr>
+          <p:spPr>
+            <a:xfrm>
+              <a:off x="14003550" y="6653933"/>
+              <a:ext cx="1260000" cy="540000"/>
+            </a:xfrm>
+            <a:prstGeom prst="roundRect">
+              <a:avLst/>
+            </a:prstGeom>
+            <a:noFill/>
+          </p:spPr>
+          <p:style>
+            <a:lnRef idx="2">
+              <a:schemeClr val="accent1">
+                <a:shade val="50000"/>
+              </a:schemeClr>
+            </a:lnRef>
+            <a:fillRef idx="1">
+              <a:schemeClr val="accent1"/>
+            </a:fillRef>
+            <a:effectRef idx="0">
+              <a:schemeClr val="accent1"/>
+            </a:effectRef>
+            <a:fontRef idx="minor">
+              <a:schemeClr val="lt1"/>
+            </a:fontRef>
+          </p:style>
+          <p:txBody>
+            <a:bodyPr rtlCol="0" anchor="ctr"/>
+            <a:lstStyle/>
+            <a:p>
+              <a:pPr algn="ctr"/>
+              <a:r>
+                <a:rPr lang="de-DE" sz="1200" dirty="0" err="1">
+                  <a:solidFill>
+                    <a:schemeClr val="tx1"/>
+                  </a:solidFill>
+                  <a:latin typeface="Courier" pitchFamily="2" charset="0"/>
+                </a:rPr>
+                <a:t>sho</a:t>
+              </a:r>
+              <a:br>
+                <a:rPr lang="de-DE" sz="1200" dirty="0">
+                  <a:solidFill>
+                    <a:schemeClr val="tx1"/>
+                  </a:solidFill>
+                  <a:latin typeface="Courier" pitchFamily="2" charset="0"/>
+                </a:rPr>
+              </a:br>
+              <a:r>
+                <a:rPr lang="de-DE" sz="1200" dirty="0" err="1">
+                  <a:solidFill>
+                    <a:schemeClr val="tx1"/>
+                  </a:solidFill>
+                  <a:latin typeface="Courier" pitchFamily="2" charset="0"/>
+                </a:rPr>
+                <a:t>hamiltonian</a:t>
+              </a:r>
+              <a:endParaRPr lang="de-DE" sz="1200" dirty="0">
+                <a:solidFill>
+                  <a:schemeClr val="tx1"/>
+                </a:solidFill>
+                <a:latin typeface="Courier" pitchFamily="2" charset="0"/>
+              </a:endParaRPr>
+            </a:p>
+          </p:txBody>
+        </p:sp>
+      </p:grpSp>
+      <p:sp>
+        <p:nvSpPr>
+          <p:cNvPr id="80" name="Rounded Rectangle 79">
+            <a:extLst>
+              <a:ext uri="{FF2B5EF4-FFF2-40B4-BE49-F238E27FC236}">
+                <a16:creationId xmlns:a16="http://schemas.microsoft.com/office/drawing/2014/main" id="{3B6E1E3C-F44D-704A-89B0-755B1E344DAD}"/>
+              </a:ext>
+            </a:extLst>
+          </p:cNvPr>
+          <p:cNvSpPr/>
+          <p:nvPr/>
+        </p:nvSpPr>
+        <p:spPr>
+          <a:xfrm>
+            <a:off x="-1931549" y="2037243"/>
+            <a:ext cx="1260000" cy="540000"/>
+          </a:xfrm>
+          <a:prstGeom prst="roundRect">
+            <a:avLst/>
+          </a:prstGeom>
+          <a:noFill/>
+        </p:spPr>
+        <p:style>
+          <a:lnRef idx="2">
+            <a:schemeClr val="accent1">
+              <a:shade val="50000"/>
+            </a:schemeClr>
+          </a:lnRef>
+          <a:fillRef idx="1">
+            <a:schemeClr val="accent1"/>
+          </a:fillRef>
+          <a:effectRef idx="0">
+            <a:schemeClr val="accent1"/>
+          </a:effectRef>
+          <a:fontRef idx="minor">
+            <a:schemeClr val="lt1"/>
+          </a:fontRef>
+        </p:style>
+        <p:txBody>
+          <a:bodyPr rtlCol="0" anchor="ctr"/>
+          <a:lstStyle/>
+          <a:p>
+            <a:pPr algn="ctr"/>
+            <a:r>
+              <a:rPr lang="de-DE" sz="1200" dirty="0" err="1">
+                <a:solidFill>
+                  <a:schemeClr val="tx1"/>
+                </a:solidFill>
+                <a:latin typeface="Courier" pitchFamily="2" charset="0"/>
+              </a:rPr>
+              <a:t>vector</a:t>
+            </a:r>
+            <a:br>
+              <a:rPr lang="de-DE" sz="1200" dirty="0">
+                <a:solidFill>
+                  <a:schemeClr val="tx1"/>
+                </a:solidFill>
+                <a:latin typeface="Courier" pitchFamily="2" charset="0"/>
+              </a:rPr>
+            </a:br>
+            <a:r>
+              <a:rPr lang="de-DE" sz="1200" dirty="0" err="1">
+                <a:solidFill>
+                  <a:schemeClr val="tx1"/>
+                </a:solidFill>
+                <a:latin typeface="Courier" pitchFamily="2" charset="0"/>
+              </a:rPr>
+              <a:t>math</a:t>
+            </a:r>
+            <a:endParaRPr lang="de-DE" sz="1200" dirty="0">
+              <a:solidFill>
+                <a:schemeClr val="tx1"/>
+              </a:solidFill>
+              <a:latin typeface="Courier" pitchFamily="2" charset="0"/>
+            </a:endParaRPr>
+          </a:p>
+        </p:txBody>
+      </p:sp>
+      <p:sp>
+        <p:nvSpPr>
+          <p:cNvPr id="84" name="Rounded Rectangle 83">
+            <a:extLst>
+              <a:ext uri="{FF2B5EF4-FFF2-40B4-BE49-F238E27FC236}">
+                <a16:creationId xmlns:a16="http://schemas.microsoft.com/office/drawing/2014/main" id="{732FD824-3E7B-7C42-B9D1-19A8004EA454}"/>
+              </a:ext>
+            </a:extLst>
+          </p:cNvPr>
+          <p:cNvSpPr/>
+          <p:nvPr/>
+        </p:nvSpPr>
+        <p:spPr>
+          <a:xfrm>
+            <a:off x="9000000" y="7200000"/>
+            <a:ext cx="1260000" cy="540000"/>
+          </a:xfrm>
+          <a:prstGeom prst="roundRect">
+            <a:avLst/>
+          </a:prstGeom>
+          <a:noFill/>
+        </p:spPr>
+        <p:style>
+          <a:lnRef idx="2">
+            <a:schemeClr val="accent1">
+              <a:shade val="50000"/>
+            </a:schemeClr>
+          </a:lnRef>
+          <a:fillRef idx="1">
+            <a:schemeClr val="accent1"/>
+          </a:fillRef>
+          <a:effectRef idx="0">
+            <a:schemeClr val="accent1"/>
+          </a:effectRef>
+          <a:fontRef idx="minor">
+            <a:schemeClr val="lt1"/>
+          </a:fontRef>
+        </p:style>
+        <p:txBody>
+          <a:bodyPr rtlCol="0" anchor="ctr"/>
+          <a:lstStyle/>
+          <a:p>
+            <a:pPr algn="ctr"/>
+            <a:r>
+              <a:rPr lang="de-DE" sz="1200" dirty="0" err="1">
+                <a:solidFill>
+                  <a:schemeClr val="tx1"/>
+                </a:solidFill>
+                <a:latin typeface="Courier" pitchFamily="2" charset="0"/>
+              </a:rPr>
+              <a:t>dense</a:t>
+            </a:r>
+            <a:r>
+              <a:rPr lang="de-DE" sz="1200" dirty="0">
+                <a:solidFill>
+                  <a:schemeClr val="tx1"/>
+                </a:solidFill>
+                <a:latin typeface="Courier" pitchFamily="2" charset="0"/>
+              </a:rPr>
+              <a:t> </a:t>
+            </a:r>
+            <a:r>
+              <a:rPr lang="de-DE" sz="1200" dirty="0" err="1">
+                <a:solidFill>
+                  <a:schemeClr val="tx1"/>
+                </a:solidFill>
+                <a:latin typeface="Courier" pitchFamily="2" charset="0"/>
+              </a:rPr>
+              <a:t>solver</a:t>
+            </a:r>
+            <a:endParaRPr lang="de-DE" sz="1200" dirty="0">
+              <a:solidFill>
+                <a:schemeClr val="tx1"/>
+              </a:solidFill>
+              <a:latin typeface="Courier" pitchFamily="2" charset="0"/>
+            </a:endParaRPr>
+          </a:p>
+        </p:txBody>
+      </p:sp>
+      <p:sp>
+        <p:nvSpPr>
+          <p:cNvPr id="85" name="Rounded Rectangle 84">
+            <a:extLst>
+              <a:ext uri="{FF2B5EF4-FFF2-40B4-BE49-F238E27FC236}">
+                <a16:creationId xmlns:a16="http://schemas.microsoft.com/office/drawing/2014/main" id="{97107E32-BFD3-864B-9341-D08C6D27262C}"/>
+              </a:ext>
+            </a:extLst>
+          </p:cNvPr>
+          <p:cNvSpPr/>
+          <p:nvPr/>
+        </p:nvSpPr>
+        <p:spPr>
+          <a:xfrm>
+            <a:off x="-3482815" y="2047417"/>
+            <a:ext cx="1260000" cy="540000"/>
+          </a:xfrm>
+          <a:prstGeom prst="roundRect">
+            <a:avLst/>
+          </a:prstGeom>
+          <a:noFill/>
+        </p:spPr>
+        <p:style>
+          <a:lnRef idx="2">
+            <a:schemeClr val="accent1">
+              <a:shade val="50000"/>
+            </a:schemeClr>
+          </a:lnRef>
+          <a:fillRef idx="1">
+            <a:schemeClr val="accent1"/>
+          </a:fillRef>
+          <a:effectRef idx="0">
+            <a:schemeClr val="accent1"/>
+          </a:effectRef>
+          <a:fontRef idx="minor">
+            <a:schemeClr val="lt1"/>
+          </a:fontRef>
+        </p:style>
+        <p:txBody>
+          <a:bodyPr rtlCol="0" anchor="ctr"/>
+          <a:lstStyle/>
+          <a:p>
+            <a:pPr algn="ctr"/>
+            <a:r>
+              <a:rPr lang="de-DE" sz="1200" dirty="0">
+                <a:solidFill>
+                  <a:schemeClr val="tx1"/>
+                </a:solidFill>
+                <a:latin typeface="Courier" pitchFamily="2" charset="0"/>
+              </a:rPr>
+              <a:t>inline</a:t>
+            </a:r>
+            <a:br>
+              <a:rPr lang="de-DE" sz="1200" dirty="0">
+                <a:solidFill>
+                  <a:schemeClr val="tx1"/>
+                </a:solidFill>
+                <a:latin typeface="Courier" pitchFamily="2" charset="0"/>
+              </a:rPr>
+            </a:br>
+            <a:r>
+              <a:rPr lang="de-DE" sz="1200" dirty="0" err="1">
+                <a:solidFill>
+                  <a:schemeClr val="tx1"/>
+                </a:solidFill>
+                <a:latin typeface="Courier" pitchFamily="2" charset="0"/>
+              </a:rPr>
+              <a:t>math</a:t>
+            </a:r>
+            <a:endParaRPr lang="de-DE" sz="1200" dirty="0">
+              <a:solidFill>
+                <a:schemeClr val="tx1"/>
+              </a:solidFill>
+              <a:latin typeface="Courier" pitchFamily="2" charset="0"/>
+            </a:endParaRPr>
+          </a:p>
+        </p:txBody>
+      </p:sp>
+      <p:sp>
+        <p:nvSpPr>
+          <p:cNvPr id="86" name="Rounded Rectangle 85">
+            <a:extLst>
+              <a:ext uri="{FF2B5EF4-FFF2-40B4-BE49-F238E27FC236}">
+                <a16:creationId xmlns:a16="http://schemas.microsoft.com/office/drawing/2014/main" id="{CE03D340-C9EC-A74E-90F9-2749DE85D293}"/>
+              </a:ext>
+            </a:extLst>
+          </p:cNvPr>
+          <p:cNvSpPr/>
+          <p:nvPr/>
+        </p:nvSpPr>
+        <p:spPr>
+          <a:xfrm>
+            <a:off x="900000" y="9000000"/>
+            <a:ext cx="1260000" cy="540000"/>
+          </a:xfrm>
+          <a:prstGeom prst="roundRect">
+            <a:avLst/>
+          </a:prstGeom>
+          <a:noFill/>
+        </p:spPr>
+        <p:style>
+          <a:lnRef idx="2">
+            <a:schemeClr val="accent1">
+              <a:shade val="50000"/>
+            </a:schemeClr>
+          </a:lnRef>
+          <a:fillRef idx="1">
+            <a:schemeClr val="accent1"/>
+          </a:fillRef>
+          <a:effectRef idx="0">
+            <a:schemeClr val="accent1"/>
+          </a:effectRef>
+          <a:fontRef idx="minor">
+            <a:schemeClr val="lt1"/>
+          </a:fontRef>
+        </p:style>
+        <p:txBody>
+          <a:bodyPr rtlCol="0" anchor="ctr"/>
+          <a:lstStyle/>
+          <a:p>
+            <a:pPr algn="ctr"/>
+            <a:r>
+              <a:rPr lang="de-DE" sz="1200" dirty="0" err="1">
+                <a:solidFill>
+                  <a:schemeClr val="tx1"/>
+                </a:solidFill>
+                <a:latin typeface="Courier" pitchFamily="2" charset="0"/>
+              </a:rPr>
+              <a:t>sho</a:t>
+            </a:r>
+            <a:br>
+              <a:rPr lang="de-DE" sz="1200" dirty="0">
+                <a:solidFill>
+                  <a:schemeClr val="tx1"/>
+                </a:solidFill>
+                <a:latin typeface="Courier" pitchFamily="2" charset="0"/>
+              </a:rPr>
+            </a:br>
+            <a:r>
+              <a:rPr lang="de-DE" sz="1200" dirty="0" err="1">
+                <a:solidFill>
+                  <a:schemeClr val="tx1"/>
+                </a:solidFill>
+                <a:latin typeface="Courier" pitchFamily="2" charset="0"/>
+              </a:rPr>
+              <a:t>tools</a:t>
+            </a:r>
+            <a:endParaRPr lang="de-DE" sz="1200" dirty="0">
+              <a:solidFill>
+                <a:schemeClr val="tx1"/>
+              </a:solidFill>
+              <a:latin typeface="Courier" pitchFamily="2" charset="0"/>
+            </a:endParaRPr>
+          </a:p>
+        </p:txBody>
+      </p:sp>
+      <p:grpSp>
+        <p:nvGrpSpPr>
+          <p:cNvPr id="54" name="Group 53">
+            <a:extLst>
+              <a:ext uri="{FF2B5EF4-FFF2-40B4-BE49-F238E27FC236}">
+                <a16:creationId xmlns:a16="http://schemas.microsoft.com/office/drawing/2014/main" id="{AAD696B0-B070-4B4F-83A5-6028EF052C8F}"/>
+              </a:ext>
+            </a:extLst>
+          </p:cNvPr>
+          <p:cNvGrpSpPr/>
+          <p:nvPr/>
+        </p:nvGrpSpPr>
+        <p:grpSpPr>
+          <a:xfrm>
+            <a:off x="15942717" y="4134450"/>
+            <a:ext cx="1733720" cy="4874776"/>
+            <a:chOff x="8878240" y="4463448"/>
+            <a:chExt cx="1733720" cy="4874776"/>
+          </a:xfrm>
+        </p:grpSpPr>
+        <p:sp>
+          <p:nvSpPr>
+            <p:cNvPr id="51" name="Rectangle 50">
+              <a:extLst>
+                <a:ext uri="{FF2B5EF4-FFF2-40B4-BE49-F238E27FC236}">
+                  <a16:creationId xmlns:a16="http://schemas.microsoft.com/office/drawing/2014/main" id="{A3325916-85DD-0543-8A2B-1CC3C3D54FAA}"/>
+                </a:ext>
+              </a:extLst>
+            </p:cNvPr>
+            <p:cNvSpPr/>
+            <p:nvPr/>
+          </p:nvSpPr>
+          <p:spPr>
+            <a:xfrm>
+              <a:off x="8878240" y="4463448"/>
+              <a:ext cx="1733720" cy="4874776"/>
+            </a:xfrm>
+            <a:prstGeom prst="rect">
+              <a:avLst/>
+            </a:prstGeom>
+            <a:solidFill>
+              <a:schemeClr val="accent6">
+                <a:lumMod val="50000"/>
+                <a:alpha val="10000"/>
+              </a:schemeClr>
+            </a:solidFill>
+            <a:ln>
+              <a:prstDash val="dash"/>
+            </a:ln>
+          </p:spPr>
+          <p:style>
+            <a:lnRef idx="2">
+              <a:schemeClr val="accent1">
+                <a:shade val="50000"/>
+              </a:schemeClr>
+            </a:lnRef>
+            <a:fillRef idx="1">
+              <a:schemeClr val="accent1"/>
+            </a:fillRef>
+            <a:effectRef idx="0">
+              <a:schemeClr val="accent1"/>
+            </a:effectRef>
+            <a:fontRef idx="minor">
+              <a:schemeClr val="lt1"/>
+            </a:fontRef>
+          </p:style>
+          <p:txBody>
+            <a:bodyPr rtlCol="0" anchor="t"/>
+            <a:lstStyle/>
+            <a:p>
               <a:r>
                 <a:rPr lang="de-DE" sz="1200" dirty="0" err="1">
                   <a:solidFill>
@@ -7682,7 +7331,7 @@
                   <a:latin typeface="Arial" panose="020B0604020202020204" pitchFamily="34" charset="0"/>
                   <a:cs typeface="Arial" panose="020B0604020202020204" pitchFamily="34" charset="0"/>
                 </a:rPr>
-                <a:t>basis</a:t>
+                <a:t>GreenGrid</a:t>
               </a:r>
               <a:endParaRPr lang="de-DE" sz="1200" dirty="0">
                 <a:solidFill>
@@ -7694,13 +7343,475 @@
             </a:p>
           </p:txBody>
         </p:sp>
+        <p:sp>
+          <p:nvSpPr>
+            <p:cNvPr id="87" name="Rounded Rectangle 86">
+              <a:extLst>
+                <a:ext uri="{FF2B5EF4-FFF2-40B4-BE49-F238E27FC236}">
+                  <a16:creationId xmlns:a16="http://schemas.microsoft.com/office/drawing/2014/main" id="{5EB4E5D3-7E8B-324B-B0E6-1457DE77866C}"/>
+                </a:ext>
+              </a:extLst>
+            </p:cNvPr>
+            <p:cNvSpPr/>
+            <p:nvPr/>
+          </p:nvSpPr>
+          <p:spPr>
+            <a:xfrm>
+              <a:off x="9084408" y="5675381"/>
+              <a:ext cx="1260000" cy="540000"/>
+            </a:xfrm>
+            <a:prstGeom prst="roundRect">
+              <a:avLst/>
+            </a:prstGeom>
+            <a:noFill/>
+          </p:spPr>
+          <p:style>
+            <a:lnRef idx="2">
+              <a:schemeClr val="accent1">
+                <a:shade val="50000"/>
+              </a:schemeClr>
+            </a:lnRef>
+            <a:fillRef idx="1">
+              <a:schemeClr val="accent1"/>
+            </a:fillRef>
+            <a:effectRef idx="0">
+              <a:schemeClr val="accent1"/>
+            </a:effectRef>
+            <a:fontRef idx="minor">
+              <a:schemeClr val="lt1"/>
+            </a:fontRef>
+          </p:style>
+          <p:txBody>
+            <a:bodyPr rtlCol="0" anchor="ctr"/>
+            <a:lstStyle/>
+            <a:p>
+              <a:pPr algn="ctr"/>
+              <a:r>
+                <a:rPr lang="de-DE" sz="1200" dirty="0" err="1">
+                  <a:solidFill>
+                    <a:schemeClr val="tx1"/>
+                  </a:solidFill>
+                  <a:latin typeface="Courier" pitchFamily="2" charset="0"/>
+                </a:rPr>
+                <a:t>green</a:t>
+              </a:r>
+              <a:br>
+                <a:rPr lang="de-DE" sz="1200" dirty="0">
+                  <a:solidFill>
+                    <a:schemeClr val="tx1"/>
+                  </a:solidFill>
+                  <a:latin typeface="Courier" pitchFamily="2" charset="0"/>
+                </a:rPr>
+              </a:br>
+              <a:r>
+                <a:rPr lang="de-DE" sz="1200" dirty="0" err="1">
+                  <a:solidFill>
+                    <a:schemeClr val="tx1"/>
+                  </a:solidFill>
+                  <a:latin typeface="Courier" pitchFamily="2" charset="0"/>
+                </a:rPr>
+                <a:t>action</a:t>
+              </a:r>
+              <a:endParaRPr lang="de-DE" sz="1200" dirty="0">
+                <a:solidFill>
+                  <a:schemeClr val="tx1"/>
+                </a:solidFill>
+                <a:latin typeface="Courier" pitchFamily="2" charset="0"/>
+              </a:endParaRPr>
+            </a:p>
+          </p:txBody>
+        </p:sp>
+        <p:sp>
+          <p:nvSpPr>
+            <p:cNvPr id="88" name="Rounded Rectangle 87">
+              <a:extLst>
+                <a:ext uri="{FF2B5EF4-FFF2-40B4-BE49-F238E27FC236}">
+                  <a16:creationId xmlns:a16="http://schemas.microsoft.com/office/drawing/2014/main" id="{E19859D4-FC46-0B46-BE5E-0612DAB01C25}"/>
+                </a:ext>
+              </a:extLst>
+            </p:cNvPr>
+            <p:cNvSpPr/>
+            <p:nvPr/>
+          </p:nvSpPr>
+          <p:spPr>
+            <a:xfrm>
+              <a:off x="9102492" y="6373595"/>
+              <a:ext cx="1260000" cy="540000"/>
+            </a:xfrm>
+            <a:prstGeom prst="roundRect">
+              <a:avLst/>
+            </a:prstGeom>
+            <a:noFill/>
+          </p:spPr>
+          <p:style>
+            <a:lnRef idx="2">
+              <a:schemeClr val="accent1">
+                <a:shade val="50000"/>
+              </a:schemeClr>
+            </a:lnRef>
+            <a:fillRef idx="1">
+              <a:schemeClr val="accent1"/>
+            </a:fillRef>
+            <a:effectRef idx="0">
+              <a:schemeClr val="accent1"/>
+            </a:effectRef>
+            <a:fontRef idx="minor">
+              <a:schemeClr val="lt1"/>
+            </a:fontRef>
+          </p:style>
+          <p:txBody>
+            <a:bodyPr rtlCol="0" anchor="ctr"/>
+            <a:lstStyle/>
+            <a:p>
+              <a:pPr algn="ctr"/>
+              <a:r>
+                <a:rPr lang="de-DE" sz="1200" dirty="0" err="1">
+                  <a:solidFill>
+                    <a:schemeClr val="tx1"/>
+                  </a:solidFill>
+                  <a:latin typeface="Courier" pitchFamily="2" charset="0"/>
+                </a:rPr>
+                <a:t>green</a:t>
+              </a:r>
+              <a:br>
+                <a:rPr lang="de-DE" sz="1200" dirty="0">
+                  <a:solidFill>
+                    <a:schemeClr val="tx1"/>
+                  </a:solidFill>
+                  <a:latin typeface="Courier" pitchFamily="2" charset="0"/>
+                </a:rPr>
+              </a:br>
+              <a:r>
+                <a:rPr lang="de-DE" sz="1200" dirty="0" err="1">
+                  <a:solidFill>
+                    <a:schemeClr val="tx1"/>
+                  </a:solidFill>
+                  <a:latin typeface="Courier" pitchFamily="2" charset="0"/>
+                </a:rPr>
+                <a:t>kinetic</a:t>
+              </a:r>
+              <a:endParaRPr lang="de-DE" sz="1200" dirty="0">
+                <a:solidFill>
+                  <a:schemeClr val="tx1"/>
+                </a:solidFill>
+                <a:latin typeface="Courier" pitchFamily="2" charset="0"/>
+              </a:endParaRPr>
+            </a:p>
+          </p:txBody>
+        </p:sp>
+        <p:sp>
+          <p:nvSpPr>
+            <p:cNvPr id="89" name="Rounded Rectangle 88">
+              <a:extLst>
+                <a:ext uri="{FF2B5EF4-FFF2-40B4-BE49-F238E27FC236}">
+                  <a16:creationId xmlns:a16="http://schemas.microsoft.com/office/drawing/2014/main" id="{0AE35E03-9ECA-7C4E-9C51-08A83073DE3E}"/>
+                </a:ext>
+              </a:extLst>
+            </p:cNvPr>
+            <p:cNvSpPr/>
+            <p:nvPr/>
+          </p:nvSpPr>
+          <p:spPr>
+            <a:xfrm>
+              <a:off x="9084408" y="7096590"/>
+              <a:ext cx="1260000" cy="540000"/>
+            </a:xfrm>
+            <a:prstGeom prst="roundRect">
+              <a:avLst/>
+            </a:prstGeom>
+            <a:noFill/>
+          </p:spPr>
+          <p:style>
+            <a:lnRef idx="2">
+              <a:schemeClr val="accent1">
+                <a:shade val="50000"/>
+              </a:schemeClr>
+            </a:lnRef>
+            <a:fillRef idx="1">
+              <a:schemeClr val="accent1"/>
+            </a:fillRef>
+            <a:effectRef idx="0">
+              <a:schemeClr val="accent1"/>
+            </a:effectRef>
+            <a:fontRef idx="minor">
+              <a:schemeClr val="lt1"/>
+            </a:fontRef>
+          </p:style>
+          <p:txBody>
+            <a:bodyPr rtlCol="0" anchor="ctr"/>
+            <a:lstStyle/>
+            <a:p>
+              <a:pPr algn="ctr"/>
+              <a:r>
+                <a:rPr lang="de-DE" sz="1200" dirty="0" err="1">
+                  <a:solidFill>
+                    <a:schemeClr val="tx1"/>
+                  </a:solidFill>
+                  <a:latin typeface="Courier" pitchFamily="2" charset="0"/>
+                </a:rPr>
+                <a:t>green</a:t>
+              </a:r>
+              <a:br>
+                <a:rPr lang="de-DE" sz="1200" dirty="0">
+                  <a:solidFill>
+                    <a:schemeClr val="tx1"/>
+                  </a:solidFill>
+                  <a:latin typeface="Courier" pitchFamily="2" charset="0"/>
+                </a:rPr>
+              </a:br>
+              <a:r>
+                <a:rPr lang="de-DE" sz="1200" dirty="0" err="1">
+                  <a:solidFill>
+                    <a:schemeClr val="tx1"/>
+                  </a:solidFill>
+                  <a:latin typeface="Courier" pitchFamily="2" charset="0"/>
+                </a:rPr>
+                <a:t>projection</a:t>
+              </a:r>
+              <a:endParaRPr lang="de-DE" sz="1200" dirty="0">
+                <a:solidFill>
+                  <a:schemeClr val="tx1"/>
+                </a:solidFill>
+                <a:latin typeface="Courier" pitchFamily="2" charset="0"/>
+              </a:endParaRPr>
+            </a:p>
+          </p:txBody>
+        </p:sp>
+        <p:sp>
+          <p:nvSpPr>
+            <p:cNvPr id="91" name="Rounded Rectangle 90">
+              <a:extLst>
+                <a:ext uri="{FF2B5EF4-FFF2-40B4-BE49-F238E27FC236}">
+                  <a16:creationId xmlns:a16="http://schemas.microsoft.com/office/drawing/2014/main" id="{C0754F0D-45C9-6849-BC30-4D1A043E3759}"/>
+                </a:ext>
+              </a:extLst>
+            </p:cNvPr>
+            <p:cNvSpPr/>
+            <p:nvPr/>
+          </p:nvSpPr>
+          <p:spPr>
+            <a:xfrm>
+              <a:off x="9084408" y="7856413"/>
+              <a:ext cx="1260000" cy="540000"/>
+            </a:xfrm>
+            <a:prstGeom prst="roundRect">
+              <a:avLst/>
+            </a:prstGeom>
+            <a:noFill/>
+          </p:spPr>
+          <p:style>
+            <a:lnRef idx="2">
+              <a:schemeClr val="accent1">
+                <a:shade val="50000"/>
+              </a:schemeClr>
+            </a:lnRef>
+            <a:fillRef idx="1">
+              <a:schemeClr val="accent1"/>
+            </a:fillRef>
+            <a:effectRef idx="0">
+              <a:schemeClr val="accent1"/>
+            </a:effectRef>
+            <a:fontRef idx="minor">
+              <a:schemeClr val="lt1"/>
+            </a:fontRef>
+          </p:style>
+          <p:txBody>
+            <a:bodyPr rtlCol="0" anchor="ctr"/>
+            <a:lstStyle/>
+            <a:p>
+              <a:pPr algn="ctr"/>
+              <a:r>
+                <a:rPr lang="de-DE" sz="1200" dirty="0" err="1">
+                  <a:solidFill>
+                    <a:schemeClr val="tx1"/>
+                  </a:solidFill>
+                  <a:latin typeface="Courier" pitchFamily="2" charset="0"/>
+                </a:rPr>
+                <a:t>green</a:t>
+              </a:r>
+              <a:br>
+                <a:rPr lang="de-DE" sz="1200" dirty="0">
+                  <a:solidFill>
+                    <a:schemeClr val="tx1"/>
+                  </a:solidFill>
+                  <a:latin typeface="Courier" pitchFamily="2" charset="0"/>
+                </a:rPr>
+              </a:br>
+              <a:r>
+                <a:rPr lang="de-DE" sz="1200" dirty="0">
+                  <a:solidFill>
+                    <a:schemeClr val="tx1"/>
+                  </a:solidFill>
+                  <a:latin typeface="Courier" pitchFamily="2" charset="0"/>
+                </a:rPr>
+                <a:t>potential</a:t>
+              </a:r>
+            </a:p>
+          </p:txBody>
+        </p:sp>
+        <p:sp>
+          <p:nvSpPr>
+            <p:cNvPr id="92" name="Rounded Rectangle 91">
+              <a:extLst>
+                <a:ext uri="{FF2B5EF4-FFF2-40B4-BE49-F238E27FC236}">
+                  <a16:creationId xmlns:a16="http://schemas.microsoft.com/office/drawing/2014/main" id="{762A3A36-527E-4642-BA48-86C1F0375381}"/>
+                </a:ext>
+              </a:extLst>
+            </p:cNvPr>
+            <p:cNvSpPr/>
+            <p:nvPr/>
+          </p:nvSpPr>
+          <p:spPr>
+            <a:xfrm>
+              <a:off x="9084408" y="8561170"/>
+              <a:ext cx="1260000" cy="540000"/>
+            </a:xfrm>
+            <a:prstGeom prst="roundRect">
+              <a:avLst/>
+            </a:prstGeom>
+            <a:noFill/>
+          </p:spPr>
+          <p:style>
+            <a:lnRef idx="2">
+              <a:schemeClr val="accent1">
+                <a:shade val="50000"/>
+              </a:schemeClr>
+            </a:lnRef>
+            <a:fillRef idx="1">
+              <a:schemeClr val="accent1"/>
+            </a:fillRef>
+            <a:effectRef idx="0">
+              <a:schemeClr val="accent1"/>
+            </a:effectRef>
+            <a:fontRef idx="minor">
+              <a:schemeClr val="lt1"/>
+            </a:fontRef>
+          </p:style>
+          <p:txBody>
+            <a:bodyPr rtlCol="0" anchor="ctr"/>
+            <a:lstStyle/>
+            <a:p>
+              <a:pPr algn="ctr"/>
+              <a:r>
+                <a:rPr lang="de-DE" sz="1200" dirty="0" err="1">
+                  <a:solidFill>
+                    <a:schemeClr val="tx1"/>
+                  </a:solidFill>
+                  <a:latin typeface="Courier" pitchFamily="2" charset="0"/>
+                </a:rPr>
+                <a:t>green</a:t>
+              </a:r>
+              <a:br>
+                <a:rPr lang="de-DE" sz="1200" dirty="0">
+                  <a:solidFill>
+                    <a:schemeClr val="tx1"/>
+                  </a:solidFill>
+                  <a:latin typeface="Courier" pitchFamily="2" charset="0"/>
+                </a:rPr>
+              </a:br>
+              <a:r>
+                <a:rPr lang="de-DE" sz="1200" dirty="0" err="1">
+                  <a:solidFill>
+                    <a:schemeClr val="tx1"/>
+                  </a:solidFill>
+                  <a:latin typeface="Courier" pitchFamily="2" charset="0"/>
+                </a:rPr>
+                <a:t>memory</a:t>
+              </a:r>
+              <a:endParaRPr lang="de-DE" sz="1200" dirty="0">
+                <a:solidFill>
+                  <a:schemeClr val="tx1"/>
+                </a:solidFill>
+                <a:latin typeface="Courier" pitchFamily="2" charset="0"/>
+              </a:endParaRPr>
+            </a:p>
+          </p:txBody>
+        </p:sp>
+        <p:sp>
+          <p:nvSpPr>
+            <p:cNvPr id="94" name="Rounded Rectangle 93">
+              <a:extLst>
+                <a:ext uri="{FF2B5EF4-FFF2-40B4-BE49-F238E27FC236}">
+                  <a16:creationId xmlns:a16="http://schemas.microsoft.com/office/drawing/2014/main" id="{5A78E78D-52D6-8440-B7DC-79ACBEF1AAB7}"/>
+                </a:ext>
+              </a:extLst>
+            </p:cNvPr>
+            <p:cNvSpPr/>
+            <p:nvPr/>
+          </p:nvSpPr>
+          <p:spPr>
+            <a:xfrm>
+              <a:off x="9102492" y="4933527"/>
+              <a:ext cx="1260000" cy="540000"/>
+            </a:xfrm>
+            <a:prstGeom prst="roundRect">
+              <a:avLst/>
+            </a:prstGeom>
+            <a:noFill/>
+          </p:spPr>
+          <p:style>
+            <a:lnRef idx="2">
+              <a:schemeClr val="accent1">
+                <a:shade val="50000"/>
+              </a:schemeClr>
+            </a:lnRef>
+            <a:fillRef idx="1">
+              <a:schemeClr val="accent1"/>
+            </a:fillRef>
+            <a:effectRef idx="0">
+              <a:schemeClr val="accent1"/>
+            </a:effectRef>
+            <a:fontRef idx="minor">
+              <a:schemeClr val="lt1"/>
+            </a:fontRef>
+          </p:style>
+          <p:txBody>
+            <a:bodyPr rtlCol="0" anchor="ctr"/>
+            <a:lstStyle/>
+            <a:p>
+              <a:pPr algn="ctr"/>
+              <a:r>
+                <a:rPr lang="de-DE" sz="1200" dirty="0" err="1">
+                  <a:solidFill>
+                    <a:schemeClr val="tx1"/>
+                  </a:solidFill>
+                  <a:latin typeface="Courier" pitchFamily="2" charset="0"/>
+                </a:rPr>
+                <a:t>green</a:t>
+              </a:r>
+              <a:br>
+                <a:rPr lang="de-DE" sz="1200" dirty="0">
+                  <a:solidFill>
+                    <a:schemeClr val="tx1"/>
+                  </a:solidFill>
+                  <a:latin typeface="Courier" pitchFamily="2" charset="0"/>
+                </a:rPr>
+              </a:br>
+              <a:r>
+                <a:rPr lang="de-DE" sz="1200" dirty="0" err="1">
+                  <a:solidFill>
+                    <a:schemeClr val="tx1"/>
+                  </a:solidFill>
+                  <a:latin typeface="Courier" pitchFamily="2" charset="0"/>
+                </a:rPr>
+                <a:t>function</a:t>
+              </a:r>
+              <a:endParaRPr lang="de-DE" sz="1200" dirty="0">
+                <a:solidFill>
+                  <a:schemeClr val="tx1"/>
+                </a:solidFill>
+                <a:latin typeface="Courier" pitchFamily="2" charset="0"/>
+              </a:endParaRPr>
+            </a:p>
+          </p:txBody>
+        </p:sp>
       </p:grpSp>
       <p:sp>
         <p:nvSpPr>
-          <p:cNvPr id="67" name="Rounded Rectangle 66">
+          <p:cNvPr id="95" name="Rounded Rectangle 94">
             <a:extLst>
               <a:ext uri="{FF2B5EF4-FFF2-40B4-BE49-F238E27FC236}">
-                <a16:creationId xmlns:a16="http://schemas.microsoft.com/office/drawing/2014/main" id="{29D7D188-8CCC-954E-804B-6611A99A8F65}"/>
+                <a16:creationId xmlns:a16="http://schemas.microsoft.com/office/drawing/2014/main" id="{0ABEBD32-8D80-2A4B-8E9A-A493A0E0F20A}"/>
               </a:ext>
             </a:extLst>
           </p:cNvPr>
@@ -7709,7 +7820,7 @@
         </p:nvSpPr>
         <p:spPr>
           <a:xfrm>
-            <a:off x="5665695" y="7448382"/>
+            <a:off x="900000" y="6120000"/>
             <a:ext cx="1260000" cy="540000"/>
           </a:xfrm>
           <a:prstGeom prst="roundRect">
@@ -7745,7 +7856,7 @@
                 </a:solidFill>
                 <a:latin typeface="Courier" pitchFamily="2" charset="0"/>
               </a:rPr>
-              <a:t>conjugate</a:t>
+              <a:t>fourier</a:t>
             </a:r>
             <a:br>
               <a:rPr lang="de-DE" sz="1200" dirty="0">
@@ -7762,7 +7873,7 @@
                 </a:solidFill>
                 <a:latin typeface="Courier" pitchFamily="2" charset="0"/>
               </a:rPr>
-              <a:t>gradients</a:t>
+              <a:t>transform</a:t>
             </a:r>
             <a:endParaRPr lang="de-DE" sz="1200" dirty="0">
               <a:solidFill>
@@ -7773,6 +7884,4132 @@
           </a:p>
         </p:txBody>
       </p:sp>
+      <p:cxnSp>
+        <p:nvCxnSpPr>
+          <p:cNvPr id="96" name="Elbow Connector 95">
+            <a:extLst>
+              <a:ext uri="{FF2B5EF4-FFF2-40B4-BE49-F238E27FC236}">
+                <a16:creationId xmlns:a16="http://schemas.microsoft.com/office/drawing/2014/main" id="{CA4692CA-901A-3A4C-B46A-FAABFF0AB97D}"/>
+              </a:ext>
+            </a:extLst>
+          </p:cNvPr>
+          <p:cNvCxnSpPr>
+            <a:cxnSpLocks/>
+            <a:stCxn id="95" idx="3"/>
+            <a:endCxn id="21" idx="1"/>
+          </p:cNvCxnSpPr>
+          <p:nvPr/>
+        </p:nvCxnSpPr>
+        <p:spPr>
+          <a:xfrm>
+            <a:off x="2160000" y="6390000"/>
+            <a:ext cx="360000" cy="12700"/>
+          </a:xfrm>
+          <a:prstGeom prst="bentConnector3">
+            <a:avLst>
+              <a:gd name="adj1" fmla="val 50000"/>
+            </a:avLst>
+          </a:prstGeom>
+          <a:ln>
+            <a:tailEnd type="triangle"/>
+          </a:ln>
+        </p:spPr>
+        <p:style>
+          <a:lnRef idx="1">
+            <a:schemeClr val="accent1"/>
+          </a:lnRef>
+          <a:fillRef idx="0">
+            <a:schemeClr val="accent1"/>
+          </a:fillRef>
+          <a:effectRef idx="0">
+            <a:schemeClr val="accent1"/>
+          </a:effectRef>
+          <a:fontRef idx="minor">
+            <a:schemeClr val="tx1"/>
+          </a:fontRef>
+        </p:style>
+      </p:cxnSp>
+      <p:sp>
+        <p:nvSpPr>
+          <p:cNvPr id="101" name="Rounded Rectangle 100">
+            <a:extLst>
+              <a:ext uri="{FF2B5EF4-FFF2-40B4-BE49-F238E27FC236}">
+                <a16:creationId xmlns:a16="http://schemas.microsoft.com/office/drawing/2014/main" id="{9B09E6FB-E788-7440-B356-AE60D37F3549}"/>
+              </a:ext>
+            </a:extLst>
+          </p:cNvPr>
+          <p:cNvSpPr/>
+          <p:nvPr/>
+        </p:nvSpPr>
+        <p:spPr>
+          <a:xfrm>
+            <a:off x="-1685204" y="6897458"/>
+            <a:ext cx="1260000" cy="540000"/>
+          </a:xfrm>
+          <a:prstGeom prst="roundRect">
+            <a:avLst/>
+          </a:prstGeom>
+          <a:noFill/>
+        </p:spPr>
+        <p:style>
+          <a:lnRef idx="2">
+            <a:schemeClr val="accent1">
+              <a:shade val="50000"/>
+            </a:schemeClr>
+          </a:lnRef>
+          <a:fillRef idx="1">
+            <a:schemeClr val="accent1"/>
+          </a:fillRef>
+          <a:effectRef idx="0">
+            <a:schemeClr val="accent1"/>
+          </a:effectRef>
+          <a:fontRef idx="minor">
+            <a:schemeClr val="lt1"/>
+          </a:fontRef>
+        </p:style>
+        <p:txBody>
+          <a:bodyPr rtlCol="0" anchor="ctr"/>
+          <a:lstStyle/>
+          <a:p>
+            <a:pPr algn="ctr"/>
+            <a:r>
+              <a:rPr lang="de-DE" sz="1200" dirty="0" err="1">
+                <a:solidFill>
+                  <a:schemeClr val="tx1"/>
+                </a:solidFill>
+                <a:latin typeface="Courier" pitchFamily="2" charset="0"/>
+              </a:rPr>
+              <a:t>paw</a:t>
+            </a:r>
+            <a:r>
+              <a:rPr lang="de-DE" sz="1200" dirty="0">
+                <a:solidFill>
+                  <a:schemeClr val="tx1"/>
+                </a:solidFill>
+                <a:latin typeface="Courier" pitchFamily="2" charset="0"/>
+              </a:rPr>
+              <a:t> </a:t>
+            </a:r>
+            <a:r>
+              <a:rPr lang="de-DE" sz="1200" dirty="0" err="1">
+                <a:solidFill>
+                  <a:schemeClr val="tx1"/>
+                </a:solidFill>
+                <a:latin typeface="Courier" pitchFamily="2" charset="0"/>
+              </a:rPr>
+              <a:t>xml</a:t>
+            </a:r>
+            <a:br>
+              <a:rPr lang="de-DE" sz="1200" dirty="0">
+                <a:solidFill>
+                  <a:schemeClr val="tx1"/>
+                </a:solidFill>
+                <a:latin typeface="Courier" pitchFamily="2" charset="0"/>
+              </a:rPr>
+            </a:br>
+            <a:r>
+              <a:rPr lang="de-DE" sz="1200" dirty="0" err="1">
+                <a:solidFill>
+                  <a:schemeClr val="tx1"/>
+                </a:solidFill>
+                <a:latin typeface="Courier" pitchFamily="2" charset="0"/>
+              </a:rPr>
+              <a:t>export</a:t>
+            </a:r>
+            <a:endParaRPr lang="de-DE" sz="1200" dirty="0">
+              <a:solidFill>
+                <a:schemeClr val="tx1"/>
+              </a:solidFill>
+              <a:latin typeface="Courier" pitchFamily="2" charset="0"/>
+            </a:endParaRPr>
+          </a:p>
+        </p:txBody>
+      </p:sp>
+      <p:sp>
+        <p:nvSpPr>
+          <p:cNvPr id="102" name="Rounded Rectangle 101">
+            <a:extLst>
+              <a:ext uri="{FF2B5EF4-FFF2-40B4-BE49-F238E27FC236}">
+                <a16:creationId xmlns:a16="http://schemas.microsoft.com/office/drawing/2014/main" id="{902D2B7A-CC15-6D42-948A-F1ECEEB0FBD9}"/>
+              </a:ext>
+            </a:extLst>
+          </p:cNvPr>
+          <p:cNvSpPr/>
+          <p:nvPr/>
+        </p:nvSpPr>
+        <p:spPr>
+          <a:xfrm>
+            <a:off x="8820000" y="3420000"/>
+            <a:ext cx="1260000" cy="540000"/>
+          </a:xfrm>
+          <a:prstGeom prst="roundRect">
+            <a:avLst/>
+          </a:prstGeom>
+          <a:noFill/>
+        </p:spPr>
+        <p:style>
+          <a:lnRef idx="2">
+            <a:schemeClr val="accent1">
+              <a:shade val="50000"/>
+            </a:schemeClr>
+          </a:lnRef>
+          <a:fillRef idx="1">
+            <a:schemeClr val="accent1"/>
+          </a:fillRef>
+          <a:effectRef idx="0">
+            <a:schemeClr val="accent1"/>
+          </a:effectRef>
+          <a:fontRef idx="minor">
+            <a:schemeClr val="lt1"/>
+          </a:fontRef>
+        </p:style>
+        <p:txBody>
+          <a:bodyPr rtlCol="0" anchor="ctr"/>
+          <a:lstStyle/>
+          <a:p>
+            <a:pPr algn="ctr"/>
+            <a:r>
+              <a:rPr lang="de-DE" sz="1200" dirty="0" err="1">
+                <a:solidFill>
+                  <a:schemeClr val="tx1"/>
+                </a:solidFill>
+                <a:latin typeface="Courier" pitchFamily="2" charset="0"/>
+              </a:rPr>
+              <a:t>brillouin</a:t>
+            </a:r>
+            <a:br>
+              <a:rPr lang="de-DE" sz="1200" dirty="0">
+                <a:solidFill>
+                  <a:schemeClr val="tx1"/>
+                </a:solidFill>
+                <a:latin typeface="Courier" pitchFamily="2" charset="0"/>
+              </a:rPr>
+            </a:br>
+            <a:r>
+              <a:rPr lang="de-DE" sz="1200" dirty="0" err="1">
+                <a:solidFill>
+                  <a:schemeClr val="tx1"/>
+                </a:solidFill>
+                <a:latin typeface="Courier" pitchFamily="2" charset="0"/>
+              </a:rPr>
+              <a:t>zone</a:t>
+            </a:r>
+            <a:endParaRPr lang="de-DE" sz="1200" dirty="0">
+              <a:solidFill>
+                <a:schemeClr val="tx1"/>
+              </a:solidFill>
+              <a:latin typeface="Courier" pitchFamily="2" charset="0"/>
+            </a:endParaRPr>
+          </a:p>
+        </p:txBody>
+      </p:sp>
+      <p:sp>
+        <p:nvSpPr>
+          <p:cNvPr id="104" name="Rounded Rectangle 103">
+            <a:extLst>
+              <a:ext uri="{FF2B5EF4-FFF2-40B4-BE49-F238E27FC236}">
+                <a16:creationId xmlns:a16="http://schemas.microsoft.com/office/drawing/2014/main" id="{368A3688-E1C6-8846-A038-A6E332535C8E}"/>
+              </a:ext>
+            </a:extLst>
+          </p:cNvPr>
+          <p:cNvSpPr/>
+          <p:nvPr/>
+        </p:nvSpPr>
+        <p:spPr>
+          <a:xfrm>
+            <a:off x="-3196915" y="7549993"/>
+            <a:ext cx="1260000" cy="540000"/>
+          </a:xfrm>
+          <a:prstGeom prst="roundRect">
+            <a:avLst/>
+          </a:prstGeom>
+          <a:noFill/>
+        </p:spPr>
+        <p:style>
+          <a:lnRef idx="2">
+            <a:schemeClr val="accent1">
+              <a:shade val="50000"/>
+            </a:schemeClr>
+          </a:lnRef>
+          <a:fillRef idx="1">
+            <a:schemeClr val="accent1"/>
+          </a:fillRef>
+          <a:effectRef idx="0">
+            <a:schemeClr val="accent1"/>
+          </a:effectRef>
+          <a:fontRef idx="minor">
+            <a:schemeClr val="lt1"/>
+          </a:fontRef>
+        </p:style>
+        <p:txBody>
+          <a:bodyPr rtlCol="0" anchor="ctr"/>
+          <a:lstStyle/>
+          <a:p>
+            <a:pPr algn="ctr"/>
+            <a:r>
+              <a:rPr lang="de-DE" sz="1200" dirty="0" err="1">
+                <a:solidFill>
+                  <a:schemeClr val="tx1"/>
+                </a:solidFill>
+                <a:latin typeface="Courier" pitchFamily="2" charset="0"/>
+              </a:rPr>
+              <a:t>bessel</a:t>
+            </a:r>
+            <a:br>
+              <a:rPr lang="de-DE" sz="1200" dirty="0">
+                <a:solidFill>
+                  <a:schemeClr val="tx1"/>
+                </a:solidFill>
+                <a:latin typeface="Courier" pitchFamily="2" charset="0"/>
+              </a:rPr>
+            </a:br>
+            <a:r>
+              <a:rPr lang="de-DE" sz="1200" dirty="0" err="1">
+                <a:solidFill>
+                  <a:schemeClr val="tx1"/>
+                </a:solidFill>
+                <a:latin typeface="Courier" pitchFamily="2" charset="0"/>
+              </a:rPr>
+              <a:t>transform</a:t>
+            </a:r>
+            <a:endParaRPr lang="de-DE" sz="1200" dirty="0">
+              <a:solidFill>
+                <a:schemeClr val="tx1"/>
+              </a:solidFill>
+              <a:latin typeface="Courier" pitchFamily="2" charset="0"/>
+            </a:endParaRPr>
+          </a:p>
+        </p:txBody>
+      </p:sp>
+      <p:sp>
+        <p:nvSpPr>
+          <p:cNvPr id="106" name="Rounded Rectangle 105">
+            <a:extLst>
+              <a:ext uri="{FF2B5EF4-FFF2-40B4-BE49-F238E27FC236}">
+                <a16:creationId xmlns:a16="http://schemas.microsoft.com/office/drawing/2014/main" id="{84A8C87C-7F25-234B-B10D-C64B64D1CF8E}"/>
+              </a:ext>
+            </a:extLst>
+          </p:cNvPr>
+          <p:cNvSpPr/>
+          <p:nvPr/>
+        </p:nvSpPr>
+        <p:spPr>
+          <a:xfrm>
+            <a:off x="-3458890" y="2782710"/>
+            <a:ext cx="1260000" cy="540000"/>
+          </a:xfrm>
+          <a:prstGeom prst="roundRect">
+            <a:avLst/>
+          </a:prstGeom>
+          <a:noFill/>
+        </p:spPr>
+        <p:style>
+          <a:lnRef idx="2">
+            <a:schemeClr val="accent1">
+              <a:shade val="50000"/>
+            </a:schemeClr>
+          </a:lnRef>
+          <a:fillRef idx="1">
+            <a:schemeClr val="accent1"/>
+          </a:fillRef>
+          <a:effectRef idx="0">
+            <a:schemeClr val="accent1"/>
+          </a:effectRef>
+          <a:fontRef idx="minor">
+            <a:schemeClr val="lt1"/>
+          </a:fontRef>
+        </p:style>
+        <p:txBody>
+          <a:bodyPr rtlCol="0" anchor="ctr"/>
+          <a:lstStyle/>
+          <a:p>
+            <a:pPr algn="ctr"/>
+            <a:r>
+              <a:rPr lang="de-DE" sz="1200" dirty="0" err="1">
+                <a:solidFill>
+                  <a:schemeClr val="tx1"/>
+                </a:solidFill>
+                <a:latin typeface="Courier" pitchFamily="2" charset="0"/>
+              </a:rPr>
+              <a:t>data</a:t>
+            </a:r>
+            <a:br>
+              <a:rPr lang="de-DE" sz="1200" dirty="0">
+                <a:solidFill>
+                  <a:schemeClr val="tx1"/>
+                </a:solidFill>
+                <a:latin typeface="Courier" pitchFamily="2" charset="0"/>
+              </a:rPr>
+            </a:br>
+            <a:r>
+              <a:rPr lang="de-DE" sz="1200" dirty="0" err="1">
+                <a:solidFill>
+                  <a:schemeClr val="tx1"/>
+                </a:solidFill>
+                <a:latin typeface="Courier" pitchFamily="2" charset="0"/>
+              </a:rPr>
+              <a:t>view</a:t>
+            </a:r>
+            <a:endParaRPr lang="de-DE" sz="1200" dirty="0">
+              <a:solidFill>
+                <a:schemeClr val="tx1"/>
+              </a:solidFill>
+              <a:latin typeface="Courier" pitchFamily="2" charset="0"/>
+            </a:endParaRPr>
+          </a:p>
+        </p:txBody>
+      </p:sp>
+      <p:sp>
+        <p:nvSpPr>
+          <p:cNvPr id="107" name="Rounded Rectangle 106">
+            <a:extLst>
+              <a:ext uri="{FF2B5EF4-FFF2-40B4-BE49-F238E27FC236}">
+                <a16:creationId xmlns:a16="http://schemas.microsoft.com/office/drawing/2014/main" id="{21C132D3-B377-D547-8957-E3EB59B0D929}"/>
+              </a:ext>
+            </a:extLst>
+          </p:cNvPr>
+          <p:cNvSpPr/>
+          <p:nvPr/>
+        </p:nvSpPr>
+        <p:spPr>
+          <a:xfrm>
+            <a:off x="-3446136" y="3478240"/>
+            <a:ext cx="1260000" cy="540000"/>
+          </a:xfrm>
+          <a:prstGeom prst="roundRect">
+            <a:avLst/>
+          </a:prstGeom>
+          <a:noFill/>
+        </p:spPr>
+        <p:style>
+          <a:lnRef idx="2">
+            <a:schemeClr val="accent1">
+              <a:shade val="50000"/>
+            </a:schemeClr>
+          </a:lnRef>
+          <a:fillRef idx="1">
+            <a:schemeClr val="accent1"/>
+          </a:fillRef>
+          <a:effectRef idx="0">
+            <a:schemeClr val="accent1"/>
+          </a:effectRef>
+          <a:fontRef idx="minor">
+            <a:schemeClr val="lt1"/>
+          </a:fontRef>
+        </p:style>
+        <p:txBody>
+          <a:bodyPr rtlCol="0" anchor="ctr"/>
+          <a:lstStyle/>
+          <a:p>
+            <a:pPr algn="ctr"/>
+            <a:r>
+              <a:rPr lang="de-DE" sz="1200" dirty="0" err="1">
+                <a:solidFill>
+                  <a:schemeClr val="tx1"/>
+                </a:solidFill>
+                <a:latin typeface="Courier" pitchFamily="2" charset="0"/>
+              </a:rPr>
+              <a:t>data</a:t>
+            </a:r>
+            <a:br>
+              <a:rPr lang="de-DE" sz="1200" dirty="0">
+                <a:solidFill>
+                  <a:schemeClr val="tx1"/>
+                </a:solidFill>
+                <a:latin typeface="Courier" pitchFamily="2" charset="0"/>
+              </a:rPr>
+            </a:br>
+            <a:r>
+              <a:rPr lang="de-DE" sz="1200" dirty="0" err="1">
+                <a:solidFill>
+                  <a:schemeClr val="tx1"/>
+                </a:solidFill>
+                <a:latin typeface="Courier" pitchFamily="2" charset="0"/>
+              </a:rPr>
+              <a:t>list</a:t>
+            </a:r>
+            <a:endParaRPr lang="de-DE" sz="1200" dirty="0">
+              <a:solidFill>
+                <a:schemeClr val="tx1"/>
+              </a:solidFill>
+              <a:latin typeface="Courier" pitchFamily="2" charset="0"/>
+            </a:endParaRPr>
+          </a:p>
+        </p:txBody>
+      </p:sp>
+      <p:sp>
+        <p:nvSpPr>
+          <p:cNvPr id="108" name="Rounded Rectangle 107">
+            <a:extLst>
+              <a:ext uri="{FF2B5EF4-FFF2-40B4-BE49-F238E27FC236}">
+                <a16:creationId xmlns:a16="http://schemas.microsoft.com/office/drawing/2014/main" id="{9B7309DC-9046-B347-B713-8915877E4E19}"/>
+              </a:ext>
+            </a:extLst>
+          </p:cNvPr>
+          <p:cNvSpPr/>
+          <p:nvPr/>
+        </p:nvSpPr>
+        <p:spPr>
+          <a:xfrm>
+            <a:off x="6840000" y="4320900"/>
+            <a:ext cx="1260000" cy="540000"/>
+          </a:xfrm>
+          <a:prstGeom prst="roundRect">
+            <a:avLst/>
+          </a:prstGeom>
+          <a:noFill/>
+        </p:spPr>
+        <p:style>
+          <a:lnRef idx="2">
+            <a:schemeClr val="accent1">
+              <a:shade val="50000"/>
+            </a:schemeClr>
+          </a:lnRef>
+          <a:fillRef idx="1">
+            <a:schemeClr val="accent1"/>
+          </a:fillRef>
+          <a:effectRef idx="0">
+            <a:schemeClr val="accent1"/>
+          </a:effectRef>
+          <a:fontRef idx="minor">
+            <a:schemeClr val="lt1"/>
+          </a:fontRef>
+        </p:style>
+        <p:txBody>
+          <a:bodyPr rtlCol="0" anchor="ctr"/>
+          <a:lstStyle/>
+          <a:p>
+            <a:pPr algn="ctr"/>
+            <a:r>
+              <a:rPr lang="de-DE" sz="1200" dirty="0" err="1">
+                <a:solidFill>
+                  <a:schemeClr val="tx1"/>
+                </a:solidFill>
+                <a:latin typeface="Courier" pitchFamily="2" charset="0"/>
+              </a:rPr>
+              <a:t>density</a:t>
+            </a:r>
+            <a:br>
+              <a:rPr lang="de-DE" sz="1200" dirty="0">
+                <a:solidFill>
+                  <a:schemeClr val="tx1"/>
+                </a:solidFill>
+                <a:latin typeface="Courier" pitchFamily="2" charset="0"/>
+              </a:rPr>
+            </a:br>
+            <a:r>
+              <a:rPr lang="de-DE" sz="1200" dirty="0" err="1">
+                <a:solidFill>
+                  <a:schemeClr val="tx1"/>
+                </a:solidFill>
+                <a:latin typeface="Courier" pitchFamily="2" charset="0"/>
+              </a:rPr>
+              <a:t>generator</a:t>
+            </a:r>
+            <a:endParaRPr lang="de-DE" sz="1200" dirty="0">
+              <a:solidFill>
+                <a:schemeClr val="tx1"/>
+              </a:solidFill>
+              <a:latin typeface="Courier" pitchFamily="2" charset="0"/>
+            </a:endParaRPr>
+          </a:p>
+        </p:txBody>
+      </p:sp>
+      <p:sp>
+        <p:nvSpPr>
+          <p:cNvPr id="109" name="Rounded Rectangle 108">
+            <a:extLst>
+              <a:ext uri="{FF2B5EF4-FFF2-40B4-BE49-F238E27FC236}">
+                <a16:creationId xmlns:a16="http://schemas.microsoft.com/office/drawing/2014/main" id="{82D4422C-597E-314B-AADC-DCAA5DAD3852}"/>
+              </a:ext>
+            </a:extLst>
+          </p:cNvPr>
+          <p:cNvSpPr/>
+          <p:nvPr/>
+        </p:nvSpPr>
+        <p:spPr>
+          <a:xfrm>
+            <a:off x="9000000" y="9000000"/>
+            <a:ext cx="1260000" cy="540000"/>
+          </a:xfrm>
+          <a:prstGeom prst="roundRect">
+            <a:avLst/>
+          </a:prstGeom>
+          <a:noFill/>
+        </p:spPr>
+        <p:style>
+          <a:lnRef idx="2">
+            <a:schemeClr val="accent1">
+              <a:shade val="50000"/>
+            </a:schemeClr>
+          </a:lnRef>
+          <a:fillRef idx="1">
+            <a:schemeClr val="accent1"/>
+          </a:fillRef>
+          <a:effectRef idx="0">
+            <a:schemeClr val="accent1"/>
+          </a:effectRef>
+          <a:fontRef idx="minor">
+            <a:schemeClr val="lt1"/>
+          </a:fontRef>
+        </p:style>
+        <p:txBody>
+          <a:bodyPr rtlCol="0" anchor="ctr"/>
+          <a:lstStyle/>
+          <a:p>
+            <a:pPr algn="ctr"/>
+            <a:r>
+              <a:rPr lang="de-DE" sz="1200" dirty="0" err="1">
+                <a:solidFill>
+                  <a:schemeClr val="tx1"/>
+                </a:solidFill>
+                <a:latin typeface="Courier" pitchFamily="2" charset="0"/>
+              </a:rPr>
+              <a:t>dense</a:t>
+            </a:r>
+            <a:r>
+              <a:rPr lang="de-DE" sz="1200" dirty="0">
+                <a:solidFill>
+                  <a:schemeClr val="tx1"/>
+                </a:solidFill>
+                <a:latin typeface="Courier" pitchFamily="2" charset="0"/>
+              </a:rPr>
+              <a:t> </a:t>
+            </a:r>
+            <a:r>
+              <a:rPr lang="de-DE" sz="1200" dirty="0" err="1">
+                <a:solidFill>
+                  <a:schemeClr val="tx1"/>
+                </a:solidFill>
+                <a:latin typeface="Courier" pitchFamily="2" charset="0"/>
+              </a:rPr>
+              <a:t>operator</a:t>
+            </a:r>
+            <a:endParaRPr lang="de-DE" sz="1200" dirty="0">
+              <a:solidFill>
+                <a:schemeClr val="tx1"/>
+              </a:solidFill>
+              <a:latin typeface="Courier" pitchFamily="2" charset="0"/>
+            </a:endParaRPr>
+          </a:p>
+        </p:txBody>
+      </p:sp>
+      <p:sp>
+        <p:nvSpPr>
+          <p:cNvPr id="111" name="Rounded Rectangle 110">
+            <a:extLst>
+              <a:ext uri="{FF2B5EF4-FFF2-40B4-BE49-F238E27FC236}">
+                <a16:creationId xmlns:a16="http://schemas.microsoft.com/office/drawing/2014/main" id="{A16ADAE3-096E-2A43-94CA-BF11EA4582F7}"/>
+              </a:ext>
+            </a:extLst>
+          </p:cNvPr>
+          <p:cNvSpPr/>
+          <p:nvPr/>
+        </p:nvSpPr>
+        <p:spPr>
+          <a:xfrm>
+            <a:off x="9000000" y="8100000"/>
+            <a:ext cx="1260000" cy="540000"/>
+          </a:xfrm>
+          <a:prstGeom prst="roundRect">
+            <a:avLst/>
+          </a:prstGeom>
+          <a:noFill/>
+        </p:spPr>
+        <p:style>
+          <a:lnRef idx="2">
+            <a:schemeClr val="accent1">
+              <a:shade val="50000"/>
+            </a:schemeClr>
+          </a:lnRef>
+          <a:fillRef idx="1">
+            <a:schemeClr val="accent1"/>
+          </a:fillRef>
+          <a:effectRef idx="0">
+            <a:schemeClr val="accent1"/>
+          </a:effectRef>
+          <a:fontRef idx="minor">
+            <a:schemeClr val="lt1"/>
+          </a:fontRef>
+        </p:style>
+        <p:txBody>
+          <a:bodyPr rtlCol="0" anchor="ctr"/>
+          <a:lstStyle/>
+          <a:p>
+            <a:pPr algn="ctr"/>
+            <a:r>
+              <a:rPr lang="de-DE" sz="1200" dirty="0">
+                <a:solidFill>
+                  <a:schemeClr val="tx1"/>
+                </a:solidFill>
+                <a:latin typeface="Courier" pitchFamily="2" charset="0"/>
+              </a:rPr>
+              <a:t>plane</a:t>
+            </a:r>
+            <a:br>
+              <a:rPr lang="de-DE" sz="1200" dirty="0">
+                <a:solidFill>
+                  <a:schemeClr val="tx1"/>
+                </a:solidFill>
+                <a:latin typeface="Courier" pitchFamily="2" charset="0"/>
+              </a:rPr>
+            </a:br>
+            <a:r>
+              <a:rPr lang="de-DE" sz="1200" dirty="0" err="1">
+                <a:solidFill>
+                  <a:schemeClr val="tx1"/>
+                </a:solidFill>
+                <a:latin typeface="Courier" pitchFamily="2" charset="0"/>
+              </a:rPr>
+              <a:t>waves</a:t>
+            </a:r>
+            <a:endParaRPr lang="de-DE" sz="1200" dirty="0">
+              <a:solidFill>
+                <a:schemeClr val="tx1"/>
+              </a:solidFill>
+              <a:latin typeface="Courier" pitchFamily="2" charset="0"/>
+            </a:endParaRPr>
+          </a:p>
+        </p:txBody>
+      </p:sp>
+      <p:sp>
+        <p:nvSpPr>
+          <p:cNvPr id="112" name="Rounded Rectangle 111">
+            <a:extLst>
+              <a:ext uri="{FF2B5EF4-FFF2-40B4-BE49-F238E27FC236}">
+                <a16:creationId xmlns:a16="http://schemas.microsoft.com/office/drawing/2014/main" id="{0F18CC42-D329-194C-AE4C-7279609B6F8D}"/>
+              </a:ext>
+            </a:extLst>
+          </p:cNvPr>
+          <p:cNvSpPr/>
+          <p:nvPr/>
+        </p:nvSpPr>
+        <p:spPr>
+          <a:xfrm>
+            <a:off x="-1609268" y="7690045"/>
+            <a:ext cx="1260000" cy="540000"/>
+          </a:xfrm>
+          <a:prstGeom prst="roundRect">
+            <a:avLst/>
+          </a:prstGeom>
+          <a:noFill/>
+        </p:spPr>
+        <p:style>
+          <a:lnRef idx="2">
+            <a:schemeClr val="accent1">
+              <a:shade val="50000"/>
+            </a:schemeClr>
+          </a:lnRef>
+          <a:fillRef idx="1">
+            <a:schemeClr val="accent1"/>
+          </a:fillRef>
+          <a:effectRef idx="0">
+            <a:schemeClr val="accent1"/>
+          </a:effectRef>
+          <a:fontRef idx="minor">
+            <a:schemeClr val="lt1"/>
+          </a:fontRef>
+        </p:style>
+        <p:txBody>
+          <a:bodyPr rtlCol="0" anchor="ctr"/>
+          <a:lstStyle/>
+          <a:p>
+            <a:pPr algn="ctr"/>
+            <a:r>
+              <a:rPr lang="de-DE" sz="1200" dirty="0" err="1">
+                <a:solidFill>
+                  <a:schemeClr val="tx1"/>
+                </a:solidFill>
+                <a:latin typeface="Courier" pitchFamily="2" charset="0"/>
+              </a:rPr>
+              <a:t>json</a:t>
+            </a:r>
+            <a:br>
+              <a:rPr lang="de-DE" sz="1200" dirty="0">
+                <a:solidFill>
+                  <a:schemeClr val="tx1"/>
+                </a:solidFill>
+                <a:latin typeface="Courier" pitchFamily="2" charset="0"/>
+              </a:rPr>
+            </a:br>
+            <a:r>
+              <a:rPr lang="de-DE" sz="1200" dirty="0" err="1">
+                <a:solidFill>
+                  <a:schemeClr val="tx1"/>
+                </a:solidFill>
+                <a:latin typeface="Courier" pitchFamily="2" charset="0"/>
+              </a:rPr>
+              <a:t>reading</a:t>
+            </a:r>
+            <a:endParaRPr lang="de-DE" sz="1200" dirty="0">
+              <a:solidFill>
+                <a:schemeClr val="tx1"/>
+              </a:solidFill>
+              <a:latin typeface="Courier" pitchFamily="2" charset="0"/>
+            </a:endParaRPr>
+          </a:p>
+        </p:txBody>
+      </p:sp>
+      <p:sp>
+        <p:nvSpPr>
+          <p:cNvPr id="113" name="Rounded Rectangle 112">
+            <a:extLst>
+              <a:ext uri="{FF2B5EF4-FFF2-40B4-BE49-F238E27FC236}">
+                <a16:creationId xmlns:a16="http://schemas.microsoft.com/office/drawing/2014/main" id="{EA940B7F-1D91-304B-9DA9-F2D13B53FED0}"/>
+              </a:ext>
+            </a:extLst>
+          </p:cNvPr>
+          <p:cNvSpPr/>
+          <p:nvPr/>
+        </p:nvSpPr>
+        <p:spPr>
+          <a:xfrm>
+            <a:off x="6840000" y="3420000"/>
+            <a:ext cx="1260000" cy="540000"/>
+          </a:xfrm>
+          <a:prstGeom prst="roundRect">
+            <a:avLst/>
+          </a:prstGeom>
+          <a:noFill/>
+        </p:spPr>
+        <p:style>
+          <a:lnRef idx="2">
+            <a:schemeClr val="accent1">
+              <a:shade val="50000"/>
+            </a:schemeClr>
+          </a:lnRef>
+          <a:fillRef idx="1">
+            <a:schemeClr val="accent1"/>
+          </a:fillRef>
+          <a:effectRef idx="0">
+            <a:schemeClr val="accent1"/>
+          </a:effectRef>
+          <a:fontRef idx="minor">
+            <a:schemeClr val="lt1"/>
+          </a:fontRef>
+        </p:style>
+        <p:txBody>
+          <a:bodyPr rtlCol="0" anchor="ctr"/>
+          <a:lstStyle/>
+          <a:p>
+            <a:pPr algn="ctr"/>
+            <a:r>
+              <a:rPr lang="de-DE" sz="1200" dirty="0" err="1">
+                <a:solidFill>
+                  <a:schemeClr val="tx1"/>
+                </a:solidFill>
+                <a:latin typeface="Courier" pitchFamily="2" charset="0"/>
+              </a:rPr>
+              <a:t>fermi</a:t>
+            </a:r>
+            <a:br>
+              <a:rPr lang="de-DE" sz="1200" dirty="0">
+                <a:solidFill>
+                  <a:schemeClr val="tx1"/>
+                </a:solidFill>
+                <a:latin typeface="Courier" pitchFamily="2" charset="0"/>
+              </a:rPr>
+            </a:br>
+            <a:r>
+              <a:rPr lang="de-DE" sz="1200" dirty="0" err="1">
+                <a:solidFill>
+                  <a:schemeClr val="tx1"/>
+                </a:solidFill>
+                <a:latin typeface="Courier" pitchFamily="2" charset="0"/>
+              </a:rPr>
+              <a:t>distrib‘n</a:t>
+            </a:r>
+            <a:endParaRPr lang="de-DE" sz="1200" dirty="0">
+              <a:solidFill>
+                <a:schemeClr val="tx1"/>
+              </a:solidFill>
+              <a:latin typeface="Courier" pitchFamily="2" charset="0"/>
+            </a:endParaRPr>
+          </a:p>
+        </p:txBody>
+      </p:sp>
+      <p:sp>
+        <p:nvSpPr>
+          <p:cNvPr id="115" name="Rounded Rectangle 114">
+            <a:extLst>
+              <a:ext uri="{FF2B5EF4-FFF2-40B4-BE49-F238E27FC236}">
+                <a16:creationId xmlns:a16="http://schemas.microsoft.com/office/drawing/2014/main" id="{D8B42F9D-3061-7341-A6F9-52824B5D0CAD}"/>
+              </a:ext>
+            </a:extLst>
+          </p:cNvPr>
+          <p:cNvSpPr/>
+          <p:nvPr/>
+        </p:nvSpPr>
+        <p:spPr>
+          <a:xfrm>
+            <a:off x="2520000" y="5220000"/>
+            <a:ext cx="1260000" cy="540000"/>
+          </a:xfrm>
+          <a:prstGeom prst="roundRect">
+            <a:avLst/>
+          </a:prstGeom>
+          <a:noFill/>
+        </p:spPr>
+        <p:style>
+          <a:lnRef idx="2">
+            <a:schemeClr val="accent1">
+              <a:shade val="50000"/>
+            </a:schemeClr>
+          </a:lnRef>
+          <a:fillRef idx="1">
+            <a:schemeClr val="accent1"/>
+          </a:fillRef>
+          <a:effectRef idx="0">
+            <a:schemeClr val="accent1"/>
+          </a:effectRef>
+          <a:fontRef idx="minor">
+            <a:schemeClr val="lt1"/>
+          </a:fontRef>
+        </p:style>
+        <p:txBody>
+          <a:bodyPr rtlCol="0" anchor="ctr"/>
+          <a:lstStyle/>
+          <a:p>
+            <a:pPr algn="ctr"/>
+            <a:r>
+              <a:rPr lang="de-DE" sz="1200" dirty="0" err="1">
+                <a:solidFill>
+                  <a:schemeClr val="tx1"/>
+                </a:solidFill>
+                <a:latin typeface="Courier" pitchFamily="2" charset="0"/>
+              </a:rPr>
+              <a:t>poisson</a:t>
+            </a:r>
+            <a:br>
+              <a:rPr lang="de-DE" sz="1200" dirty="0">
+                <a:solidFill>
+                  <a:schemeClr val="tx1"/>
+                </a:solidFill>
+                <a:latin typeface="Courier" pitchFamily="2" charset="0"/>
+              </a:rPr>
+            </a:br>
+            <a:r>
+              <a:rPr lang="de-DE" sz="1200" dirty="0" err="1">
+                <a:solidFill>
+                  <a:schemeClr val="tx1"/>
+                </a:solidFill>
+                <a:latin typeface="Courier" pitchFamily="2" charset="0"/>
+              </a:rPr>
+              <a:t>solver</a:t>
+            </a:r>
+            <a:endParaRPr lang="de-DE" sz="1200" dirty="0">
+              <a:solidFill>
+                <a:schemeClr val="tx1"/>
+              </a:solidFill>
+              <a:latin typeface="Courier" pitchFamily="2" charset="0"/>
+            </a:endParaRPr>
+          </a:p>
+        </p:txBody>
+      </p:sp>
+      <p:sp>
+        <p:nvSpPr>
+          <p:cNvPr id="116" name="Rounded Rectangle 115">
+            <a:extLst>
+              <a:ext uri="{FF2B5EF4-FFF2-40B4-BE49-F238E27FC236}">
+                <a16:creationId xmlns:a16="http://schemas.microsoft.com/office/drawing/2014/main" id="{6683E200-6AD4-ED41-A0D1-F6538F2C834B}"/>
+              </a:ext>
+            </a:extLst>
+          </p:cNvPr>
+          <p:cNvSpPr/>
+          <p:nvPr/>
+        </p:nvSpPr>
+        <p:spPr>
+          <a:xfrm>
+            <a:off x="900000" y="5220000"/>
+            <a:ext cx="1260000" cy="540000"/>
+          </a:xfrm>
+          <a:prstGeom prst="roundRect">
+            <a:avLst/>
+          </a:prstGeom>
+          <a:noFill/>
+        </p:spPr>
+        <p:style>
+          <a:lnRef idx="2">
+            <a:schemeClr val="accent1">
+              <a:shade val="50000"/>
+            </a:schemeClr>
+          </a:lnRef>
+          <a:fillRef idx="1">
+            <a:schemeClr val="accent1"/>
+          </a:fillRef>
+          <a:effectRef idx="0">
+            <a:schemeClr val="accent1"/>
+          </a:effectRef>
+          <a:fontRef idx="minor">
+            <a:schemeClr val="lt1"/>
+          </a:fontRef>
+        </p:style>
+        <p:txBody>
+          <a:bodyPr rtlCol="0" anchor="ctr"/>
+          <a:lstStyle/>
+          <a:p>
+            <a:pPr algn="ctr"/>
+            <a:r>
+              <a:rPr lang="de-DE" sz="1200" dirty="0">
+                <a:solidFill>
+                  <a:schemeClr val="tx1"/>
+                </a:solidFill>
+                <a:latin typeface="Courier" pitchFamily="2" charset="0"/>
+              </a:rPr>
+              <a:t>iterative</a:t>
+            </a:r>
+            <a:br>
+              <a:rPr lang="de-DE" sz="1200" dirty="0">
+                <a:solidFill>
+                  <a:schemeClr val="tx1"/>
+                </a:solidFill>
+                <a:latin typeface="Courier" pitchFamily="2" charset="0"/>
+              </a:rPr>
+            </a:br>
+            <a:r>
+              <a:rPr lang="de-DE" sz="1200" dirty="0" err="1">
+                <a:solidFill>
+                  <a:schemeClr val="tx1"/>
+                </a:solidFill>
+                <a:latin typeface="Courier" pitchFamily="2" charset="0"/>
+              </a:rPr>
+              <a:t>poisson</a:t>
+            </a:r>
+            <a:endParaRPr lang="de-DE" sz="1200" dirty="0">
+              <a:solidFill>
+                <a:schemeClr val="tx1"/>
+              </a:solidFill>
+              <a:latin typeface="Courier" pitchFamily="2" charset="0"/>
+            </a:endParaRPr>
+          </a:p>
+        </p:txBody>
+      </p:sp>
+      <p:cxnSp>
+        <p:nvCxnSpPr>
+          <p:cNvPr id="117" name="Elbow Connector 116">
+            <a:extLst>
+              <a:ext uri="{FF2B5EF4-FFF2-40B4-BE49-F238E27FC236}">
+                <a16:creationId xmlns:a16="http://schemas.microsoft.com/office/drawing/2014/main" id="{19694EA5-2A84-FD43-9F39-793DAF68A522}"/>
+              </a:ext>
+            </a:extLst>
+          </p:cNvPr>
+          <p:cNvCxnSpPr>
+            <a:cxnSpLocks/>
+            <a:stCxn id="116" idx="3"/>
+            <a:endCxn id="115" idx="1"/>
+          </p:cNvCxnSpPr>
+          <p:nvPr/>
+        </p:nvCxnSpPr>
+        <p:spPr>
+          <a:xfrm>
+            <a:off x="2160000" y="5490000"/>
+            <a:ext cx="360000" cy="12700"/>
+          </a:xfrm>
+          <a:prstGeom prst="bentConnector3">
+            <a:avLst>
+              <a:gd name="adj1" fmla="val 50000"/>
+            </a:avLst>
+          </a:prstGeom>
+          <a:ln>
+            <a:tailEnd type="triangle"/>
+          </a:ln>
+        </p:spPr>
+        <p:style>
+          <a:lnRef idx="1">
+            <a:schemeClr val="accent1"/>
+          </a:lnRef>
+          <a:fillRef idx="0">
+            <a:schemeClr val="accent1"/>
+          </a:fillRef>
+          <a:effectRef idx="0">
+            <a:schemeClr val="accent1"/>
+          </a:effectRef>
+          <a:fontRef idx="minor">
+            <a:schemeClr val="tx1"/>
+          </a:fontRef>
+        </p:style>
+      </p:cxnSp>
+      <p:cxnSp>
+        <p:nvCxnSpPr>
+          <p:cNvPr id="120" name="Elbow Connector 119">
+            <a:extLst>
+              <a:ext uri="{FF2B5EF4-FFF2-40B4-BE49-F238E27FC236}">
+                <a16:creationId xmlns:a16="http://schemas.microsoft.com/office/drawing/2014/main" id="{2C8B8161-A436-CA4D-A82A-F50380633FDC}"/>
+              </a:ext>
+            </a:extLst>
+          </p:cNvPr>
+          <p:cNvCxnSpPr>
+            <a:cxnSpLocks/>
+            <a:stCxn id="115" idx="3"/>
+            <a:endCxn id="12" idx="1"/>
+          </p:cNvCxnSpPr>
+          <p:nvPr/>
+        </p:nvCxnSpPr>
+        <p:spPr>
+          <a:xfrm>
+            <a:off x="3780000" y="5490000"/>
+            <a:ext cx="360000" cy="12700"/>
+          </a:xfrm>
+          <a:prstGeom prst="bentConnector3">
+            <a:avLst>
+              <a:gd name="adj1" fmla="val 50000"/>
+            </a:avLst>
+          </a:prstGeom>
+          <a:ln>
+            <a:tailEnd type="triangle"/>
+          </a:ln>
+        </p:spPr>
+        <p:style>
+          <a:lnRef idx="1">
+            <a:schemeClr val="accent1"/>
+          </a:lnRef>
+          <a:fillRef idx="0">
+            <a:schemeClr val="accent1"/>
+          </a:fillRef>
+          <a:effectRef idx="0">
+            <a:schemeClr val="accent1"/>
+          </a:effectRef>
+          <a:fontRef idx="minor">
+            <a:schemeClr val="tx1"/>
+          </a:fontRef>
+        </p:style>
+      </p:cxnSp>
+      <p:sp>
+        <p:nvSpPr>
+          <p:cNvPr id="134" name="Rounded Rectangle 133">
+            <a:extLst>
+              <a:ext uri="{FF2B5EF4-FFF2-40B4-BE49-F238E27FC236}">
+                <a16:creationId xmlns:a16="http://schemas.microsoft.com/office/drawing/2014/main" id="{C2F18FBC-41FB-E048-8B47-D40D3CB1ABCE}"/>
+              </a:ext>
+            </a:extLst>
+          </p:cNvPr>
+          <p:cNvSpPr/>
+          <p:nvPr/>
+        </p:nvSpPr>
+        <p:spPr>
+          <a:xfrm>
+            <a:off x="-3212287" y="8356791"/>
+            <a:ext cx="1260000" cy="540000"/>
+          </a:xfrm>
+          <a:prstGeom prst="roundRect">
+            <a:avLst/>
+          </a:prstGeom>
+          <a:noFill/>
+        </p:spPr>
+        <p:style>
+          <a:lnRef idx="2">
+            <a:schemeClr val="accent1">
+              <a:shade val="50000"/>
+            </a:schemeClr>
+          </a:lnRef>
+          <a:fillRef idx="1">
+            <a:schemeClr val="accent1"/>
+          </a:fillRef>
+          <a:effectRef idx="0">
+            <a:schemeClr val="accent1"/>
+          </a:effectRef>
+          <a:fontRef idx="minor">
+            <a:schemeClr val="lt1"/>
+          </a:fontRef>
+        </p:style>
+        <p:txBody>
+          <a:bodyPr rtlCol="0" anchor="ctr"/>
+          <a:lstStyle/>
+          <a:p>
+            <a:pPr algn="ctr"/>
+            <a:r>
+              <a:rPr lang="de-DE" sz="1200" dirty="0">
+                <a:solidFill>
+                  <a:schemeClr val="tx1"/>
+                </a:solidFill>
+                <a:latin typeface="Courier" pitchFamily="2" charset="0"/>
+              </a:rPr>
+              <a:t>global</a:t>
+            </a:r>
+            <a:br>
+              <a:rPr lang="de-DE" sz="1200" dirty="0">
+                <a:solidFill>
+                  <a:schemeClr val="tx1"/>
+                </a:solidFill>
+                <a:latin typeface="Courier" pitchFamily="2" charset="0"/>
+              </a:rPr>
+            </a:br>
+            <a:r>
+              <a:rPr lang="de-DE" sz="1200" dirty="0" err="1">
+                <a:solidFill>
+                  <a:schemeClr val="tx1"/>
+                </a:solidFill>
+                <a:latin typeface="Courier" pitchFamily="2" charset="0"/>
+              </a:rPr>
+              <a:t>coordinates</a:t>
+            </a:r>
+            <a:endParaRPr lang="de-DE" sz="1200" dirty="0">
+              <a:solidFill>
+                <a:schemeClr val="tx1"/>
+              </a:solidFill>
+              <a:latin typeface="Courier" pitchFamily="2" charset="0"/>
+            </a:endParaRPr>
+          </a:p>
+        </p:txBody>
+      </p:sp>
+      <p:sp>
+        <p:nvSpPr>
+          <p:cNvPr id="138" name="Rectangle 137">
+            <a:extLst>
+              <a:ext uri="{FF2B5EF4-FFF2-40B4-BE49-F238E27FC236}">
+                <a16:creationId xmlns:a16="http://schemas.microsoft.com/office/drawing/2014/main" id="{67FC5232-2F06-B343-8EDF-5144DF1AF3AA}"/>
+              </a:ext>
+            </a:extLst>
+          </p:cNvPr>
+          <p:cNvSpPr/>
+          <p:nvPr/>
+        </p:nvSpPr>
+        <p:spPr>
+          <a:xfrm>
+            <a:off x="13334538" y="371542"/>
+            <a:ext cx="2252581" cy="3225236"/>
+          </a:xfrm>
+          <a:prstGeom prst="rect">
+            <a:avLst/>
+          </a:prstGeom>
+          <a:solidFill>
+            <a:schemeClr val="accent2">
+              <a:lumMod val="50000"/>
+              <a:alpha val="10000"/>
+            </a:schemeClr>
+          </a:solidFill>
+          <a:ln>
+            <a:prstDash val="dash"/>
+          </a:ln>
+        </p:spPr>
+        <p:style>
+          <a:lnRef idx="2">
+            <a:schemeClr val="accent1">
+              <a:shade val="50000"/>
+            </a:schemeClr>
+          </a:lnRef>
+          <a:fillRef idx="1">
+            <a:schemeClr val="accent1"/>
+          </a:fillRef>
+          <a:effectRef idx="0">
+            <a:schemeClr val="accent1"/>
+          </a:effectRef>
+          <a:fontRef idx="minor">
+            <a:schemeClr val="lt1"/>
+          </a:fontRef>
+        </p:style>
+        <p:txBody>
+          <a:bodyPr rtlCol="0" anchor="t"/>
+          <a:lstStyle/>
+          <a:p>
+            <a:r>
+              <a:rPr lang="de-DE" sz="1200" dirty="0">
+                <a:solidFill>
+                  <a:schemeClr val="tx1"/>
+                </a:solidFill>
+                <a:latin typeface="Arial" panose="020B0604020202020204" pitchFamily="34" charset="0"/>
+                <a:cs typeface="Arial" panose="020B0604020202020204" pitchFamily="34" charset="0"/>
+              </a:rPr>
+              <a:t>Not </a:t>
+            </a:r>
+            <a:r>
+              <a:rPr lang="de-DE" sz="1200" dirty="0" err="1">
+                <a:solidFill>
+                  <a:schemeClr val="tx1"/>
+                </a:solidFill>
+                <a:latin typeface="Arial" panose="020B0604020202020204" pitchFamily="34" charset="0"/>
+                <a:cs typeface="Arial" panose="020B0604020202020204" pitchFamily="34" charset="0"/>
+              </a:rPr>
+              <a:t>used</a:t>
+            </a:r>
+            <a:endParaRPr lang="de-DE" sz="1200" dirty="0">
+              <a:solidFill>
+                <a:schemeClr val="tx1"/>
+              </a:solidFill>
+              <a:latin typeface="Arial" panose="020B0604020202020204" pitchFamily="34" charset="0"/>
+              <a:cs typeface="Arial" panose="020B0604020202020204" pitchFamily="34" charset="0"/>
+            </a:endParaRPr>
+          </a:p>
+        </p:txBody>
+      </p:sp>
+      <p:sp>
+        <p:nvSpPr>
+          <p:cNvPr id="136" name="Rounded Rectangle 135">
+            <a:extLst>
+              <a:ext uri="{FF2B5EF4-FFF2-40B4-BE49-F238E27FC236}">
+                <a16:creationId xmlns:a16="http://schemas.microsoft.com/office/drawing/2014/main" id="{9897CF95-E09A-B24A-93D1-C579C0408DE1}"/>
+              </a:ext>
+            </a:extLst>
+          </p:cNvPr>
+          <p:cNvSpPr/>
+          <p:nvPr/>
+        </p:nvSpPr>
+        <p:spPr>
+          <a:xfrm>
+            <a:off x="13830829" y="1714160"/>
+            <a:ext cx="1260000" cy="540000"/>
+          </a:xfrm>
+          <a:prstGeom prst="roundRect">
+            <a:avLst/>
+          </a:prstGeom>
+          <a:noFill/>
+        </p:spPr>
+        <p:style>
+          <a:lnRef idx="2">
+            <a:schemeClr val="accent1">
+              <a:shade val="50000"/>
+            </a:schemeClr>
+          </a:lnRef>
+          <a:fillRef idx="1">
+            <a:schemeClr val="accent1"/>
+          </a:fillRef>
+          <a:effectRef idx="0">
+            <a:schemeClr val="accent1"/>
+          </a:effectRef>
+          <a:fontRef idx="minor">
+            <a:schemeClr val="lt1"/>
+          </a:fontRef>
+        </p:style>
+        <p:txBody>
+          <a:bodyPr rtlCol="0" anchor="ctr"/>
+          <a:lstStyle/>
+          <a:p>
+            <a:pPr algn="ctr"/>
+            <a:r>
+              <a:rPr lang="de-DE" sz="1200" dirty="0" err="1">
+                <a:solidFill>
+                  <a:schemeClr val="tx1"/>
+                </a:solidFill>
+                <a:latin typeface="Courier" pitchFamily="2" charset="0"/>
+              </a:rPr>
+              <a:t>vector</a:t>
+            </a:r>
+            <a:br>
+              <a:rPr lang="de-DE" sz="1200" dirty="0">
+                <a:solidFill>
+                  <a:schemeClr val="tx1"/>
+                </a:solidFill>
+                <a:latin typeface="Courier" pitchFamily="2" charset="0"/>
+              </a:rPr>
+            </a:br>
+            <a:r>
+              <a:rPr lang="de-DE" sz="1200" dirty="0" err="1">
+                <a:solidFill>
+                  <a:schemeClr val="tx1"/>
+                </a:solidFill>
+                <a:latin typeface="Courier" pitchFamily="2" charset="0"/>
+              </a:rPr>
+              <a:t>layout</a:t>
+            </a:r>
+            <a:endParaRPr lang="de-DE" sz="1200" dirty="0">
+              <a:solidFill>
+                <a:schemeClr val="tx1"/>
+              </a:solidFill>
+              <a:latin typeface="Courier" pitchFamily="2" charset="0"/>
+            </a:endParaRPr>
+          </a:p>
+        </p:txBody>
+      </p:sp>
+      <p:sp>
+        <p:nvSpPr>
+          <p:cNvPr id="137" name="Rounded Rectangle 136">
+            <a:extLst>
+              <a:ext uri="{FF2B5EF4-FFF2-40B4-BE49-F238E27FC236}">
+                <a16:creationId xmlns:a16="http://schemas.microsoft.com/office/drawing/2014/main" id="{1EC85F1C-3AA7-9740-9CA8-77199217B37A}"/>
+              </a:ext>
+            </a:extLst>
+          </p:cNvPr>
+          <p:cNvSpPr/>
+          <p:nvPr/>
+        </p:nvSpPr>
+        <p:spPr>
+          <a:xfrm>
+            <a:off x="13830829" y="960796"/>
+            <a:ext cx="1260000" cy="540000"/>
+          </a:xfrm>
+          <a:prstGeom prst="roundRect">
+            <a:avLst/>
+          </a:prstGeom>
+          <a:noFill/>
+        </p:spPr>
+        <p:style>
+          <a:lnRef idx="2">
+            <a:schemeClr val="accent1">
+              <a:shade val="50000"/>
+            </a:schemeClr>
+          </a:lnRef>
+          <a:fillRef idx="1">
+            <a:schemeClr val="accent1"/>
+          </a:fillRef>
+          <a:effectRef idx="0">
+            <a:schemeClr val="accent1"/>
+          </a:effectRef>
+          <a:fontRef idx="minor">
+            <a:schemeClr val="lt1"/>
+          </a:fontRef>
+        </p:style>
+        <p:txBody>
+          <a:bodyPr rtlCol="0" anchor="ctr"/>
+          <a:lstStyle/>
+          <a:p>
+            <a:pPr algn="ctr"/>
+            <a:r>
+              <a:rPr lang="de-DE" sz="1200" dirty="0">
+                <a:solidFill>
+                  <a:schemeClr val="tx1"/>
+                </a:solidFill>
+                <a:latin typeface="Courier" pitchFamily="2" charset="0"/>
+              </a:rPr>
+              <a:t>linear</a:t>
+            </a:r>
+            <a:br>
+              <a:rPr lang="de-DE" sz="1200" dirty="0">
+                <a:solidFill>
+                  <a:schemeClr val="tx1"/>
+                </a:solidFill>
+                <a:latin typeface="Courier" pitchFamily="2" charset="0"/>
+              </a:rPr>
+            </a:br>
+            <a:r>
+              <a:rPr lang="de-DE" sz="1200" dirty="0" err="1">
+                <a:solidFill>
+                  <a:schemeClr val="tx1"/>
+                </a:solidFill>
+                <a:latin typeface="Courier" pitchFamily="2" charset="0"/>
+              </a:rPr>
+              <a:t>operator</a:t>
+            </a:r>
+            <a:endParaRPr lang="de-DE" sz="1200" dirty="0">
+              <a:solidFill>
+                <a:schemeClr val="tx1"/>
+              </a:solidFill>
+              <a:latin typeface="Courier" pitchFamily="2" charset="0"/>
+            </a:endParaRPr>
+          </a:p>
+        </p:txBody>
+      </p:sp>
+      <p:sp>
+        <p:nvSpPr>
+          <p:cNvPr id="139" name="Rounded Rectangle 138">
+            <a:extLst>
+              <a:ext uri="{FF2B5EF4-FFF2-40B4-BE49-F238E27FC236}">
+                <a16:creationId xmlns:a16="http://schemas.microsoft.com/office/drawing/2014/main" id="{0E79DDFE-283E-2742-A28A-0DDD2A66C61C}"/>
+              </a:ext>
+            </a:extLst>
+          </p:cNvPr>
+          <p:cNvSpPr/>
+          <p:nvPr/>
+        </p:nvSpPr>
+        <p:spPr>
+          <a:xfrm>
+            <a:off x="13830829" y="2467524"/>
+            <a:ext cx="1260000" cy="540000"/>
+          </a:xfrm>
+          <a:prstGeom prst="roundRect">
+            <a:avLst/>
+          </a:prstGeom>
+          <a:noFill/>
+        </p:spPr>
+        <p:style>
+          <a:lnRef idx="2">
+            <a:schemeClr val="accent1">
+              <a:shade val="50000"/>
+            </a:schemeClr>
+          </a:lnRef>
+          <a:fillRef idx="1">
+            <a:schemeClr val="accent1"/>
+          </a:fillRef>
+          <a:effectRef idx="0">
+            <a:schemeClr val="accent1"/>
+          </a:effectRef>
+          <a:fontRef idx="minor">
+            <a:schemeClr val="lt1"/>
+          </a:fontRef>
+        </p:style>
+        <p:txBody>
+          <a:bodyPr rtlCol="0" anchor="ctr"/>
+          <a:lstStyle/>
+          <a:p>
+            <a:pPr algn="ctr"/>
+            <a:endParaRPr lang="de-DE" sz="1200" dirty="0">
+              <a:solidFill>
+                <a:schemeClr val="tx1"/>
+              </a:solidFill>
+              <a:latin typeface="Courier" pitchFamily="2" charset="0"/>
+            </a:endParaRPr>
+          </a:p>
+        </p:txBody>
+      </p:sp>
+      <p:sp>
+        <p:nvSpPr>
+          <p:cNvPr id="141" name="Rounded Rectangle 140">
+            <a:extLst>
+              <a:ext uri="{FF2B5EF4-FFF2-40B4-BE49-F238E27FC236}">
+                <a16:creationId xmlns:a16="http://schemas.microsoft.com/office/drawing/2014/main" id="{6A6C2DC4-474B-BC44-8A77-88BB79C21F6E}"/>
+              </a:ext>
+            </a:extLst>
+          </p:cNvPr>
+          <p:cNvSpPr/>
+          <p:nvPr/>
+        </p:nvSpPr>
+        <p:spPr>
+          <a:xfrm>
+            <a:off x="-3188691" y="6859564"/>
+            <a:ext cx="1260000" cy="540000"/>
+          </a:xfrm>
+          <a:prstGeom prst="roundRect">
+            <a:avLst/>
+          </a:prstGeom>
+          <a:noFill/>
+        </p:spPr>
+        <p:style>
+          <a:lnRef idx="2">
+            <a:schemeClr val="accent1">
+              <a:shade val="50000"/>
+            </a:schemeClr>
+          </a:lnRef>
+          <a:fillRef idx="1">
+            <a:schemeClr val="accent1"/>
+          </a:fillRef>
+          <a:effectRef idx="0">
+            <a:schemeClr val="accent1"/>
+          </a:effectRef>
+          <a:fontRef idx="minor">
+            <a:schemeClr val="lt1"/>
+          </a:fontRef>
+        </p:style>
+        <p:txBody>
+          <a:bodyPr rtlCol="0" anchor="ctr"/>
+          <a:lstStyle/>
+          <a:p>
+            <a:pPr algn="ctr"/>
+            <a:r>
+              <a:rPr lang="de-DE" sz="1200" dirty="0" err="1">
+                <a:solidFill>
+                  <a:schemeClr val="tx1"/>
+                </a:solidFill>
+                <a:latin typeface="Courier" pitchFamily="2" charset="0"/>
+              </a:rPr>
+              <a:t>lossful</a:t>
+            </a:r>
+            <a:br>
+              <a:rPr lang="de-DE" sz="1200" dirty="0">
+                <a:solidFill>
+                  <a:schemeClr val="tx1"/>
+                </a:solidFill>
+                <a:latin typeface="Courier" pitchFamily="2" charset="0"/>
+              </a:rPr>
+            </a:br>
+            <a:r>
+              <a:rPr lang="de-DE" sz="1200" dirty="0" err="1">
+                <a:solidFill>
+                  <a:schemeClr val="tx1"/>
+                </a:solidFill>
+                <a:latin typeface="Courier" pitchFamily="2" charset="0"/>
+              </a:rPr>
+              <a:t>compression</a:t>
+            </a:r>
+            <a:endParaRPr lang="de-DE" sz="1200" dirty="0">
+              <a:solidFill>
+                <a:schemeClr val="tx1"/>
+              </a:solidFill>
+              <a:latin typeface="Courier" pitchFamily="2" charset="0"/>
+            </a:endParaRPr>
+          </a:p>
+        </p:txBody>
+      </p:sp>
+      <p:sp>
+        <p:nvSpPr>
+          <p:cNvPr id="142" name="Rounded Rectangle 141">
+            <a:extLst>
+              <a:ext uri="{FF2B5EF4-FFF2-40B4-BE49-F238E27FC236}">
+                <a16:creationId xmlns:a16="http://schemas.microsoft.com/office/drawing/2014/main" id="{C8C83C6D-FB7D-7740-9710-8CC3FC917E06}"/>
+              </a:ext>
+            </a:extLst>
+          </p:cNvPr>
+          <p:cNvSpPr/>
+          <p:nvPr/>
+        </p:nvSpPr>
+        <p:spPr>
+          <a:xfrm>
+            <a:off x="5760000" y="8100000"/>
+            <a:ext cx="1260000" cy="540000"/>
+          </a:xfrm>
+          <a:prstGeom prst="roundRect">
+            <a:avLst/>
+          </a:prstGeom>
+          <a:noFill/>
+        </p:spPr>
+        <p:style>
+          <a:lnRef idx="2">
+            <a:schemeClr val="accent1">
+              <a:shade val="50000"/>
+            </a:schemeClr>
+          </a:lnRef>
+          <a:fillRef idx="1">
+            <a:schemeClr val="accent1"/>
+          </a:fillRef>
+          <a:effectRef idx="0">
+            <a:schemeClr val="accent1"/>
+          </a:effectRef>
+          <a:fontRef idx="minor">
+            <a:schemeClr val="lt1"/>
+          </a:fontRef>
+        </p:style>
+        <p:txBody>
+          <a:bodyPr rtlCol="0" anchor="ctr"/>
+          <a:lstStyle/>
+          <a:p>
+            <a:pPr algn="ctr"/>
+            <a:r>
+              <a:rPr lang="de-DE" sz="1200" dirty="0" err="1">
+                <a:solidFill>
+                  <a:schemeClr val="tx1"/>
+                </a:solidFill>
+                <a:latin typeface="Courier" pitchFamily="2" charset="0"/>
+              </a:rPr>
+              <a:t>particle</a:t>
+            </a:r>
+            <a:br>
+              <a:rPr lang="de-DE" sz="1200" dirty="0">
+                <a:solidFill>
+                  <a:schemeClr val="tx1"/>
+                </a:solidFill>
+                <a:latin typeface="Courier" pitchFamily="2" charset="0"/>
+              </a:rPr>
+            </a:br>
+            <a:r>
+              <a:rPr lang="de-DE" sz="1200" dirty="0">
+                <a:solidFill>
+                  <a:schemeClr val="tx1"/>
+                </a:solidFill>
+                <a:latin typeface="Courier" pitchFamily="2" charset="0"/>
+              </a:rPr>
+              <a:t>in box</a:t>
+            </a:r>
+          </a:p>
+        </p:txBody>
+      </p:sp>
+      <p:sp>
+        <p:nvSpPr>
+          <p:cNvPr id="144" name="Rounded Rectangle 143">
+            <a:extLst>
+              <a:ext uri="{FF2B5EF4-FFF2-40B4-BE49-F238E27FC236}">
+                <a16:creationId xmlns:a16="http://schemas.microsoft.com/office/drawing/2014/main" id="{C69DDB1C-9D98-4F48-8CB0-9B87CD483264}"/>
+              </a:ext>
+            </a:extLst>
+          </p:cNvPr>
+          <p:cNvSpPr/>
+          <p:nvPr/>
+        </p:nvSpPr>
+        <p:spPr>
+          <a:xfrm>
+            <a:off x="4140000" y="3060000"/>
+            <a:ext cx="1260000" cy="540000"/>
+          </a:xfrm>
+          <a:prstGeom prst="roundRect">
+            <a:avLst/>
+          </a:prstGeom>
+          <a:noFill/>
+        </p:spPr>
+        <p:style>
+          <a:lnRef idx="2">
+            <a:schemeClr val="accent1">
+              <a:shade val="50000"/>
+            </a:schemeClr>
+          </a:lnRef>
+          <a:fillRef idx="1">
+            <a:schemeClr val="accent1"/>
+          </a:fillRef>
+          <a:effectRef idx="0">
+            <a:schemeClr val="accent1"/>
+          </a:effectRef>
+          <a:fontRef idx="minor">
+            <a:schemeClr val="lt1"/>
+          </a:fontRef>
+        </p:style>
+        <p:txBody>
+          <a:bodyPr rtlCol="0" anchor="ctr"/>
+          <a:lstStyle/>
+          <a:p>
+            <a:pPr algn="ctr"/>
+            <a:r>
+              <a:rPr lang="de-DE" sz="1200" dirty="0">
+                <a:solidFill>
+                  <a:schemeClr val="tx1"/>
+                </a:solidFill>
+                <a:latin typeface="Courier" pitchFamily="2" charset="0"/>
+              </a:rPr>
+              <a:t>radial</a:t>
+            </a:r>
+            <a:br>
+              <a:rPr lang="de-DE" sz="1200" dirty="0">
+                <a:solidFill>
+                  <a:schemeClr val="tx1"/>
+                </a:solidFill>
+                <a:latin typeface="Courier" pitchFamily="2" charset="0"/>
+              </a:rPr>
+            </a:br>
+            <a:r>
+              <a:rPr lang="de-DE" sz="1200" dirty="0">
+                <a:solidFill>
+                  <a:schemeClr val="tx1"/>
+                </a:solidFill>
+                <a:latin typeface="Courier" pitchFamily="2" charset="0"/>
+              </a:rPr>
+              <a:t>r</a:t>
+            </a:r>
+            <a:r>
+              <a:rPr lang="de-DE" sz="1200" baseline="30000" dirty="0">
+                <a:solidFill>
+                  <a:schemeClr val="tx1"/>
+                </a:solidFill>
+                <a:latin typeface="Courier" pitchFamily="2" charset="0"/>
+              </a:rPr>
+              <a:t>2</a:t>
+            </a:r>
+            <a:r>
+              <a:rPr lang="de-DE" sz="1200" dirty="0">
+                <a:solidFill>
+                  <a:schemeClr val="tx1"/>
+                </a:solidFill>
+                <a:latin typeface="Courier" pitchFamily="2" charset="0"/>
+              </a:rPr>
+              <a:t>grid</a:t>
+            </a:r>
+          </a:p>
+        </p:txBody>
+      </p:sp>
+      <p:sp>
+        <p:nvSpPr>
+          <p:cNvPr id="145" name="Rounded Rectangle 144">
+            <a:extLst>
+              <a:ext uri="{FF2B5EF4-FFF2-40B4-BE49-F238E27FC236}">
+                <a16:creationId xmlns:a16="http://schemas.microsoft.com/office/drawing/2014/main" id="{A6C78812-7A86-F542-A81D-8A38FBB05F28}"/>
+              </a:ext>
+            </a:extLst>
+          </p:cNvPr>
+          <p:cNvSpPr/>
+          <p:nvPr/>
+        </p:nvSpPr>
+        <p:spPr>
+          <a:xfrm>
+            <a:off x="8460000" y="180000"/>
+            <a:ext cx="1260000" cy="540000"/>
+          </a:xfrm>
+          <a:prstGeom prst="roundRect">
+            <a:avLst/>
+          </a:prstGeom>
+          <a:noFill/>
+        </p:spPr>
+        <p:style>
+          <a:lnRef idx="2">
+            <a:schemeClr val="accent1">
+              <a:shade val="50000"/>
+            </a:schemeClr>
+          </a:lnRef>
+          <a:fillRef idx="1">
+            <a:schemeClr val="accent1"/>
+          </a:fillRef>
+          <a:effectRef idx="0">
+            <a:schemeClr val="accent1"/>
+          </a:effectRef>
+          <a:fontRef idx="minor">
+            <a:schemeClr val="lt1"/>
+          </a:fontRef>
+        </p:style>
+        <p:txBody>
+          <a:bodyPr rtlCol="0" anchor="ctr"/>
+          <a:lstStyle/>
+          <a:p>
+            <a:pPr algn="ctr"/>
+            <a:r>
+              <a:rPr lang="de-DE" sz="1200" dirty="0" err="1">
+                <a:solidFill>
+                  <a:schemeClr val="tx1"/>
+                </a:solidFill>
+                <a:latin typeface="Courier" pitchFamily="2" charset="0"/>
+              </a:rPr>
+              <a:t>recorded</a:t>
+            </a:r>
+            <a:br>
+              <a:rPr lang="de-DE" sz="1200" dirty="0">
+                <a:solidFill>
+                  <a:schemeClr val="tx1"/>
+                </a:solidFill>
+                <a:latin typeface="Courier" pitchFamily="2" charset="0"/>
+              </a:rPr>
+            </a:br>
+            <a:r>
+              <a:rPr lang="de-DE" sz="1200" dirty="0" err="1">
+                <a:solidFill>
+                  <a:schemeClr val="tx1"/>
+                </a:solidFill>
+                <a:latin typeface="Courier" pitchFamily="2" charset="0"/>
+              </a:rPr>
+              <a:t>warnings</a:t>
+            </a:r>
+            <a:endParaRPr lang="de-DE" sz="1200" dirty="0">
+              <a:solidFill>
+                <a:schemeClr val="tx1"/>
+              </a:solidFill>
+              <a:latin typeface="Courier" pitchFamily="2" charset="0"/>
+            </a:endParaRPr>
+          </a:p>
+        </p:txBody>
+      </p:sp>
+      <p:sp>
+        <p:nvSpPr>
+          <p:cNvPr id="146" name="Rounded Rectangle 145">
+            <a:extLst>
+              <a:ext uri="{FF2B5EF4-FFF2-40B4-BE49-F238E27FC236}">
+                <a16:creationId xmlns:a16="http://schemas.microsoft.com/office/drawing/2014/main" id="{F9C81270-91A1-E148-A62E-83A2525F1A4B}"/>
+              </a:ext>
+            </a:extLst>
+          </p:cNvPr>
+          <p:cNvSpPr/>
+          <p:nvPr/>
+        </p:nvSpPr>
+        <p:spPr>
+          <a:xfrm>
+            <a:off x="6840000" y="5220000"/>
+            <a:ext cx="1260000" cy="540000"/>
+          </a:xfrm>
+          <a:prstGeom prst="roundRect">
+            <a:avLst/>
+          </a:prstGeom>
+          <a:noFill/>
+        </p:spPr>
+        <p:style>
+          <a:lnRef idx="2">
+            <a:schemeClr val="accent1">
+              <a:shade val="50000"/>
+            </a:schemeClr>
+          </a:lnRef>
+          <a:fillRef idx="1">
+            <a:schemeClr val="accent1"/>
+          </a:fillRef>
+          <a:effectRef idx="0">
+            <a:schemeClr val="accent1"/>
+          </a:effectRef>
+          <a:fontRef idx="minor">
+            <a:schemeClr val="lt1"/>
+          </a:fontRef>
+        </p:style>
+        <p:txBody>
+          <a:bodyPr rtlCol="0" anchor="ctr"/>
+          <a:lstStyle/>
+          <a:p>
+            <a:pPr algn="ctr"/>
+            <a:r>
+              <a:rPr lang="de-DE" sz="1200" dirty="0" err="1">
+                <a:solidFill>
+                  <a:schemeClr val="tx1"/>
+                </a:solidFill>
+                <a:latin typeface="Courier" pitchFamily="2" charset="0"/>
+              </a:rPr>
+              <a:t>self</a:t>
+            </a:r>
+            <a:r>
+              <a:rPr lang="de-DE" sz="1200" dirty="0">
+                <a:solidFill>
+                  <a:schemeClr val="tx1"/>
+                </a:solidFill>
+                <a:latin typeface="Courier" pitchFamily="2" charset="0"/>
+              </a:rPr>
+              <a:t> </a:t>
+            </a:r>
+            <a:r>
+              <a:rPr lang="de-DE" sz="1200" dirty="0" err="1">
+                <a:solidFill>
+                  <a:schemeClr val="tx1"/>
+                </a:solidFill>
+                <a:latin typeface="Courier" pitchFamily="2" charset="0"/>
+              </a:rPr>
+              <a:t>consistency</a:t>
+            </a:r>
+            <a:endParaRPr lang="de-DE" sz="1200" dirty="0">
+              <a:solidFill>
+                <a:schemeClr val="tx1"/>
+              </a:solidFill>
+              <a:latin typeface="Courier" pitchFamily="2" charset="0"/>
+            </a:endParaRPr>
+          </a:p>
+        </p:txBody>
+      </p:sp>
+      <p:sp>
+        <p:nvSpPr>
+          <p:cNvPr id="148" name="Rounded Rectangle 147">
+            <a:extLst>
+              <a:ext uri="{FF2B5EF4-FFF2-40B4-BE49-F238E27FC236}">
+                <a16:creationId xmlns:a16="http://schemas.microsoft.com/office/drawing/2014/main" id="{F565E85D-BA72-3A42-9013-1D4C5F740249}"/>
+              </a:ext>
+            </a:extLst>
+          </p:cNvPr>
+          <p:cNvSpPr/>
+          <p:nvPr/>
+        </p:nvSpPr>
+        <p:spPr>
+          <a:xfrm>
+            <a:off x="8820000" y="4320000"/>
+            <a:ext cx="1260000" cy="540000"/>
+          </a:xfrm>
+          <a:prstGeom prst="roundRect">
+            <a:avLst/>
+          </a:prstGeom>
+          <a:noFill/>
+        </p:spPr>
+        <p:style>
+          <a:lnRef idx="2">
+            <a:schemeClr val="accent1">
+              <a:shade val="50000"/>
+            </a:schemeClr>
+          </a:lnRef>
+          <a:fillRef idx="1">
+            <a:schemeClr val="accent1"/>
+          </a:fillRef>
+          <a:effectRef idx="0">
+            <a:schemeClr val="accent1"/>
+          </a:effectRef>
+          <a:fontRef idx="minor">
+            <a:schemeClr val="lt1"/>
+          </a:fontRef>
+        </p:style>
+        <p:txBody>
+          <a:bodyPr rtlCol="0" anchor="ctr"/>
+          <a:lstStyle/>
+          <a:p>
+            <a:pPr algn="ctr"/>
+            <a:r>
+              <a:rPr lang="de-DE" sz="1200" dirty="0" err="1">
+                <a:solidFill>
+                  <a:schemeClr val="tx1"/>
+                </a:solidFill>
+                <a:latin typeface="Courier" pitchFamily="2" charset="0"/>
+              </a:rPr>
+              <a:t>structure</a:t>
+            </a:r>
+            <a:r>
+              <a:rPr lang="de-DE" sz="1200" dirty="0">
+                <a:solidFill>
+                  <a:schemeClr val="tx1"/>
+                </a:solidFill>
+                <a:latin typeface="Courier" pitchFamily="2" charset="0"/>
+              </a:rPr>
+              <a:t> </a:t>
+            </a:r>
+            <a:r>
+              <a:rPr lang="de-DE" sz="1200" dirty="0" err="1">
+                <a:solidFill>
+                  <a:schemeClr val="tx1"/>
+                </a:solidFill>
+                <a:latin typeface="Courier" pitchFamily="2" charset="0"/>
+              </a:rPr>
+              <a:t>solver</a:t>
+            </a:r>
+            <a:endParaRPr lang="de-DE" sz="1200" dirty="0">
+              <a:solidFill>
+                <a:schemeClr val="tx1"/>
+              </a:solidFill>
+              <a:latin typeface="Courier" pitchFamily="2" charset="0"/>
+            </a:endParaRPr>
+          </a:p>
+        </p:txBody>
+      </p:sp>
+      <p:sp>
+        <p:nvSpPr>
+          <p:cNvPr id="149" name="Rounded Rectangle 148">
+            <a:extLst>
+              <a:ext uri="{FF2B5EF4-FFF2-40B4-BE49-F238E27FC236}">
+                <a16:creationId xmlns:a16="http://schemas.microsoft.com/office/drawing/2014/main" id="{CC04198B-A5C1-3B46-AD8E-CC8A4D9A9138}"/>
+              </a:ext>
+            </a:extLst>
+          </p:cNvPr>
+          <p:cNvSpPr/>
+          <p:nvPr/>
+        </p:nvSpPr>
+        <p:spPr>
+          <a:xfrm>
+            <a:off x="6840000" y="180000"/>
+            <a:ext cx="1260000" cy="540000"/>
+          </a:xfrm>
+          <a:prstGeom prst="roundRect">
+            <a:avLst/>
+          </a:prstGeom>
+          <a:noFill/>
+        </p:spPr>
+        <p:style>
+          <a:lnRef idx="2">
+            <a:schemeClr val="accent1">
+              <a:shade val="50000"/>
+            </a:schemeClr>
+          </a:lnRef>
+          <a:fillRef idx="1">
+            <a:schemeClr val="accent1"/>
+          </a:fillRef>
+          <a:effectRef idx="0">
+            <a:schemeClr val="accent1"/>
+          </a:effectRef>
+          <a:fontRef idx="minor">
+            <a:schemeClr val="lt1"/>
+          </a:fontRef>
+        </p:style>
+        <p:txBody>
+          <a:bodyPr rtlCol="0" anchor="ctr"/>
+          <a:lstStyle/>
+          <a:p>
+            <a:pPr algn="ctr"/>
+            <a:r>
+              <a:rPr lang="de-DE" sz="1200" dirty="0" err="1">
+                <a:solidFill>
+                  <a:schemeClr val="tx1"/>
+                </a:solidFill>
+                <a:latin typeface="Courier" pitchFamily="2" charset="0"/>
+              </a:rPr>
+              <a:t>unit</a:t>
+            </a:r>
+            <a:br>
+              <a:rPr lang="de-DE" sz="1200" dirty="0">
+                <a:solidFill>
+                  <a:schemeClr val="tx1"/>
+                </a:solidFill>
+                <a:latin typeface="Courier" pitchFamily="2" charset="0"/>
+              </a:rPr>
+            </a:br>
+            <a:r>
+              <a:rPr lang="de-DE" sz="1200" dirty="0" err="1">
+                <a:solidFill>
+                  <a:schemeClr val="tx1"/>
+                </a:solidFill>
+                <a:latin typeface="Courier" pitchFamily="2" charset="0"/>
+              </a:rPr>
+              <a:t>system</a:t>
+            </a:r>
+            <a:endParaRPr lang="de-DE" sz="1200" dirty="0">
+              <a:solidFill>
+                <a:schemeClr val="tx1"/>
+              </a:solidFill>
+              <a:latin typeface="Courier" pitchFamily="2" charset="0"/>
+            </a:endParaRPr>
+          </a:p>
+        </p:txBody>
+      </p:sp>
+      <p:cxnSp>
+        <p:nvCxnSpPr>
+          <p:cNvPr id="151" name="Elbow Connector 150">
+            <a:extLst>
+              <a:ext uri="{FF2B5EF4-FFF2-40B4-BE49-F238E27FC236}">
+                <a16:creationId xmlns:a16="http://schemas.microsoft.com/office/drawing/2014/main" id="{564A9C00-E082-FF4A-B76E-800A9FE35FEA}"/>
+              </a:ext>
+            </a:extLst>
+          </p:cNvPr>
+          <p:cNvCxnSpPr>
+            <a:cxnSpLocks/>
+            <a:stCxn id="86" idx="3"/>
+            <a:endCxn id="49" idx="1"/>
+          </p:cNvCxnSpPr>
+          <p:nvPr/>
+        </p:nvCxnSpPr>
+        <p:spPr>
+          <a:xfrm>
+            <a:off x="2160000" y="9270000"/>
+            <a:ext cx="1980000" cy="12700"/>
+          </a:xfrm>
+          <a:prstGeom prst="bentConnector3">
+            <a:avLst>
+              <a:gd name="adj1" fmla="val 50000"/>
+            </a:avLst>
+          </a:prstGeom>
+          <a:ln>
+            <a:tailEnd type="triangle"/>
+          </a:ln>
+        </p:spPr>
+        <p:style>
+          <a:lnRef idx="1">
+            <a:schemeClr val="accent1"/>
+          </a:lnRef>
+          <a:fillRef idx="0">
+            <a:schemeClr val="accent1"/>
+          </a:fillRef>
+          <a:effectRef idx="0">
+            <a:schemeClr val="accent1"/>
+          </a:effectRef>
+          <a:fontRef idx="minor">
+            <a:schemeClr val="tx1"/>
+          </a:fontRef>
+        </p:style>
+      </p:cxnSp>
+      <p:cxnSp>
+        <p:nvCxnSpPr>
+          <p:cNvPr id="152" name="Elbow Connector 151">
+            <a:extLst>
+              <a:ext uri="{FF2B5EF4-FFF2-40B4-BE49-F238E27FC236}">
+                <a16:creationId xmlns:a16="http://schemas.microsoft.com/office/drawing/2014/main" id="{1E960EA3-6BE7-4649-B6B8-BD86E6B88661}"/>
+              </a:ext>
+            </a:extLst>
+          </p:cNvPr>
+          <p:cNvCxnSpPr>
+            <a:cxnSpLocks/>
+            <a:stCxn id="86" idx="1"/>
+            <a:endCxn id="47" idx="1"/>
+          </p:cNvCxnSpPr>
+          <p:nvPr/>
+        </p:nvCxnSpPr>
+        <p:spPr>
+          <a:xfrm rot="10800000">
+            <a:off x="900000" y="3510000"/>
+            <a:ext cx="12700" cy="5760000"/>
+          </a:xfrm>
+          <a:prstGeom prst="bentConnector3">
+            <a:avLst>
+              <a:gd name="adj1" fmla="val 1800000"/>
+            </a:avLst>
+          </a:prstGeom>
+          <a:ln>
+            <a:tailEnd type="triangle"/>
+          </a:ln>
+        </p:spPr>
+        <p:style>
+          <a:lnRef idx="1">
+            <a:schemeClr val="accent1"/>
+          </a:lnRef>
+          <a:fillRef idx="0">
+            <a:schemeClr val="accent1"/>
+          </a:fillRef>
+          <a:effectRef idx="0">
+            <a:schemeClr val="accent1"/>
+          </a:effectRef>
+          <a:fontRef idx="minor">
+            <a:schemeClr val="tx1"/>
+          </a:fontRef>
+        </p:style>
+      </p:cxnSp>
+      <p:sp>
+        <p:nvSpPr>
+          <p:cNvPr id="157" name="Rounded Rectangle 156">
+            <a:extLst>
+              <a:ext uri="{FF2B5EF4-FFF2-40B4-BE49-F238E27FC236}">
+                <a16:creationId xmlns:a16="http://schemas.microsoft.com/office/drawing/2014/main" id="{8C272F1D-0943-EA4F-B3BC-DFD50119FF5D}"/>
+              </a:ext>
+            </a:extLst>
+          </p:cNvPr>
+          <p:cNvSpPr/>
+          <p:nvPr/>
+        </p:nvSpPr>
+        <p:spPr>
+          <a:xfrm>
+            <a:off x="-3410851" y="4197801"/>
+            <a:ext cx="1260000" cy="540000"/>
+          </a:xfrm>
+          <a:prstGeom prst="roundRect">
+            <a:avLst/>
+          </a:prstGeom>
+          <a:noFill/>
+        </p:spPr>
+        <p:style>
+          <a:lnRef idx="2">
+            <a:schemeClr val="accent1">
+              <a:shade val="50000"/>
+            </a:schemeClr>
+          </a:lnRef>
+          <a:fillRef idx="1">
+            <a:schemeClr val="accent1"/>
+          </a:fillRef>
+          <a:effectRef idx="0">
+            <a:schemeClr val="accent1"/>
+          </a:effectRef>
+          <a:fontRef idx="minor">
+            <a:schemeClr val="lt1"/>
+          </a:fontRef>
+        </p:style>
+        <p:txBody>
+          <a:bodyPr rtlCol="0" anchor="ctr"/>
+          <a:lstStyle/>
+          <a:p>
+            <a:pPr algn="ctr"/>
+            <a:r>
+              <a:rPr lang="de-DE" sz="1200" dirty="0" err="1">
+                <a:solidFill>
+                  <a:schemeClr val="tx1"/>
+                </a:solidFill>
+                <a:latin typeface="Courier" pitchFamily="2" charset="0"/>
+              </a:rPr>
+              <a:t>spherical</a:t>
+            </a:r>
+            <a:br>
+              <a:rPr lang="de-DE" sz="1200" dirty="0">
+                <a:solidFill>
+                  <a:schemeClr val="tx1"/>
+                </a:solidFill>
+                <a:latin typeface="Courier" pitchFamily="2" charset="0"/>
+              </a:rPr>
+            </a:br>
+            <a:r>
+              <a:rPr lang="de-DE" sz="1200" dirty="0" err="1">
+                <a:solidFill>
+                  <a:schemeClr val="tx1"/>
+                </a:solidFill>
+                <a:latin typeface="Courier" pitchFamily="2" charset="0"/>
+              </a:rPr>
+              <a:t>harmonics</a:t>
+            </a:r>
+            <a:endParaRPr lang="de-DE" sz="1200" dirty="0">
+              <a:solidFill>
+                <a:schemeClr val="tx1"/>
+              </a:solidFill>
+              <a:latin typeface="Courier" pitchFamily="2" charset="0"/>
+            </a:endParaRPr>
+          </a:p>
+        </p:txBody>
+      </p:sp>
+      <p:sp>
+        <p:nvSpPr>
+          <p:cNvPr id="158" name="Rounded Rectangle 157">
+            <a:extLst>
+              <a:ext uri="{FF2B5EF4-FFF2-40B4-BE49-F238E27FC236}">
+                <a16:creationId xmlns:a16="http://schemas.microsoft.com/office/drawing/2014/main" id="{9B8B3008-1274-1548-9C2C-E6F63DFBD07D}"/>
+              </a:ext>
+            </a:extLst>
+          </p:cNvPr>
+          <p:cNvSpPr/>
+          <p:nvPr/>
+        </p:nvSpPr>
+        <p:spPr>
+          <a:xfrm>
+            <a:off x="2520000" y="3780000"/>
+            <a:ext cx="1260000" cy="540000"/>
+          </a:xfrm>
+          <a:prstGeom prst="roundRect">
+            <a:avLst/>
+          </a:prstGeom>
+          <a:noFill/>
+        </p:spPr>
+        <p:style>
+          <a:lnRef idx="2">
+            <a:schemeClr val="accent1">
+              <a:shade val="50000"/>
+            </a:schemeClr>
+          </a:lnRef>
+          <a:fillRef idx="1">
+            <a:schemeClr val="accent1"/>
+          </a:fillRef>
+          <a:effectRef idx="0">
+            <a:schemeClr val="accent1"/>
+          </a:effectRef>
+          <a:fontRef idx="minor">
+            <a:schemeClr val="lt1"/>
+          </a:fontRef>
+        </p:style>
+        <p:txBody>
+          <a:bodyPr rtlCol="0" anchor="ctr"/>
+          <a:lstStyle/>
+          <a:p>
+            <a:pPr algn="ctr"/>
+            <a:r>
+              <a:rPr lang="de-DE" sz="1200" dirty="0">
+                <a:solidFill>
+                  <a:schemeClr val="tx1"/>
+                </a:solidFill>
+                <a:latin typeface="Courier" pitchFamily="2" charset="0"/>
+              </a:rPr>
+              <a:t>solid</a:t>
+            </a:r>
+            <a:br>
+              <a:rPr lang="de-DE" sz="1200" dirty="0">
+                <a:solidFill>
+                  <a:schemeClr val="tx1"/>
+                </a:solidFill>
+                <a:latin typeface="Courier" pitchFamily="2" charset="0"/>
+              </a:rPr>
+            </a:br>
+            <a:r>
+              <a:rPr lang="de-DE" sz="1200" dirty="0" err="1">
+                <a:solidFill>
+                  <a:schemeClr val="tx1"/>
+                </a:solidFill>
+                <a:latin typeface="Courier" pitchFamily="2" charset="0"/>
+              </a:rPr>
+              <a:t>harmonics</a:t>
+            </a:r>
+            <a:endParaRPr lang="de-DE" sz="1200" dirty="0">
+              <a:solidFill>
+                <a:schemeClr val="tx1"/>
+              </a:solidFill>
+              <a:latin typeface="Courier" pitchFamily="2" charset="0"/>
+            </a:endParaRPr>
+          </a:p>
+        </p:txBody>
+      </p:sp>
+      <p:sp>
+        <p:nvSpPr>
+          <p:cNvPr id="160" name="Rounded Rectangle 159">
+            <a:extLst>
+              <a:ext uri="{FF2B5EF4-FFF2-40B4-BE49-F238E27FC236}">
+                <a16:creationId xmlns:a16="http://schemas.microsoft.com/office/drawing/2014/main" id="{ED416529-2872-5649-B633-E697597FEB2F}"/>
+              </a:ext>
+            </a:extLst>
+          </p:cNvPr>
+          <p:cNvSpPr/>
+          <p:nvPr/>
+        </p:nvSpPr>
+        <p:spPr>
+          <a:xfrm>
+            <a:off x="2520000" y="180000"/>
+            <a:ext cx="1260000" cy="540000"/>
+          </a:xfrm>
+          <a:prstGeom prst="roundRect">
+            <a:avLst/>
+          </a:prstGeom>
+          <a:noFill/>
+        </p:spPr>
+        <p:style>
+          <a:lnRef idx="2">
+            <a:schemeClr val="accent1">
+              <a:shade val="50000"/>
+            </a:schemeClr>
+          </a:lnRef>
+          <a:fillRef idx="1">
+            <a:schemeClr val="accent1"/>
+          </a:fillRef>
+          <a:effectRef idx="0">
+            <a:schemeClr val="accent1"/>
+          </a:effectRef>
+          <a:fontRef idx="minor">
+            <a:schemeClr val="lt1"/>
+          </a:fontRef>
+        </p:style>
+        <p:txBody>
+          <a:bodyPr rtlCol="0" anchor="ctr"/>
+          <a:lstStyle/>
+          <a:p>
+            <a:pPr algn="ctr"/>
+            <a:r>
+              <a:rPr lang="de-DE" sz="1200" dirty="0" err="1">
+                <a:solidFill>
+                  <a:schemeClr val="tx1"/>
+                </a:solidFill>
+                <a:latin typeface="Courier" pitchFamily="2" charset="0"/>
+              </a:rPr>
+              <a:t>sigma</a:t>
+            </a:r>
+            <a:br>
+              <a:rPr lang="de-DE" sz="1200" dirty="0">
+                <a:solidFill>
+                  <a:schemeClr val="tx1"/>
+                </a:solidFill>
+                <a:latin typeface="Courier" pitchFamily="2" charset="0"/>
+              </a:rPr>
+            </a:br>
+            <a:r>
+              <a:rPr lang="de-DE" sz="1200" dirty="0" err="1">
+                <a:solidFill>
+                  <a:schemeClr val="tx1"/>
+                </a:solidFill>
+                <a:latin typeface="Courier" pitchFamily="2" charset="0"/>
+              </a:rPr>
+              <a:t>config</a:t>
+            </a:r>
+            <a:endParaRPr lang="de-DE" sz="1200" dirty="0">
+              <a:solidFill>
+                <a:schemeClr val="tx1"/>
+              </a:solidFill>
+              <a:latin typeface="Courier" pitchFamily="2" charset="0"/>
+            </a:endParaRPr>
+          </a:p>
+        </p:txBody>
+      </p:sp>
+      <p:cxnSp>
+        <p:nvCxnSpPr>
+          <p:cNvPr id="161" name="Elbow Connector 160">
+            <a:extLst>
+              <a:ext uri="{FF2B5EF4-FFF2-40B4-BE49-F238E27FC236}">
+                <a16:creationId xmlns:a16="http://schemas.microsoft.com/office/drawing/2014/main" id="{3907BAEC-E25D-4549-B404-7EF9A17C14C5}"/>
+              </a:ext>
+            </a:extLst>
+          </p:cNvPr>
+          <p:cNvCxnSpPr>
+            <a:cxnSpLocks/>
+            <a:stCxn id="160" idx="2"/>
+            <a:endCxn id="22" idx="0"/>
+          </p:cNvCxnSpPr>
+          <p:nvPr/>
+        </p:nvCxnSpPr>
+        <p:spPr>
+          <a:xfrm rot="5400000">
+            <a:off x="2610000" y="1260000"/>
+            <a:ext cx="1080000" cy="12700"/>
+          </a:xfrm>
+          <a:prstGeom prst="bentConnector3">
+            <a:avLst>
+              <a:gd name="adj1" fmla="val 50000"/>
+            </a:avLst>
+          </a:prstGeom>
+          <a:ln>
+            <a:prstDash val="dash"/>
+            <a:tailEnd type="triangle"/>
+          </a:ln>
+        </p:spPr>
+        <p:style>
+          <a:lnRef idx="1">
+            <a:schemeClr val="accent1"/>
+          </a:lnRef>
+          <a:fillRef idx="0">
+            <a:schemeClr val="accent1"/>
+          </a:fillRef>
+          <a:effectRef idx="0">
+            <a:schemeClr val="accent1"/>
+          </a:effectRef>
+          <a:fontRef idx="minor">
+            <a:schemeClr val="tx1"/>
+          </a:fontRef>
+        </p:style>
+      </p:cxnSp>
+      <p:sp>
+        <p:nvSpPr>
+          <p:cNvPr id="165" name="Rounded Rectangle 164">
+            <a:extLst>
+              <a:ext uri="{FF2B5EF4-FFF2-40B4-BE49-F238E27FC236}">
+                <a16:creationId xmlns:a16="http://schemas.microsoft.com/office/drawing/2014/main" id="{319C125B-8235-DE4E-AE09-7328BA338C9B}"/>
+              </a:ext>
+            </a:extLst>
+          </p:cNvPr>
+          <p:cNvSpPr/>
+          <p:nvPr/>
+        </p:nvSpPr>
+        <p:spPr>
+          <a:xfrm>
+            <a:off x="-1912840" y="2810813"/>
+            <a:ext cx="1260000" cy="540000"/>
+          </a:xfrm>
+          <a:prstGeom prst="roundRect">
+            <a:avLst/>
+          </a:prstGeom>
+          <a:noFill/>
+        </p:spPr>
+        <p:style>
+          <a:lnRef idx="2">
+            <a:schemeClr val="accent1">
+              <a:shade val="50000"/>
+            </a:schemeClr>
+          </a:lnRef>
+          <a:fillRef idx="1">
+            <a:schemeClr val="accent1"/>
+          </a:fillRef>
+          <a:effectRef idx="0">
+            <a:schemeClr val="accent1"/>
+          </a:effectRef>
+          <a:fontRef idx="minor">
+            <a:schemeClr val="lt1"/>
+          </a:fontRef>
+        </p:style>
+        <p:txBody>
+          <a:bodyPr rtlCol="0" anchor="ctr"/>
+          <a:lstStyle/>
+          <a:p>
+            <a:pPr algn="ctr"/>
+            <a:r>
+              <a:rPr lang="de-DE" sz="1200" dirty="0">
+                <a:solidFill>
+                  <a:schemeClr val="tx1"/>
+                </a:solidFill>
+                <a:latin typeface="Courier" pitchFamily="2" charset="0"/>
+              </a:rPr>
+              <a:t>simple</a:t>
+            </a:r>
+            <a:br>
+              <a:rPr lang="de-DE" sz="1200" dirty="0">
+                <a:solidFill>
+                  <a:schemeClr val="tx1"/>
+                </a:solidFill>
+                <a:latin typeface="Courier" pitchFamily="2" charset="0"/>
+              </a:rPr>
+            </a:br>
+            <a:r>
+              <a:rPr lang="de-DE" sz="1200" dirty="0" err="1">
+                <a:solidFill>
+                  <a:schemeClr val="tx1"/>
+                </a:solidFill>
+                <a:latin typeface="Courier" pitchFamily="2" charset="0"/>
+              </a:rPr>
+              <a:t>math</a:t>
+            </a:r>
+            <a:endParaRPr lang="de-DE" sz="1200" dirty="0">
+              <a:solidFill>
+                <a:schemeClr val="tx1"/>
+              </a:solidFill>
+              <a:latin typeface="Courier" pitchFamily="2" charset="0"/>
+            </a:endParaRPr>
+          </a:p>
+        </p:txBody>
+      </p:sp>
+      <p:sp>
+        <p:nvSpPr>
+          <p:cNvPr id="166" name="Rounded Rectangle 165">
+            <a:extLst>
+              <a:ext uri="{FF2B5EF4-FFF2-40B4-BE49-F238E27FC236}">
+                <a16:creationId xmlns:a16="http://schemas.microsoft.com/office/drawing/2014/main" id="{8536B49E-064A-534D-89E4-1B984EB709D7}"/>
+              </a:ext>
+            </a:extLst>
+          </p:cNvPr>
+          <p:cNvSpPr/>
+          <p:nvPr/>
+        </p:nvSpPr>
+        <p:spPr>
+          <a:xfrm>
+            <a:off x="-1888574" y="3530074"/>
+            <a:ext cx="1260000" cy="540000"/>
+          </a:xfrm>
+          <a:prstGeom prst="roundRect">
+            <a:avLst/>
+          </a:prstGeom>
+          <a:noFill/>
+        </p:spPr>
+        <p:style>
+          <a:lnRef idx="2">
+            <a:schemeClr val="accent1">
+              <a:shade val="50000"/>
+            </a:schemeClr>
+          </a:lnRef>
+          <a:fillRef idx="1">
+            <a:schemeClr val="accent1"/>
+          </a:fillRef>
+          <a:effectRef idx="0">
+            <a:schemeClr val="accent1"/>
+          </a:effectRef>
+          <a:fontRef idx="minor">
+            <a:schemeClr val="lt1"/>
+          </a:fontRef>
+        </p:style>
+        <p:txBody>
+          <a:bodyPr rtlCol="0" anchor="ctr"/>
+          <a:lstStyle/>
+          <a:p>
+            <a:pPr algn="ctr"/>
+            <a:r>
+              <a:rPr lang="de-DE" sz="1200" dirty="0">
+                <a:solidFill>
+                  <a:schemeClr val="tx1"/>
+                </a:solidFill>
+                <a:latin typeface="Courier" pitchFamily="2" charset="0"/>
+              </a:rPr>
+              <a:t>simple</a:t>
+            </a:r>
+            <a:br>
+              <a:rPr lang="de-DE" sz="1200" dirty="0">
+                <a:solidFill>
+                  <a:schemeClr val="tx1"/>
+                </a:solidFill>
+                <a:latin typeface="Courier" pitchFamily="2" charset="0"/>
+              </a:rPr>
+            </a:br>
+            <a:r>
+              <a:rPr lang="de-DE" sz="1200" dirty="0" err="1">
+                <a:solidFill>
+                  <a:schemeClr val="tx1"/>
+                </a:solidFill>
+                <a:latin typeface="Courier" pitchFamily="2" charset="0"/>
+              </a:rPr>
+              <a:t>stats</a:t>
+            </a:r>
+            <a:endParaRPr lang="de-DE" sz="1200" dirty="0">
+              <a:solidFill>
+                <a:schemeClr val="tx1"/>
+              </a:solidFill>
+              <a:latin typeface="Courier" pitchFamily="2" charset="0"/>
+            </a:endParaRPr>
+          </a:p>
+        </p:txBody>
+      </p:sp>
+      <p:sp>
+        <p:nvSpPr>
+          <p:cNvPr id="167" name="Rounded Rectangle 166">
+            <a:extLst>
+              <a:ext uri="{FF2B5EF4-FFF2-40B4-BE49-F238E27FC236}">
+                <a16:creationId xmlns:a16="http://schemas.microsoft.com/office/drawing/2014/main" id="{7AA22E22-D2C1-B741-9651-BD61435B5C73}"/>
+              </a:ext>
+            </a:extLst>
+          </p:cNvPr>
+          <p:cNvSpPr/>
+          <p:nvPr/>
+        </p:nvSpPr>
+        <p:spPr>
+          <a:xfrm>
+            <a:off x="-1895618" y="4220467"/>
+            <a:ext cx="1260000" cy="540000"/>
+          </a:xfrm>
+          <a:prstGeom prst="roundRect">
+            <a:avLst/>
+          </a:prstGeom>
+          <a:noFill/>
+        </p:spPr>
+        <p:style>
+          <a:lnRef idx="2">
+            <a:schemeClr val="accent1">
+              <a:shade val="50000"/>
+            </a:schemeClr>
+          </a:lnRef>
+          <a:fillRef idx="1">
+            <a:schemeClr val="accent1"/>
+          </a:fillRef>
+          <a:effectRef idx="0">
+            <a:schemeClr val="accent1"/>
+          </a:effectRef>
+          <a:fontRef idx="minor">
+            <a:schemeClr val="lt1"/>
+          </a:fontRef>
+        </p:style>
+        <p:txBody>
+          <a:bodyPr rtlCol="0" anchor="ctr"/>
+          <a:lstStyle/>
+          <a:p>
+            <a:pPr algn="ctr"/>
+            <a:r>
+              <a:rPr lang="de-DE" sz="1200" dirty="0">
+                <a:solidFill>
+                  <a:schemeClr val="tx1"/>
+                </a:solidFill>
+                <a:latin typeface="Courier" pitchFamily="2" charset="0"/>
+              </a:rPr>
+              <a:t>simple</a:t>
+            </a:r>
+            <a:br>
+              <a:rPr lang="de-DE" sz="1200" dirty="0">
+                <a:solidFill>
+                  <a:schemeClr val="tx1"/>
+                </a:solidFill>
+                <a:latin typeface="Courier" pitchFamily="2" charset="0"/>
+              </a:rPr>
+            </a:br>
+            <a:r>
+              <a:rPr lang="de-DE" sz="1200" dirty="0" err="1">
+                <a:solidFill>
+                  <a:schemeClr val="tx1"/>
+                </a:solidFill>
+                <a:latin typeface="Courier" pitchFamily="2" charset="0"/>
+              </a:rPr>
+              <a:t>timer</a:t>
+            </a:r>
+            <a:endParaRPr lang="de-DE" sz="1200" dirty="0">
+              <a:solidFill>
+                <a:schemeClr val="tx1"/>
+              </a:solidFill>
+              <a:latin typeface="Courier" pitchFamily="2" charset="0"/>
+            </a:endParaRPr>
+          </a:p>
+        </p:txBody>
+      </p:sp>
+      <p:sp>
+        <p:nvSpPr>
+          <p:cNvPr id="168" name="Rounded Rectangle 167">
+            <a:extLst>
+              <a:ext uri="{FF2B5EF4-FFF2-40B4-BE49-F238E27FC236}">
+                <a16:creationId xmlns:a16="http://schemas.microsoft.com/office/drawing/2014/main" id="{BE0BE30A-E4BF-3343-81C0-5762FE818E1A}"/>
+              </a:ext>
+            </a:extLst>
+          </p:cNvPr>
+          <p:cNvSpPr/>
+          <p:nvPr/>
+        </p:nvSpPr>
+        <p:spPr>
+          <a:xfrm>
+            <a:off x="900000" y="900000"/>
+            <a:ext cx="1260000" cy="540000"/>
+          </a:xfrm>
+          <a:prstGeom prst="roundRect">
+            <a:avLst/>
+          </a:prstGeom>
+          <a:noFill/>
+        </p:spPr>
+        <p:style>
+          <a:lnRef idx="2">
+            <a:schemeClr val="accent1">
+              <a:shade val="50000"/>
+            </a:schemeClr>
+          </a:lnRef>
+          <a:fillRef idx="1">
+            <a:schemeClr val="accent1"/>
+          </a:fillRef>
+          <a:effectRef idx="0">
+            <a:schemeClr val="accent1"/>
+          </a:effectRef>
+          <a:fontRef idx="minor">
+            <a:schemeClr val="lt1"/>
+          </a:fontRef>
+        </p:style>
+        <p:txBody>
+          <a:bodyPr rtlCol="0" anchor="ctr"/>
+          <a:lstStyle/>
+          <a:p>
+            <a:pPr algn="ctr"/>
+            <a:r>
+              <a:rPr lang="de-DE" sz="1200" dirty="0" err="1">
+                <a:solidFill>
+                  <a:schemeClr val="tx1"/>
+                </a:solidFill>
+                <a:latin typeface="Courier" pitchFamily="2" charset="0"/>
+              </a:rPr>
+              <a:t>sho</a:t>
+            </a:r>
+            <a:br>
+              <a:rPr lang="de-DE" sz="1200" dirty="0">
+                <a:solidFill>
+                  <a:schemeClr val="tx1"/>
+                </a:solidFill>
+                <a:latin typeface="Courier" pitchFamily="2" charset="0"/>
+              </a:rPr>
+            </a:br>
+            <a:r>
+              <a:rPr lang="de-DE" sz="1200" dirty="0" err="1">
+                <a:solidFill>
+                  <a:schemeClr val="tx1"/>
+                </a:solidFill>
+                <a:latin typeface="Courier" pitchFamily="2" charset="0"/>
+              </a:rPr>
+              <a:t>unitary</a:t>
+            </a:r>
+            <a:endParaRPr lang="de-DE" sz="1200" dirty="0">
+              <a:solidFill>
+                <a:schemeClr val="tx1"/>
+              </a:solidFill>
+              <a:latin typeface="Courier" pitchFamily="2" charset="0"/>
+            </a:endParaRPr>
+          </a:p>
+        </p:txBody>
+      </p:sp>
+      <p:cxnSp>
+        <p:nvCxnSpPr>
+          <p:cNvPr id="169" name="Elbow Connector 168">
+            <a:extLst>
+              <a:ext uri="{FF2B5EF4-FFF2-40B4-BE49-F238E27FC236}">
+                <a16:creationId xmlns:a16="http://schemas.microsoft.com/office/drawing/2014/main" id="{1EB4E6F1-A048-3C45-9E0B-CDE205291F61}"/>
+              </a:ext>
+            </a:extLst>
+          </p:cNvPr>
+          <p:cNvCxnSpPr>
+            <a:cxnSpLocks/>
+            <a:stCxn id="168" idx="2"/>
+            <a:endCxn id="22" idx="1"/>
+          </p:cNvCxnSpPr>
+          <p:nvPr/>
+        </p:nvCxnSpPr>
+        <p:spPr>
+          <a:xfrm rot="16200000" flipH="1">
+            <a:off x="1710000" y="1260000"/>
+            <a:ext cx="630000" cy="990000"/>
+          </a:xfrm>
+          <a:prstGeom prst="bentConnector2">
+            <a:avLst/>
+          </a:prstGeom>
+          <a:ln>
+            <a:tailEnd type="triangle"/>
+          </a:ln>
+        </p:spPr>
+        <p:style>
+          <a:lnRef idx="1">
+            <a:schemeClr val="accent1"/>
+          </a:lnRef>
+          <a:fillRef idx="0">
+            <a:schemeClr val="accent1"/>
+          </a:fillRef>
+          <a:effectRef idx="0">
+            <a:schemeClr val="accent1"/>
+          </a:effectRef>
+          <a:fontRef idx="minor">
+            <a:schemeClr val="tx1"/>
+          </a:fontRef>
+        </p:style>
+      </p:cxnSp>
+      <p:sp>
+        <p:nvSpPr>
+          <p:cNvPr id="173" name="Rounded Rectangle 172">
+            <a:extLst>
+              <a:ext uri="{FF2B5EF4-FFF2-40B4-BE49-F238E27FC236}">
+                <a16:creationId xmlns:a16="http://schemas.microsoft.com/office/drawing/2014/main" id="{6DBBC8FA-DA07-C849-AC84-81A8AC77F89F}"/>
+              </a:ext>
+            </a:extLst>
+          </p:cNvPr>
+          <p:cNvSpPr/>
+          <p:nvPr/>
+        </p:nvSpPr>
+        <p:spPr>
+          <a:xfrm>
+            <a:off x="900000" y="4320000"/>
+            <a:ext cx="1260000" cy="540000"/>
+          </a:xfrm>
+          <a:prstGeom prst="roundRect">
+            <a:avLst/>
+          </a:prstGeom>
+          <a:noFill/>
+        </p:spPr>
+        <p:style>
+          <a:lnRef idx="2">
+            <a:schemeClr val="accent1">
+              <a:shade val="50000"/>
+            </a:schemeClr>
+          </a:lnRef>
+          <a:fillRef idx="1">
+            <a:schemeClr val="accent1"/>
+          </a:fillRef>
+          <a:effectRef idx="0">
+            <a:schemeClr val="accent1"/>
+          </a:effectRef>
+          <a:fontRef idx="minor">
+            <a:schemeClr val="lt1"/>
+          </a:fontRef>
+        </p:style>
+        <p:txBody>
+          <a:bodyPr rtlCol="0" anchor="ctr"/>
+          <a:lstStyle/>
+          <a:p>
+            <a:pPr algn="ctr"/>
+            <a:r>
+              <a:rPr lang="de-DE" sz="1200" dirty="0" err="1">
+                <a:solidFill>
+                  <a:schemeClr val="tx1"/>
+                </a:solidFill>
+                <a:latin typeface="Courier" pitchFamily="2" charset="0"/>
+              </a:rPr>
+              <a:t>multi</a:t>
+            </a:r>
+            <a:br>
+              <a:rPr lang="de-DE" sz="1200" dirty="0">
+                <a:solidFill>
+                  <a:schemeClr val="tx1"/>
+                </a:solidFill>
+                <a:latin typeface="Courier" pitchFamily="2" charset="0"/>
+              </a:rPr>
+            </a:br>
+            <a:r>
+              <a:rPr lang="de-DE" sz="1200" dirty="0" err="1">
+                <a:solidFill>
+                  <a:schemeClr val="tx1"/>
+                </a:solidFill>
+                <a:latin typeface="Courier" pitchFamily="2" charset="0"/>
+              </a:rPr>
+              <a:t>grid</a:t>
+            </a:r>
+            <a:endParaRPr lang="de-DE" sz="1200" dirty="0">
+              <a:solidFill>
+                <a:schemeClr val="tx1"/>
+              </a:solidFill>
+              <a:latin typeface="Courier" pitchFamily="2" charset="0"/>
+            </a:endParaRPr>
+          </a:p>
+        </p:txBody>
+      </p:sp>
+      <p:sp>
+        <p:nvSpPr>
+          <p:cNvPr id="176" name="Rounded Rectangle 175">
+            <a:extLst>
+              <a:ext uri="{FF2B5EF4-FFF2-40B4-BE49-F238E27FC236}">
+                <a16:creationId xmlns:a16="http://schemas.microsoft.com/office/drawing/2014/main" id="{48A5A8C6-D27C-7845-8D73-D551E4D936AE}"/>
+              </a:ext>
+            </a:extLst>
+          </p:cNvPr>
+          <p:cNvSpPr/>
+          <p:nvPr/>
+        </p:nvSpPr>
+        <p:spPr>
+          <a:xfrm>
+            <a:off x="-3212973" y="6084836"/>
+            <a:ext cx="1260000" cy="540000"/>
+          </a:xfrm>
+          <a:prstGeom prst="roundRect">
+            <a:avLst/>
+          </a:prstGeom>
+          <a:noFill/>
+        </p:spPr>
+        <p:style>
+          <a:lnRef idx="2">
+            <a:schemeClr val="accent1">
+              <a:shade val="50000"/>
+            </a:schemeClr>
+          </a:lnRef>
+          <a:fillRef idx="1">
+            <a:schemeClr val="accent1"/>
+          </a:fillRef>
+          <a:effectRef idx="0">
+            <a:schemeClr val="accent1"/>
+          </a:effectRef>
+          <a:fontRef idx="minor">
+            <a:schemeClr val="lt1"/>
+          </a:fontRef>
+        </p:style>
+        <p:txBody>
+          <a:bodyPr rtlCol="0" anchor="ctr"/>
+          <a:lstStyle/>
+          <a:p>
+            <a:pPr algn="ctr"/>
+            <a:r>
+              <a:rPr lang="de-DE" sz="1200" dirty="0" err="1">
+                <a:solidFill>
+                  <a:schemeClr val="tx1"/>
+                </a:solidFill>
+                <a:latin typeface="Courier" pitchFamily="2" charset="0"/>
+              </a:rPr>
+              <a:t>debug</a:t>
+            </a:r>
+            <a:br>
+              <a:rPr lang="de-DE" sz="1200" dirty="0">
+                <a:solidFill>
+                  <a:schemeClr val="tx1"/>
+                </a:solidFill>
+                <a:latin typeface="Courier" pitchFamily="2" charset="0"/>
+              </a:rPr>
+            </a:br>
+            <a:r>
+              <a:rPr lang="de-DE" sz="1200" dirty="0" err="1">
+                <a:solidFill>
+                  <a:schemeClr val="tx1"/>
+                </a:solidFill>
+                <a:latin typeface="Courier" pitchFamily="2" charset="0"/>
+              </a:rPr>
+              <a:t>output</a:t>
+            </a:r>
+            <a:endParaRPr lang="de-DE" sz="1200" dirty="0">
+              <a:solidFill>
+                <a:schemeClr val="tx1"/>
+              </a:solidFill>
+              <a:latin typeface="Courier" pitchFamily="2" charset="0"/>
+            </a:endParaRPr>
+          </a:p>
+        </p:txBody>
+      </p:sp>
+      <p:sp>
+        <p:nvSpPr>
+          <p:cNvPr id="177" name="Rounded Rectangle 176">
+            <a:extLst>
+              <a:ext uri="{FF2B5EF4-FFF2-40B4-BE49-F238E27FC236}">
+                <a16:creationId xmlns:a16="http://schemas.microsoft.com/office/drawing/2014/main" id="{D99C8058-1E01-8049-A6B5-2C1D4B204798}"/>
+              </a:ext>
+            </a:extLst>
+          </p:cNvPr>
+          <p:cNvSpPr/>
+          <p:nvPr/>
+        </p:nvSpPr>
+        <p:spPr>
+          <a:xfrm>
+            <a:off x="-1628484" y="6123888"/>
+            <a:ext cx="1260000" cy="540000"/>
+          </a:xfrm>
+          <a:prstGeom prst="roundRect">
+            <a:avLst/>
+          </a:prstGeom>
+          <a:noFill/>
+        </p:spPr>
+        <p:style>
+          <a:lnRef idx="2">
+            <a:schemeClr val="accent1">
+              <a:shade val="50000"/>
+            </a:schemeClr>
+          </a:lnRef>
+          <a:fillRef idx="1">
+            <a:schemeClr val="accent1"/>
+          </a:fillRef>
+          <a:effectRef idx="0">
+            <a:schemeClr val="accent1"/>
+          </a:effectRef>
+          <a:fontRef idx="minor">
+            <a:schemeClr val="lt1"/>
+          </a:fontRef>
+        </p:style>
+        <p:txBody>
+          <a:bodyPr rtlCol="0" anchor="ctr"/>
+          <a:lstStyle/>
+          <a:p>
+            <a:pPr algn="ctr"/>
+            <a:r>
+              <a:rPr lang="de-DE" sz="1200" dirty="0" err="1">
+                <a:solidFill>
+                  <a:schemeClr val="tx1"/>
+                </a:solidFill>
+                <a:latin typeface="Courier" pitchFamily="2" charset="0"/>
+              </a:rPr>
+              <a:t>debug</a:t>
+            </a:r>
+            <a:br>
+              <a:rPr lang="de-DE" sz="1200" dirty="0">
+                <a:solidFill>
+                  <a:schemeClr val="tx1"/>
+                </a:solidFill>
+                <a:latin typeface="Courier" pitchFamily="2" charset="0"/>
+              </a:rPr>
+            </a:br>
+            <a:r>
+              <a:rPr lang="de-DE" sz="1200" dirty="0" err="1">
+                <a:solidFill>
+                  <a:schemeClr val="tx1"/>
+                </a:solidFill>
+                <a:latin typeface="Courier" pitchFamily="2" charset="0"/>
+              </a:rPr>
+              <a:t>tools</a:t>
+            </a:r>
+            <a:endParaRPr lang="de-DE" sz="1200" dirty="0">
+              <a:solidFill>
+                <a:schemeClr val="tx1"/>
+              </a:solidFill>
+              <a:latin typeface="Courier" pitchFamily="2" charset="0"/>
+            </a:endParaRPr>
+          </a:p>
+        </p:txBody>
+      </p:sp>
+      <p:cxnSp>
+        <p:nvCxnSpPr>
+          <p:cNvPr id="183" name="Elbow Connector 182">
+            <a:extLst>
+              <a:ext uri="{FF2B5EF4-FFF2-40B4-BE49-F238E27FC236}">
+                <a16:creationId xmlns:a16="http://schemas.microsoft.com/office/drawing/2014/main" id="{C23F6692-23D3-B246-98EC-F7FFB933E208}"/>
+              </a:ext>
+            </a:extLst>
+          </p:cNvPr>
+          <p:cNvCxnSpPr>
+            <a:cxnSpLocks/>
+            <a:stCxn id="158" idx="0"/>
+            <a:endCxn id="52" idx="2"/>
+          </p:cNvCxnSpPr>
+          <p:nvPr/>
+        </p:nvCxnSpPr>
+        <p:spPr>
+          <a:xfrm rot="5400000" flipH="1" flipV="1">
+            <a:off x="2970000" y="3600000"/>
+            <a:ext cx="360000" cy="12700"/>
+          </a:xfrm>
+          <a:prstGeom prst="bentConnector3">
+            <a:avLst>
+              <a:gd name="adj1" fmla="val 50000"/>
+            </a:avLst>
+          </a:prstGeom>
+          <a:ln>
+            <a:tailEnd type="triangle"/>
+          </a:ln>
+        </p:spPr>
+        <p:style>
+          <a:lnRef idx="1">
+            <a:schemeClr val="accent1"/>
+          </a:lnRef>
+          <a:fillRef idx="0">
+            <a:schemeClr val="accent1"/>
+          </a:fillRef>
+          <a:effectRef idx="0">
+            <a:schemeClr val="accent1"/>
+          </a:effectRef>
+          <a:fontRef idx="minor">
+            <a:schemeClr val="tx1"/>
+          </a:fontRef>
+        </p:style>
+      </p:cxnSp>
+      <p:cxnSp>
+        <p:nvCxnSpPr>
+          <p:cNvPr id="187" name="Elbow Connector 186">
+            <a:extLst>
+              <a:ext uri="{FF2B5EF4-FFF2-40B4-BE49-F238E27FC236}">
+                <a16:creationId xmlns:a16="http://schemas.microsoft.com/office/drawing/2014/main" id="{43489651-E858-2D42-96A7-B6BE4B5D1DB1}"/>
+              </a:ext>
+            </a:extLst>
+          </p:cNvPr>
+          <p:cNvCxnSpPr>
+            <a:cxnSpLocks/>
+            <a:stCxn id="144" idx="2"/>
+            <a:endCxn id="12" idx="0"/>
+          </p:cNvCxnSpPr>
+          <p:nvPr/>
+        </p:nvCxnSpPr>
+        <p:spPr>
+          <a:xfrm rot="5400000">
+            <a:off x="3960000" y="4410000"/>
+            <a:ext cx="1620000" cy="12700"/>
+          </a:xfrm>
+          <a:prstGeom prst="bentConnector3">
+            <a:avLst>
+              <a:gd name="adj1" fmla="val 50000"/>
+            </a:avLst>
+          </a:prstGeom>
+          <a:ln>
+            <a:prstDash val="dash"/>
+            <a:tailEnd type="triangle"/>
+          </a:ln>
+        </p:spPr>
+        <p:style>
+          <a:lnRef idx="1">
+            <a:schemeClr val="accent1"/>
+          </a:lnRef>
+          <a:fillRef idx="0">
+            <a:schemeClr val="accent1"/>
+          </a:fillRef>
+          <a:effectRef idx="0">
+            <a:schemeClr val="accent1"/>
+          </a:effectRef>
+          <a:fontRef idx="minor">
+            <a:schemeClr val="tx1"/>
+          </a:fontRef>
+        </p:style>
+      </p:cxnSp>
+      <p:cxnSp>
+        <p:nvCxnSpPr>
+          <p:cNvPr id="195" name="Elbow Connector 194">
+            <a:extLst>
+              <a:ext uri="{FF2B5EF4-FFF2-40B4-BE49-F238E27FC236}">
+                <a16:creationId xmlns:a16="http://schemas.microsoft.com/office/drawing/2014/main" id="{1D7294FF-9018-EF4C-ABA0-3CEA75114B7E}"/>
+              </a:ext>
+            </a:extLst>
+          </p:cNvPr>
+          <p:cNvCxnSpPr>
+            <a:cxnSpLocks/>
+            <a:stCxn id="113" idx="2"/>
+            <a:endCxn id="108" idx="0"/>
+          </p:cNvCxnSpPr>
+          <p:nvPr/>
+        </p:nvCxnSpPr>
+        <p:spPr>
+          <a:xfrm rot="5400000">
+            <a:off x="7289550" y="4140450"/>
+            <a:ext cx="360900" cy="12700"/>
+          </a:xfrm>
+          <a:prstGeom prst="bentConnector3">
+            <a:avLst>
+              <a:gd name="adj1" fmla="val 50000"/>
+            </a:avLst>
+          </a:prstGeom>
+          <a:ln>
+            <a:prstDash val="dash"/>
+            <a:tailEnd type="triangle"/>
+          </a:ln>
+        </p:spPr>
+        <p:style>
+          <a:lnRef idx="1">
+            <a:schemeClr val="accent1"/>
+          </a:lnRef>
+          <a:fillRef idx="0">
+            <a:schemeClr val="accent1"/>
+          </a:fillRef>
+          <a:effectRef idx="0">
+            <a:schemeClr val="accent1"/>
+          </a:effectRef>
+          <a:fontRef idx="minor">
+            <a:schemeClr val="tx1"/>
+          </a:fontRef>
+        </p:style>
+      </p:cxnSp>
+      <p:cxnSp>
+        <p:nvCxnSpPr>
+          <p:cNvPr id="198" name="Elbow Connector 197">
+            <a:extLst>
+              <a:ext uri="{FF2B5EF4-FFF2-40B4-BE49-F238E27FC236}">
+                <a16:creationId xmlns:a16="http://schemas.microsoft.com/office/drawing/2014/main" id="{1F8C024F-896D-4940-97BD-54696B1C8B85}"/>
+              </a:ext>
+            </a:extLst>
+          </p:cNvPr>
+          <p:cNvCxnSpPr>
+            <a:cxnSpLocks/>
+            <a:stCxn id="148" idx="2"/>
+            <a:endCxn id="146" idx="3"/>
+          </p:cNvCxnSpPr>
+          <p:nvPr/>
+        </p:nvCxnSpPr>
+        <p:spPr>
+          <a:xfrm rot="5400000">
+            <a:off x="8460000" y="4500000"/>
+            <a:ext cx="630000" cy="1350000"/>
+          </a:xfrm>
+          <a:prstGeom prst="bentConnector2">
+            <a:avLst/>
+          </a:prstGeom>
+          <a:ln>
+            <a:tailEnd type="triangle"/>
+          </a:ln>
+        </p:spPr>
+        <p:style>
+          <a:lnRef idx="1">
+            <a:schemeClr val="accent1"/>
+          </a:lnRef>
+          <a:fillRef idx="0">
+            <a:schemeClr val="accent1"/>
+          </a:fillRef>
+          <a:effectRef idx="0">
+            <a:schemeClr val="accent1"/>
+          </a:effectRef>
+          <a:fontRef idx="minor">
+            <a:schemeClr val="tx1"/>
+          </a:fontRef>
+        </p:style>
+      </p:cxnSp>
+      <p:cxnSp>
+        <p:nvCxnSpPr>
+          <p:cNvPr id="202" name="Elbow Connector 201">
+            <a:extLst>
+              <a:ext uri="{FF2B5EF4-FFF2-40B4-BE49-F238E27FC236}">
+                <a16:creationId xmlns:a16="http://schemas.microsoft.com/office/drawing/2014/main" id="{2CBB5579-C286-044A-A85B-FF3B96098A60}"/>
+              </a:ext>
+            </a:extLst>
+          </p:cNvPr>
+          <p:cNvCxnSpPr>
+            <a:cxnSpLocks/>
+            <a:stCxn id="148" idx="1"/>
+            <a:endCxn id="113" idx="3"/>
+          </p:cNvCxnSpPr>
+          <p:nvPr/>
+        </p:nvCxnSpPr>
+        <p:spPr>
+          <a:xfrm rot="10800000">
+            <a:off x="8100000" y="3690000"/>
+            <a:ext cx="720000" cy="900000"/>
+          </a:xfrm>
+          <a:prstGeom prst="bentConnector3">
+            <a:avLst>
+              <a:gd name="adj1" fmla="val 50000"/>
+            </a:avLst>
+          </a:prstGeom>
+          <a:ln>
+            <a:prstDash val="dash"/>
+            <a:tailEnd type="triangle"/>
+          </a:ln>
+        </p:spPr>
+        <p:style>
+          <a:lnRef idx="1">
+            <a:schemeClr val="accent1"/>
+          </a:lnRef>
+          <a:fillRef idx="0">
+            <a:schemeClr val="accent1"/>
+          </a:fillRef>
+          <a:effectRef idx="0">
+            <a:schemeClr val="accent1"/>
+          </a:effectRef>
+          <a:fontRef idx="minor">
+            <a:schemeClr val="tx1"/>
+          </a:fontRef>
+        </p:style>
+      </p:cxnSp>
+      <p:cxnSp>
+        <p:nvCxnSpPr>
+          <p:cNvPr id="207" name="Elbow Connector 206">
+            <a:extLst>
+              <a:ext uri="{FF2B5EF4-FFF2-40B4-BE49-F238E27FC236}">
+                <a16:creationId xmlns:a16="http://schemas.microsoft.com/office/drawing/2014/main" id="{256AC07A-A1E1-8546-9393-6350BB5A3079}"/>
+              </a:ext>
+            </a:extLst>
+          </p:cNvPr>
+          <p:cNvCxnSpPr>
+            <a:cxnSpLocks/>
+            <a:stCxn id="102" idx="2"/>
+            <a:endCxn id="148" idx="0"/>
+          </p:cNvCxnSpPr>
+          <p:nvPr/>
+        </p:nvCxnSpPr>
+        <p:spPr>
+          <a:xfrm rot="5400000">
+            <a:off x="9270000" y="4140000"/>
+            <a:ext cx="360000" cy="12700"/>
+          </a:xfrm>
+          <a:prstGeom prst="bentConnector3">
+            <a:avLst>
+              <a:gd name="adj1" fmla="val 50000"/>
+            </a:avLst>
+          </a:prstGeom>
+          <a:ln>
+            <a:tailEnd type="triangle"/>
+          </a:ln>
+        </p:spPr>
+        <p:style>
+          <a:lnRef idx="1">
+            <a:schemeClr val="accent1"/>
+          </a:lnRef>
+          <a:fillRef idx="0">
+            <a:schemeClr val="accent1"/>
+          </a:fillRef>
+          <a:effectRef idx="0">
+            <a:schemeClr val="accent1"/>
+          </a:effectRef>
+          <a:fontRef idx="minor">
+            <a:schemeClr val="tx1"/>
+          </a:fontRef>
+        </p:style>
+      </p:cxnSp>
+      <p:cxnSp>
+        <p:nvCxnSpPr>
+          <p:cNvPr id="230" name="Elbow Connector 229">
+            <a:extLst>
+              <a:ext uri="{FF2B5EF4-FFF2-40B4-BE49-F238E27FC236}">
+                <a16:creationId xmlns:a16="http://schemas.microsoft.com/office/drawing/2014/main" id="{228A3DD1-6395-DE4B-925F-1D655D5FD11A}"/>
+              </a:ext>
+            </a:extLst>
+          </p:cNvPr>
+          <p:cNvCxnSpPr>
+            <a:cxnSpLocks/>
+            <a:stCxn id="148" idx="1"/>
+            <a:endCxn id="108" idx="3"/>
+          </p:cNvCxnSpPr>
+          <p:nvPr/>
+        </p:nvCxnSpPr>
+        <p:spPr>
+          <a:xfrm rot="10800000" flipV="1">
+            <a:off x="8100000" y="4590000"/>
+            <a:ext cx="720000" cy="900"/>
+          </a:xfrm>
+          <a:prstGeom prst="bentConnector3">
+            <a:avLst>
+              <a:gd name="adj1" fmla="val 50000"/>
+            </a:avLst>
+          </a:prstGeom>
+          <a:ln>
+            <a:prstDash val="dash"/>
+            <a:tailEnd type="triangle"/>
+          </a:ln>
+        </p:spPr>
+        <p:style>
+          <a:lnRef idx="1">
+            <a:schemeClr val="accent1"/>
+          </a:lnRef>
+          <a:fillRef idx="0">
+            <a:schemeClr val="accent1"/>
+          </a:fillRef>
+          <a:effectRef idx="0">
+            <a:schemeClr val="accent1"/>
+          </a:effectRef>
+          <a:fontRef idx="minor">
+            <a:schemeClr val="tx1"/>
+          </a:fontRef>
+        </p:style>
+      </p:cxnSp>
+      <p:cxnSp>
+        <p:nvCxnSpPr>
+          <p:cNvPr id="256" name="Elbow Connector 255">
+            <a:extLst>
+              <a:ext uri="{FF2B5EF4-FFF2-40B4-BE49-F238E27FC236}">
+                <a16:creationId xmlns:a16="http://schemas.microsoft.com/office/drawing/2014/main" id="{B6108CFD-F123-194A-A1F1-80188928A0A6}"/>
+              </a:ext>
+            </a:extLst>
+          </p:cNvPr>
+          <p:cNvCxnSpPr>
+            <a:cxnSpLocks/>
+            <a:stCxn id="173" idx="2"/>
+            <a:endCxn id="116" idx="0"/>
+          </p:cNvCxnSpPr>
+          <p:nvPr/>
+        </p:nvCxnSpPr>
+        <p:spPr>
+          <a:xfrm rot="5400000">
+            <a:off x="1350000" y="5040000"/>
+            <a:ext cx="360000" cy="12700"/>
+          </a:xfrm>
+          <a:prstGeom prst="bentConnector3">
+            <a:avLst>
+              <a:gd name="adj1" fmla="val 50000"/>
+            </a:avLst>
+          </a:prstGeom>
+          <a:ln>
+            <a:tailEnd type="triangle"/>
+          </a:ln>
+        </p:spPr>
+        <p:style>
+          <a:lnRef idx="1">
+            <a:schemeClr val="accent1"/>
+          </a:lnRef>
+          <a:fillRef idx="0">
+            <a:schemeClr val="accent1"/>
+          </a:fillRef>
+          <a:effectRef idx="0">
+            <a:schemeClr val="accent1"/>
+          </a:effectRef>
+          <a:fontRef idx="minor">
+            <a:schemeClr val="tx1"/>
+          </a:fontRef>
+        </p:style>
+      </p:cxnSp>
+      <p:cxnSp>
+        <p:nvCxnSpPr>
+          <p:cNvPr id="274" name="Elbow Connector 273">
+            <a:extLst>
+              <a:ext uri="{FF2B5EF4-FFF2-40B4-BE49-F238E27FC236}">
+                <a16:creationId xmlns:a16="http://schemas.microsoft.com/office/drawing/2014/main" id="{DCE1F6EE-1651-2B44-9FC5-E884BB26E26E}"/>
+              </a:ext>
+            </a:extLst>
+          </p:cNvPr>
+          <p:cNvCxnSpPr>
+            <a:cxnSpLocks/>
+            <a:stCxn id="108" idx="1"/>
+            <a:endCxn id="36" idx="3"/>
+          </p:cNvCxnSpPr>
+          <p:nvPr/>
+        </p:nvCxnSpPr>
+        <p:spPr>
+          <a:xfrm rot="10800000">
+            <a:off x="6480000" y="4590000"/>
+            <a:ext cx="360000" cy="900"/>
+          </a:xfrm>
+          <a:prstGeom prst="bentConnector3">
+            <a:avLst>
+              <a:gd name="adj1" fmla="val 50000"/>
+            </a:avLst>
+          </a:prstGeom>
+          <a:ln>
+            <a:prstDash val="dash"/>
+            <a:tailEnd type="triangle"/>
+          </a:ln>
+        </p:spPr>
+        <p:style>
+          <a:lnRef idx="1">
+            <a:schemeClr val="accent1"/>
+          </a:lnRef>
+          <a:fillRef idx="0">
+            <a:schemeClr val="accent1"/>
+          </a:fillRef>
+          <a:effectRef idx="0">
+            <a:schemeClr val="accent1"/>
+          </a:effectRef>
+          <a:fontRef idx="minor">
+            <a:schemeClr val="tx1"/>
+          </a:fontRef>
+        </p:style>
+      </p:cxnSp>
+      <p:cxnSp>
+        <p:nvCxnSpPr>
+          <p:cNvPr id="278" name="Elbow Connector 277">
+            <a:extLst>
+              <a:ext uri="{FF2B5EF4-FFF2-40B4-BE49-F238E27FC236}">
+                <a16:creationId xmlns:a16="http://schemas.microsoft.com/office/drawing/2014/main" id="{EC07CDE6-0428-B349-AA3F-163B9F8B9522}"/>
+              </a:ext>
+            </a:extLst>
+          </p:cNvPr>
+          <p:cNvCxnSpPr>
+            <a:cxnSpLocks/>
+            <a:stCxn id="29" idx="0"/>
+            <a:endCxn id="148" idx="3"/>
+          </p:cNvCxnSpPr>
+          <p:nvPr/>
+        </p:nvCxnSpPr>
+        <p:spPr>
+          <a:xfrm rot="5400000" flipH="1" flipV="1">
+            <a:off x="7740000" y="4860000"/>
+            <a:ext cx="2610000" cy="2070000"/>
+          </a:xfrm>
+          <a:prstGeom prst="bentConnector4">
+            <a:avLst>
+              <a:gd name="adj1" fmla="val 44828"/>
+              <a:gd name="adj2" fmla="val 111043"/>
+            </a:avLst>
+          </a:prstGeom>
+          <a:ln>
+            <a:tailEnd type="triangle"/>
+          </a:ln>
+        </p:spPr>
+        <p:style>
+          <a:lnRef idx="1">
+            <a:schemeClr val="accent1"/>
+          </a:lnRef>
+          <a:fillRef idx="0">
+            <a:schemeClr val="accent1"/>
+          </a:fillRef>
+          <a:effectRef idx="0">
+            <a:schemeClr val="accent1"/>
+          </a:effectRef>
+          <a:fontRef idx="minor">
+            <a:schemeClr val="tx1"/>
+          </a:fontRef>
+        </p:style>
+      </p:cxnSp>
+      <p:cxnSp>
+        <p:nvCxnSpPr>
+          <p:cNvPr id="283" name="Elbow Connector 282">
+            <a:extLst>
+              <a:ext uri="{FF2B5EF4-FFF2-40B4-BE49-F238E27FC236}">
+                <a16:creationId xmlns:a16="http://schemas.microsoft.com/office/drawing/2014/main" id="{F65012B1-8420-2642-8CC7-DE808C5A279C}"/>
+              </a:ext>
+            </a:extLst>
+          </p:cNvPr>
+          <p:cNvCxnSpPr>
+            <a:cxnSpLocks/>
+            <a:stCxn id="36" idx="1"/>
+            <a:endCxn id="12" idx="0"/>
+          </p:cNvCxnSpPr>
+          <p:nvPr/>
+        </p:nvCxnSpPr>
+        <p:spPr>
+          <a:xfrm rot="10800000" flipV="1">
+            <a:off x="4770000" y="4590000"/>
+            <a:ext cx="450000" cy="630000"/>
+          </a:xfrm>
+          <a:prstGeom prst="bentConnector2">
+            <a:avLst/>
+          </a:prstGeom>
+          <a:ln>
+            <a:prstDash val="dash"/>
+            <a:tailEnd type="triangle"/>
+          </a:ln>
+        </p:spPr>
+        <p:style>
+          <a:lnRef idx="1">
+            <a:schemeClr val="accent1"/>
+          </a:lnRef>
+          <a:fillRef idx="0">
+            <a:schemeClr val="accent1"/>
+          </a:fillRef>
+          <a:effectRef idx="0">
+            <a:schemeClr val="accent1"/>
+          </a:effectRef>
+          <a:fontRef idx="minor">
+            <a:schemeClr val="tx1"/>
+          </a:fontRef>
+        </p:style>
+      </p:cxnSp>
+      <p:cxnSp>
+        <p:nvCxnSpPr>
+          <p:cNvPr id="318" name="Elbow Connector 317">
+            <a:extLst>
+              <a:ext uri="{FF2B5EF4-FFF2-40B4-BE49-F238E27FC236}">
+                <a16:creationId xmlns:a16="http://schemas.microsoft.com/office/drawing/2014/main" id="{B329DC1F-A4D4-5146-8CF7-B2ADF5E81ED5}"/>
+              </a:ext>
+            </a:extLst>
+          </p:cNvPr>
+          <p:cNvCxnSpPr>
+            <a:cxnSpLocks/>
+          </p:cNvCxnSpPr>
+          <p:nvPr/>
+        </p:nvCxnSpPr>
+        <p:spPr>
+          <a:xfrm>
+            <a:off x="10945940" y="7034570"/>
+            <a:ext cx="407276" cy="3022"/>
+          </a:xfrm>
+          <a:prstGeom prst="bentConnector3">
+            <a:avLst>
+              <a:gd name="adj1" fmla="val 50000"/>
+            </a:avLst>
+          </a:prstGeom>
+          <a:ln>
+            <a:prstDash val="dash"/>
+            <a:tailEnd type="triangle"/>
+          </a:ln>
+        </p:spPr>
+        <p:style>
+          <a:lnRef idx="1">
+            <a:schemeClr val="accent1"/>
+          </a:lnRef>
+          <a:fillRef idx="0">
+            <a:schemeClr val="accent1"/>
+          </a:fillRef>
+          <a:effectRef idx="0">
+            <a:schemeClr val="accent1"/>
+          </a:effectRef>
+          <a:fontRef idx="minor">
+            <a:schemeClr val="tx1"/>
+          </a:fontRef>
+        </p:style>
+      </p:cxnSp>
+      <p:sp>
+        <p:nvSpPr>
+          <p:cNvPr id="321" name="TextBox 320">
+            <a:extLst>
+              <a:ext uri="{FF2B5EF4-FFF2-40B4-BE49-F238E27FC236}">
+                <a16:creationId xmlns:a16="http://schemas.microsoft.com/office/drawing/2014/main" id="{FC347B98-7402-7F40-9733-A0912DA7C3C1}"/>
+              </a:ext>
+            </a:extLst>
+          </p:cNvPr>
+          <p:cNvSpPr txBox="1"/>
+          <p:nvPr/>
+        </p:nvSpPr>
+        <p:spPr>
+          <a:xfrm>
+            <a:off x="11402876" y="6910655"/>
+            <a:ext cx="798617" cy="646331"/>
+          </a:xfrm>
+          <a:prstGeom prst="rect">
+            <a:avLst/>
+          </a:prstGeom>
+          <a:noFill/>
+        </p:spPr>
+        <p:txBody>
+          <a:bodyPr wrap="none" rtlCol="0">
+            <a:spAutoFit/>
+          </a:bodyPr>
+          <a:lstStyle/>
+          <a:p>
+            <a:r>
+              <a:rPr lang="de-DE" sz="1200" dirty="0" err="1">
+                <a:latin typeface="Arial" panose="020B0604020202020204" pitchFamily="34" charset="0"/>
+                <a:cs typeface="Arial" panose="020B0604020202020204" pitchFamily="34" charset="0"/>
+              </a:rPr>
+              <a:t>data</a:t>
+            </a:r>
+            <a:r>
+              <a:rPr lang="de-DE" sz="1200" dirty="0">
+                <a:latin typeface="Arial" panose="020B0604020202020204" pitchFamily="34" charset="0"/>
+                <a:cs typeface="Arial" panose="020B0604020202020204" pitchFamily="34" charset="0"/>
+              </a:rPr>
+              <a:t> </a:t>
+            </a:r>
+            <a:r>
+              <a:rPr lang="de-DE" sz="1200" dirty="0" err="1">
+                <a:latin typeface="Arial" panose="020B0604020202020204" pitchFamily="34" charset="0"/>
+                <a:cs typeface="Arial" panose="020B0604020202020204" pitchFamily="34" charset="0"/>
+              </a:rPr>
+              <a:t>flow</a:t>
+            </a:r>
+            <a:br>
+              <a:rPr lang="de-DE" sz="1200" dirty="0">
+                <a:latin typeface="Arial" panose="020B0604020202020204" pitchFamily="34" charset="0"/>
+                <a:cs typeface="Arial" panose="020B0604020202020204" pitchFamily="34" charset="0"/>
+              </a:rPr>
+            </a:br>
+            <a:br>
+              <a:rPr lang="de-DE" sz="1200" dirty="0">
+                <a:latin typeface="Arial" panose="020B0604020202020204" pitchFamily="34" charset="0"/>
+                <a:cs typeface="Arial" panose="020B0604020202020204" pitchFamily="34" charset="0"/>
+              </a:rPr>
+            </a:br>
+            <a:r>
+              <a:rPr lang="de-DE" sz="1200" dirty="0" err="1">
+                <a:latin typeface="Arial" panose="020B0604020202020204" pitchFamily="34" charset="0"/>
+                <a:cs typeface="Arial" panose="020B0604020202020204" pitchFamily="34" charset="0"/>
+              </a:rPr>
+              <a:t>includes</a:t>
+            </a:r>
+            <a:endParaRPr lang="de-DE" sz="1200" dirty="0">
+              <a:latin typeface="Courier" pitchFamily="2" charset="0"/>
+              <a:cs typeface="Arial" panose="020B0604020202020204" pitchFamily="34" charset="0"/>
+            </a:endParaRPr>
+          </a:p>
+        </p:txBody>
+      </p:sp>
+      <p:cxnSp>
+        <p:nvCxnSpPr>
+          <p:cNvPr id="322" name="Elbow Connector 321">
+            <a:extLst>
+              <a:ext uri="{FF2B5EF4-FFF2-40B4-BE49-F238E27FC236}">
+                <a16:creationId xmlns:a16="http://schemas.microsoft.com/office/drawing/2014/main" id="{A934EA42-B256-FC4E-8968-D71FDB11AA16}"/>
+              </a:ext>
+            </a:extLst>
+          </p:cNvPr>
+          <p:cNvCxnSpPr>
+            <a:cxnSpLocks/>
+          </p:cNvCxnSpPr>
+          <p:nvPr/>
+        </p:nvCxnSpPr>
+        <p:spPr>
+          <a:xfrm>
+            <a:off x="10945940" y="7437458"/>
+            <a:ext cx="407276" cy="3022"/>
+          </a:xfrm>
+          <a:prstGeom prst="bentConnector3">
+            <a:avLst>
+              <a:gd name="adj1" fmla="val 50000"/>
+            </a:avLst>
+          </a:prstGeom>
+          <a:ln>
+            <a:prstDash val="solid"/>
+            <a:tailEnd type="triangle"/>
+          </a:ln>
+        </p:spPr>
+        <p:style>
+          <a:lnRef idx="1">
+            <a:schemeClr val="accent1"/>
+          </a:lnRef>
+          <a:fillRef idx="0">
+            <a:schemeClr val="accent1"/>
+          </a:fillRef>
+          <a:effectRef idx="0">
+            <a:schemeClr val="accent1"/>
+          </a:effectRef>
+          <a:fontRef idx="minor">
+            <a:schemeClr val="tx1"/>
+          </a:fontRef>
+        </p:style>
+      </p:cxnSp>
+      <p:cxnSp>
+        <p:nvCxnSpPr>
+          <p:cNvPr id="323" name="Elbow Connector 322">
+            <a:extLst>
+              <a:ext uri="{FF2B5EF4-FFF2-40B4-BE49-F238E27FC236}">
+                <a16:creationId xmlns:a16="http://schemas.microsoft.com/office/drawing/2014/main" id="{494FF44D-AC4B-304E-B3F9-48C82D1BCE3A}"/>
+              </a:ext>
+            </a:extLst>
+          </p:cNvPr>
+          <p:cNvCxnSpPr>
+            <a:cxnSpLocks/>
+            <a:stCxn id="84" idx="0"/>
+            <a:endCxn id="148" idx="3"/>
+          </p:cNvCxnSpPr>
+          <p:nvPr/>
+        </p:nvCxnSpPr>
+        <p:spPr>
+          <a:xfrm rot="5400000" flipH="1" flipV="1">
+            <a:off x="8550000" y="5670000"/>
+            <a:ext cx="2610000" cy="450000"/>
+          </a:xfrm>
+          <a:prstGeom prst="bentConnector4">
+            <a:avLst>
+              <a:gd name="adj1" fmla="val 44828"/>
+              <a:gd name="adj2" fmla="val 150800"/>
+            </a:avLst>
+          </a:prstGeom>
+          <a:ln>
+            <a:tailEnd type="triangle"/>
+          </a:ln>
+        </p:spPr>
+        <p:style>
+          <a:lnRef idx="1">
+            <a:schemeClr val="accent1"/>
+          </a:lnRef>
+          <a:fillRef idx="0">
+            <a:schemeClr val="accent1"/>
+          </a:fillRef>
+          <a:effectRef idx="0">
+            <a:schemeClr val="accent1"/>
+          </a:effectRef>
+          <a:fontRef idx="minor">
+            <a:schemeClr val="tx1"/>
+          </a:fontRef>
+        </p:style>
+      </p:cxnSp>
+      <p:cxnSp>
+        <p:nvCxnSpPr>
+          <p:cNvPr id="327" name="Elbow Connector 326">
+            <a:extLst>
+              <a:ext uri="{FF2B5EF4-FFF2-40B4-BE49-F238E27FC236}">
+                <a16:creationId xmlns:a16="http://schemas.microsoft.com/office/drawing/2014/main" id="{0C459651-B45D-B84F-BDD6-C30A7A6FBEC3}"/>
+              </a:ext>
+            </a:extLst>
+          </p:cNvPr>
+          <p:cNvCxnSpPr>
+            <a:cxnSpLocks/>
+            <a:stCxn id="111" idx="0"/>
+            <a:endCxn id="84" idx="2"/>
+          </p:cNvCxnSpPr>
+          <p:nvPr/>
+        </p:nvCxnSpPr>
+        <p:spPr>
+          <a:xfrm rot="5400000" flipH="1" flipV="1">
+            <a:off x="9450000" y="7920000"/>
+            <a:ext cx="360000" cy="12700"/>
+          </a:xfrm>
+          <a:prstGeom prst="bentConnector3">
+            <a:avLst>
+              <a:gd name="adj1" fmla="val 50000"/>
+            </a:avLst>
+          </a:prstGeom>
+          <a:ln>
+            <a:tailEnd type="triangle"/>
+          </a:ln>
+        </p:spPr>
+        <p:style>
+          <a:lnRef idx="1">
+            <a:schemeClr val="accent1"/>
+          </a:lnRef>
+          <a:fillRef idx="0">
+            <a:schemeClr val="accent1"/>
+          </a:fillRef>
+          <a:effectRef idx="0">
+            <a:schemeClr val="accent1"/>
+          </a:effectRef>
+          <a:fontRef idx="minor">
+            <a:schemeClr val="tx1"/>
+          </a:fontRef>
+        </p:style>
+      </p:cxnSp>
+      <p:cxnSp>
+        <p:nvCxnSpPr>
+          <p:cNvPr id="334" name="Elbow Connector 333">
+            <a:extLst>
+              <a:ext uri="{FF2B5EF4-FFF2-40B4-BE49-F238E27FC236}">
+                <a16:creationId xmlns:a16="http://schemas.microsoft.com/office/drawing/2014/main" id="{3701092A-DF69-8E49-95EA-16C67BBBFBF1}"/>
+              </a:ext>
+            </a:extLst>
+          </p:cNvPr>
+          <p:cNvCxnSpPr>
+            <a:cxnSpLocks/>
+            <a:stCxn id="109" idx="0"/>
+            <a:endCxn id="111" idx="2"/>
+          </p:cNvCxnSpPr>
+          <p:nvPr/>
+        </p:nvCxnSpPr>
+        <p:spPr>
+          <a:xfrm rot="5400000" flipH="1" flipV="1">
+            <a:off x="9450000" y="8820000"/>
+            <a:ext cx="360000" cy="12700"/>
+          </a:xfrm>
+          <a:prstGeom prst="bentConnector3">
+            <a:avLst>
+              <a:gd name="adj1" fmla="val 50000"/>
+            </a:avLst>
+          </a:prstGeom>
+          <a:ln>
+            <a:tailEnd type="triangle"/>
+          </a:ln>
+        </p:spPr>
+        <p:style>
+          <a:lnRef idx="1">
+            <a:schemeClr val="accent1"/>
+          </a:lnRef>
+          <a:fillRef idx="0">
+            <a:schemeClr val="accent1"/>
+          </a:fillRef>
+          <a:effectRef idx="0">
+            <a:schemeClr val="accent1"/>
+          </a:effectRef>
+          <a:fontRef idx="minor">
+            <a:schemeClr val="tx1"/>
+          </a:fontRef>
+        </p:style>
+      </p:cxnSp>
+      <p:cxnSp>
+        <p:nvCxnSpPr>
+          <p:cNvPr id="337" name="Elbow Connector 336">
+            <a:extLst>
+              <a:ext uri="{FF2B5EF4-FFF2-40B4-BE49-F238E27FC236}">
+                <a16:creationId xmlns:a16="http://schemas.microsoft.com/office/drawing/2014/main" id="{78159B24-AEE3-374C-93E9-622915D5A813}"/>
+              </a:ext>
+            </a:extLst>
+          </p:cNvPr>
+          <p:cNvCxnSpPr>
+            <a:cxnSpLocks/>
+            <a:stCxn id="67" idx="0"/>
+            <a:endCxn id="148" idx="3"/>
+          </p:cNvCxnSpPr>
+          <p:nvPr/>
+        </p:nvCxnSpPr>
+        <p:spPr>
+          <a:xfrm rot="5400000" flipH="1" flipV="1">
+            <a:off x="6930000" y="4050000"/>
+            <a:ext cx="2610000" cy="3690000"/>
+          </a:xfrm>
+          <a:prstGeom prst="bentConnector4">
+            <a:avLst>
+              <a:gd name="adj1" fmla="val 44828"/>
+              <a:gd name="adj2" fmla="val 106195"/>
+            </a:avLst>
+          </a:prstGeom>
+          <a:ln>
+            <a:tailEnd type="triangle"/>
+          </a:ln>
+        </p:spPr>
+        <p:style>
+          <a:lnRef idx="1">
+            <a:schemeClr val="accent1"/>
+          </a:lnRef>
+          <a:fillRef idx="0">
+            <a:schemeClr val="accent1"/>
+          </a:fillRef>
+          <a:effectRef idx="0">
+            <a:schemeClr val="accent1"/>
+          </a:effectRef>
+          <a:fontRef idx="minor">
+            <a:schemeClr val="tx1"/>
+          </a:fontRef>
+        </p:style>
+      </p:cxnSp>
+      <p:cxnSp>
+        <p:nvCxnSpPr>
+          <p:cNvPr id="342" name="Elbow Connector 341">
+            <a:extLst>
+              <a:ext uri="{FF2B5EF4-FFF2-40B4-BE49-F238E27FC236}">
+                <a16:creationId xmlns:a16="http://schemas.microsoft.com/office/drawing/2014/main" id="{8233F3F1-5C89-1642-92B4-A73ADAB5D7DF}"/>
+              </a:ext>
+            </a:extLst>
+          </p:cNvPr>
+          <p:cNvCxnSpPr>
+            <a:cxnSpLocks/>
+            <a:stCxn id="31" idx="3"/>
+            <a:endCxn id="84" idx="1"/>
+          </p:cNvCxnSpPr>
+          <p:nvPr/>
+        </p:nvCxnSpPr>
+        <p:spPr>
+          <a:xfrm flipV="1">
+            <a:off x="8640000" y="7470000"/>
+            <a:ext cx="360000" cy="900000"/>
+          </a:xfrm>
+          <a:prstGeom prst="bentConnector3">
+            <a:avLst>
+              <a:gd name="adj1" fmla="val 50000"/>
+            </a:avLst>
+          </a:prstGeom>
+          <a:ln>
+            <a:tailEnd type="triangle"/>
+          </a:ln>
+        </p:spPr>
+        <p:style>
+          <a:lnRef idx="1">
+            <a:schemeClr val="accent1"/>
+          </a:lnRef>
+          <a:fillRef idx="0">
+            <a:schemeClr val="accent1"/>
+          </a:fillRef>
+          <a:effectRef idx="0">
+            <a:schemeClr val="accent1"/>
+          </a:effectRef>
+          <a:fontRef idx="minor">
+            <a:schemeClr val="tx1"/>
+          </a:fontRef>
+        </p:style>
+      </p:cxnSp>
+      <p:cxnSp>
+        <p:nvCxnSpPr>
+          <p:cNvPr id="378" name="Elbow Connector 377">
+            <a:extLst>
+              <a:ext uri="{FF2B5EF4-FFF2-40B4-BE49-F238E27FC236}">
+                <a16:creationId xmlns:a16="http://schemas.microsoft.com/office/drawing/2014/main" id="{E8E7DBB4-317C-F24A-BE34-A285B59B454B}"/>
+              </a:ext>
+            </a:extLst>
+          </p:cNvPr>
+          <p:cNvCxnSpPr>
+            <a:cxnSpLocks/>
+            <a:stCxn id="33" idx="1"/>
+            <a:endCxn id="40" idx="3"/>
+          </p:cNvCxnSpPr>
+          <p:nvPr/>
+        </p:nvCxnSpPr>
+        <p:spPr>
+          <a:xfrm rot="10800000">
+            <a:off x="8100000" y="2802700"/>
+            <a:ext cx="360000" cy="0"/>
+          </a:xfrm>
+          <a:prstGeom prst="bentConnector3">
+            <a:avLst>
+              <a:gd name="adj1" fmla="val 50000"/>
+            </a:avLst>
+          </a:prstGeom>
+          <a:ln>
+            <a:tailEnd type="triangle"/>
+          </a:ln>
+        </p:spPr>
+        <p:style>
+          <a:lnRef idx="1">
+            <a:schemeClr val="accent1"/>
+          </a:lnRef>
+          <a:fillRef idx="0">
+            <a:schemeClr val="accent1"/>
+          </a:fillRef>
+          <a:effectRef idx="0">
+            <a:schemeClr val="accent1"/>
+          </a:effectRef>
+          <a:fontRef idx="minor">
+            <a:schemeClr val="tx1"/>
+          </a:fontRef>
+        </p:style>
+      </p:cxnSp>
+      <p:sp>
+        <p:nvSpPr>
+          <p:cNvPr id="381" name="Rectangle 380">
+            <a:extLst>
+              <a:ext uri="{FF2B5EF4-FFF2-40B4-BE49-F238E27FC236}">
+                <a16:creationId xmlns:a16="http://schemas.microsoft.com/office/drawing/2014/main" id="{5A95D46E-86C0-7C41-9B33-C47148B06BC4}"/>
+              </a:ext>
+            </a:extLst>
+          </p:cNvPr>
+          <p:cNvSpPr/>
+          <p:nvPr/>
+        </p:nvSpPr>
+        <p:spPr>
+          <a:xfrm>
+            <a:off x="-3710622" y="1577081"/>
+            <a:ext cx="3614036" cy="7516119"/>
+          </a:xfrm>
+          <a:prstGeom prst="rect">
+            <a:avLst/>
+          </a:prstGeom>
+          <a:solidFill>
+            <a:srgbClr val="FFC000">
+              <a:alpha val="10000"/>
+            </a:srgbClr>
+          </a:solidFill>
+          <a:ln>
+            <a:prstDash val="dash"/>
+          </a:ln>
+        </p:spPr>
+        <p:style>
+          <a:lnRef idx="2">
+            <a:schemeClr val="accent1">
+              <a:shade val="50000"/>
+            </a:schemeClr>
+          </a:lnRef>
+          <a:fillRef idx="1">
+            <a:schemeClr val="accent1"/>
+          </a:fillRef>
+          <a:effectRef idx="0">
+            <a:schemeClr val="accent1"/>
+          </a:effectRef>
+          <a:fontRef idx="minor">
+            <a:schemeClr val="lt1"/>
+          </a:fontRef>
+        </p:style>
+        <p:txBody>
+          <a:bodyPr rtlCol="0" anchor="t"/>
+          <a:lstStyle/>
+          <a:p>
+            <a:r>
+              <a:rPr lang="de-DE" sz="1200" dirty="0" err="1">
+                <a:solidFill>
+                  <a:schemeClr val="tx1"/>
+                </a:solidFill>
+                <a:latin typeface="Arial" panose="020B0604020202020204" pitchFamily="34" charset="0"/>
+                <a:cs typeface="Arial" panose="020B0604020202020204" pitchFamily="34" charset="0"/>
+              </a:rPr>
+              <a:t>Math</a:t>
+            </a:r>
+            <a:r>
+              <a:rPr lang="de-DE" sz="1200" dirty="0">
+                <a:solidFill>
+                  <a:schemeClr val="tx1"/>
+                </a:solidFill>
+                <a:latin typeface="Arial" panose="020B0604020202020204" pitchFamily="34" charset="0"/>
+                <a:cs typeface="Arial" panose="020B0604020202020204" pitchFamily="34" charset="0"/>
+              </a:rPr>
+              <a:t> &amp; </a:t>
+            </a:r>
+            <a:r>
+              <a:rPr lang="de-DE" sz="1200" dirty="0" err="1">
+                <a:solidFill>
+                  <a:schemeClr val="tx1"/>
+                </a:solidFill>
+                <a:latin typeface="Arial" panose="020B0604020202020204" pitchFamily="34" charset="0"/>
+                <a:cs typeface="Arial" panose="020B0604020202020204" pitchFamily="34" charset="0"/>
+              </a:rPr>
+              <a:t>Uitlities</a:t>
+            </a:r>
+            <a:endParaRPr lang="de-DE" sz="1200" dirty="0">
+              <a:solidFill>
+                <a:schemeClr val="tx1"/>
+              </a:solidFill>
+              <a:latin typeface="Arial" panose="020B0604020202020204" pitchFamily="34" charset="0"/>
+              <a:cs typeface="Arial" panose="020B0604020202020204" pitchFamily="34" charset="0"/>
+            </a:endParaRPr>
+          </a:p>
+        </p:txBody>
+      </p:sp>
+      <p:cxnSp>
+        <p:nvCxnSpPr>
+          <p:cNvPr id="382" name="Elbow Connector 381">
+            <a:extLst>
+              <a:ext uri="{FF2B5EF4-FFF2-40B4-BE49-F238E27FC236}">
+                <a16:creationId xmlns:a16="http://schemas.microsoft.com/office/drawing/2014/main" id="{A2350599-D3A1-2640-9A43-A7AC71D66B78}"/>
+              </a:ext>
+            </a:extLst>
+          </p:cNvPr>
+          <p:cNvCxnSpPr>
+            <a:cxnSpLocks/>
+            <a:stCxn id="29" idx="1"/>
+            <a:endCxn id="142" idx="3"/>
+          </p:cNvCxnSpPr>
+          <p:nvPr/>
+        </p:nvCxnSpPr>
+        <p:spPr>
+          <a:xfrm rot="10800000" flipV="1">
+            <a:off x="7020000" y="7470000"/>
+            <a:ext cx="360000" cy="900000"/>
+          </a:xfrm>
+          <a:prstGeom prst="bentConnector3">
+            <a:avLst>
+              <a:gd name="adj1" fmla="val 50000"/>
+            </a:avLst>
+          </a:prstGeom>
+          <a:ln>
+            <a:tailEnd type="triangle"/>
+          </a:ln>
+        </p:spPr>
+        <p:style>
+          <a:lnRef idx="1">
+            <a:schemeClr val="accent1"/>
+          </a:lnRef>
+          <a:fillRef idx="0">
+            <a:schemeClr val="accent1"/>
+          </a:fillRef>
+          <a:effectRef idx="0">
+            <a:schemeClr val="accent1"/>
+          </a:effectRef>
+          <a:fontRef idx="minor">
+            <a:schemeClr val="tx1"/>
+          </a:fontRef>
+        </p:style>
+      </p:cxnSp>
+      <p:cxnSp>
+        <p:nvCxnSpPr>
+          <p:cNvPr id="385" name="Elbow Connector 384">
+            <a:extLst>
+              <a:ext uri="{FF2B5EF4-FFF2-40B4-BE49-F238E27FC236}">
+                <a16:creationId xmlns:a16="http://schemas.microsoft.com/office/drawing/2014/main" id="{5672611D-601D-F047-8E81-AB13C0DAD742}"/>
+              </a:ext>
+            </a:extLst>
+          </p:cNvPr>
+          <p:cNvCxnSpPr>
+            <a:cxnSpLocks/>
+            <a:stCxn id="67" idx="2"/>
+            <a:endCxn id="142" idx="0"/>
+          </p:cNvCxnSpPr>
+          <p:nvPr/>
+        </p:nvCxnSpPr>
+        <p:spPr>
+          <a:xfrm rot="5400000">
+            <a:off x="6210000" y="7920000"/>
+            <a:ext cx="360000" cy="12700"/>
+          </a:xfrm>
+          <a:prstGeom prst="bentConnector3">
+            <a:avLst>
+              <a:gd name="adj1" fmla="val 50000"/>
+            </a:avLst>
+          </a:prstGeom>
+          <a:ln>
+            <a:tailEnd type="triangle"/>
+          </a:ln>
+        </p:spPr>
+        <p:style>
+          <a:lnRef idx="1">
+            <a:schemeClr val="accent1"/>
+          </a:lnRef>
+          <a:fillRef idx="0">
+            <a:schemeClr val="accent1"/>
+          </a:fillRef>
+          <a:effectRef idx="0">
+            <a:schemeClr val="accent1"/>
+          </a:effectRef>
+          <a:fontRef idx="minor">
+            <a:schemeClr val="tx1"/>
+          </a:fontRef>
+        </p:style>
+      </p:cxnSp>
+      <p:cxnSp>
+        <p:nvCxnSpPr>
+          <p:cNvPr id="448" name="Elbow Connector 447">
+            <a:extLst>
+              <a:ext uri="{FF2B5EF4-FFF2-40B4-BE49-F238E27FC236}">
+                <a16:creationId xmlns:a16="http://schemas.microsoft.com/office/drawing/2014/main" id="{4A1E0B6E-4AAB-674C-BC7A-8904AF7D82F9}"/>
+              </a:ext>
+            </a:extLst>
+          </p:cNvPr>
+          <p:cNvCxnSpPr>
+            <a:cxnSpLocks/>
+            <a:stCxn id="12" idx="3"/>
+            <a:endCxn id="146" idx="1"/>
+          </p:cNvCxnSpPr>
+          <p:nvPr/>
+        </p:nvCxnSpPr>
+        <p:spPr>
+          <a:xfrm>
+            <a:off x="5400000" y="5490000"/>
+            <a:ext cx="1440000" cy="12700"/>
+          </a:xfrm>
+          <a:prstGeom prst="bentConnector3">
+            <a:avLst>
+              <a:gd name="adj1" fmla="val 50000"/>
+            </a:avLst>
+          </a:prstGeom>
+          <a:ln>
+            <a:tailEnd type="triangle"/>
+          </a:ln>
+        </p:spPr>
+        <p:style>
+          <a:lnRef idx="1">
+            <a:schemeClr val="accent1"/>
+          </a:lnRef>
+          <a:fillRef idx="0">
+            <a:schemeClr val="accent1"/>
+          </a:fillRef>
+          <a:effectRef idx="0">
+            <a:schemeClr val="accent1"/>
+          </a:effectRef>
+          <a:fontRef idx="minor">
+            <a:schemeClr val="tx1"/>
+          </a:fontRef>
+        </p:style>
+      </p:cxnSp>
     </p:spTree>
     <p:extLst>
       <p:ext uri="{BB962C8B-B14F-4D97-AF65-F5344CB8AC3E}">
